--- a/Amazon/Jeff Bezos .pptx
+++ b/Amazon/Jeff Bezos .pptx
@@ -5,7 +5,7 @@
     <p:sldMasterId id="2147483660" r:id="rId1"/>
   </p:sldMasterIdLst>
   <p:notesMasterIdLst>
-    <p:notesMasterId r:id="rId19"/>
+    <p:notesMasterId r:id="rId29"/>
   </p:notesMasterIdLst>
   <p:sldIdLst>
     <p:sldId id="256" r:id="rId2"/>
@@ -22,9 +22,19 @@
     <p:sldId id="266" r:id="rId13"/>
     <p:sldId id="269" r:id="rId14"/>
     <p:sldId id="261" r:id="rId15"/>
-    <p:sldId id="270" r:id="rId16"/>
-    <p:sldId id="262" r:id="rId17"/>
-    <p:sldId id="271" r:id="rId18"/>
+    <p:sldId id="273" r:id="rId16"/>
+    <p:sldId id="274" r:id="rId17"/>
+    <p:sldId id="275" r:id="rId18"/>
+    <p:sldId id="276" r:id="rId19"/>
+    <p:sldId id="278" r:id="rId20"/>
+    <p:sldId id="279" r:id="rId21"/>
+    <p:sldId id="280" r:id="rId22"/>
+    <p:sldId id="281" r:id="rId23"/>
+    <p:sldId id="282" r:id="rId24"/>
+    <p:sldId id="283" r:id="rId25"/>
+    <p:sldId id="270" r:id="rId26"/>
+    <p:sldId id="262" r:id="rId27"/>
+    <p:sldId id="271" r:id="rId28"/>
   </p:sldIdLst>
   <p:sldSz cx="6858000" cy="5143500"/>
   <p:notesSz cx="6858000" cy="9144000"/>
@@ -1232,7 +1242,7 @@
     </p:spTree>
     <p:extLst>
       <p:ext uri="{BB962C8B-B14F-4D97-AF65-F5344CB8AC3E}">
-        <p14:creationId xmlns:p14="http://schemas.microsoft.com/office/powerpoint/2010/main" val="2216117527"/>
+        <p14:creationId xmlns:p14="http://schemas.microsoft.com/office/powerpoint/2010/main" val="1985386610"/>
       </p:ext>
     </p:extLst>
   </p:cSld>
@@ -1338,7 +1348,7 @@
     </p:spTree>
     <p:extLst>
       <p:ext uri="{BB962C8B-B14F-4D97-AF65-F5344CB8AC3E}">
-        <p14:creationId xmlns:p14="http://schemas.microsoft.com/office/powerpoint/2010/main" val="1492910519"/>
+        <p14:creationId xmlns:p14="http://schemas.microsoft.com/office/powerpoint/2010/main" val="268132944"/>
       </p:ext>
     </p:extLst>
   </p:cSld>
@@ -1444,7 +1454,219 @@
     </p:spTree>
     <p:extLst>
       <p:ext uri="{BB962C8B-B14F-4D97-AF65-F5344CB8AC3E}">
-        <p14:creationId xmlns:p14="http://schemas.microsoft.com/office/powerpoint/2010/main" val="4033152443"/>
+        <p14:creationId xmlns:p14="http://schemas.microsoft.com/office/powerpoint/2010/main" val="1721608925"/>
+      </p:ext>
+    </p:extLst>
+  </p:cSld>
+  <p:clrMapOvr>
+    <a:masterClrMapping/>
+  </p:clrMapOvr>
+</p:notes>
+</file>
+
+<file path=ppt/notesSlides/notesSlide18.xml><?xml version="1.0" encoding="utf-8"?>
+<p:notes xmlns:a="http://schemas.openxmlformats.org/drawingml/2006/main" xmlns:r="http://schemas.openxmlformats.org/officeDocument/2006/relationships" xmlns:p="http://schemas.openxmlformats.org/presentationml/2006/main" showMasterSp="0" showMasterPhAnim="0">
+  <p:cSld>
+    <p:spTree>
+      <p:nvGrpSpPr>
+        <p:cNvPr id="1" name="Shape 63"/>
+        <p:cNvGrpSpPr/>
+        <p:nvPr/>
+      </p:nvGrpSpPr>
+      <p:grpSpPr>
+        <a:xfrm>
+          <a:off x="0" y="0"/>
+          <a:ext cx="0" cy="0"/>
+          <a:chOff x="0" y="0"/>
+          <a:chExt cx="0" cy="0"/>
+        </a:xfrm>
+      </p:grpSpPr>
+      <p:sp>
+        <p:nvSpPr>
+          <p:cNvPr id="64" name="Shape 64"/>
+          <p:cNvSpPr>
+            <a:spLocks noGrp="1" noRot="1" noChangeAspect="1"/>
+          </p:cNvSpPr>
+          <p:nvPr>
+            <p:ph type="sldImg" idx="2"/>
+          </p:nvPr>
+        </p:nvSpPr>
+        <p:spPr>
+          <a:xfrm>
+            <a:off x="1143000" y="685800"/>
+            <a:ext cx="4572000" cy="3429000"/>
+          </a:xfrm>
+          <a:custGeom>
+            <a:avLst/>
+            <a:gdLst/>
+            <a:ahLst/>
+            <a:cxnLst/>
+            <a:rect l="0" t="0" r="0" b="0"/>
+            <a:pathLst>
+              <a:path w="120000" h="120000" extrusionOk="0">
+                <a:moveTo>
+                  <a:pt x="0" y="0"/>
+                </a:moveTo>
+                <a:lnTo>
+                  <a:pt x="120000" y="0"/>
+                </a:lnTo>
+                <a:lnTo>
+                  <a:pt x="120000" y="120000"/>
+                </a:lnTo>
+                <a:lnTo>
+                  <a:pt x="0" y="120000"/>
+                </a:lnTo>
+                <a:close/>
+              </a:path>
+            </a:pathLst>
+          </a:custGeom>
+        </p:spPr>
+      </p:sp>
+      <p:sp>
+        <p:nvSpPr>
+          <p:cNvPr id="65" name="Shape 65"/>
+          <p:cNvSpPr txBox="1">
+            <a:spLocks noGrp="1"/>
+          </p:cNvSpPr>
+          <p:nvPr>
+            <p:ph type="body" idx="1"/>
+          </p:nvPr>
+        </p:nvSpPr>
+        <p:spPr>
+          <a:xfrm>
+            <a:off x="685800" y="4343400"/>
+            <a:ext cx="5486400" cy="4114800"/>
+          </a:xfrm>
+          <a:prstGeom prst="rect">
+            <a:avLst/>
+          </a:prstGeom>
+        </p:spPr>
+        <p:txBody>
+          <a:bodyPr lIns="91425" tIns="91425" rIns="91425" bIns="91425" anchor="t" anchorCtr="0">
+            <a:noAutofit/>
+          </a:bodyPr>
+          <a:lstStyle/>
+          <a:p>
+            <a:pPr lvl="0">
+              <a:spcBef>
+                <a:spcPts val="0"/>
+              </a:spcBef>
+              <a:buNone/>
+            </a:pPr>
+            <a:endParaRPr/>
+          </a:p>
+        </p:txBody>
+      </p:sp>
+    </p:spTree>
+    <p:extLst>
+      <p:ext uri="{BB962C8B-B14F-4D97-AF65-F5344CB8AC3E}">
+        <p14:creationId xmlns:p14="http://schemas.microsoft.com/office/powerpoint/2010/main" val="3282868622"/>
+      </p:ext>
+    </p:extLst>
+  </p:cSld>
+  <p:clrMapOvr>
+    <a:masterClrMapping/>
+  </p:clrMapOvr>
+</p:notes>
+</file>
+
+<file path=ppt/notesSlides/notesSlide19.xml><?xml version="1.0" encoding="utf-8"?>
+<p:notes xmlns:a="http://schemas.openxmlformats.org/drawingml/2006/main" xmlns:r="http://schemas.openxmlformats.org/officeDocument/2006/relationships" xmlns:p="http://schemas.openxmlformats.org/presentationml/2006/main" showMasterSp="0" showMasterPhAnim="0">
+  <p:cSld>
+    <p:spTree>
+      <p:nvGrpSpPr>
+        <p:cNvPr id="1" name="Shape 63"/>
+        <p:cNvGrpSpPr/>
+        <p:nvPr/>
+      </p:nvGrpSpPr>
+      <p:grpSpPr>
+        <a:xfrm>
+          <a:off x="0" y="0"/>
+          <a:ext cx="0" cy="0"/>
+          <a:chOff x="0" y="0"/>
+          <a:chExt cx="0" cy="0"/>
+        </a:xfrm>
+      </p:grpSpPr>
+      <p:sp>
+        <p:nvSpPr>
+          <p:cNvPr id="64" name="Shape 64"/>
+          <p:cNvSpPr>
+            <a:spLocks noGrp="1" noRot="1" noChangeAspect="1"/>
+          </p:cNvSpPr>
+          <p:nvPr>
+            <p:ph type="sldImg" idx="2"/>
+          </p:nvPr>
+        </p:nvSpPr>
+        <p:spPr>
+          <a:xfrm>
+            <a:off x="1143000" y="685800"/>
+            <a:ext cx="4572000" cy="3429000"/>
+          </a:xfrm>
+          <a:custGeom>
+            <a:avLst/>
+            <a:gdLst/>
+            <a:ahLst/>
+            <a:cxnLst/>
+            <a:rect l="0" t="0" r="0" b="0"/>
+            <a:pathLst>
+              <a:path w="120000" h="120000" extrusionOk="0">
+                <a:moveTo>
+                  <a:pt x="0" y="0"/>
+                </a:moveTo>
+                <a:lnTo>
+                  <a:pt x="120000" y="0"/>
+                </a:lnTo>
+                <a:lnTo>
+                  <a:pt x="120000" y="120000"/>
+                </a:lnTo>
+                <a:lnTo>
+                  <a:pt x="0" y="120000"/>
+                </a:lnTo>
+                <a:close/>
+              </a:path>
+            </a:pathLst>
+          </a:custGeom>
+        </p:spPr>
+      </p:sp>
+      <p:sp>
+        <p:nvSpPr>
+          <p:cNvPr id="65" name="Shape 65"/>
+          <p:cNvSpPr txBox="1">
+            <a:spLocks noGrp="1"/>
+          </p:cNvSpPr>
+          <p:nvPr>
+            <p:ph type="body" idx="1"/>
+          </p:nvPr>
+        </p:nvSpPr>
+        <p:spPr>
+          <a:xfrm>
+            <a:off x="685800" y="4343400"/>
+            <a:ext cx="5486400" cy="4114800"/>
+          </a:xfrm>
+          <a:prstGeom prst="rect">
+            <a:avLst/>
+          </a:prstGeom>
+        </p:spPr>
+        <p:txBody>
+          <a:bodyPr lIns="91425" tIns="91425" rIns="91425" bIns="91425" anchor="t" anchorCtr="0">
+            <a:noAutofit/>
+          </a:bodyPr>
+          <a:lstStyle/>
+          <a:p>
+            <a:pPr lvl="0">
+              <a:spcBef>
+                <a:spcPts val="0"/>
+              </a:spcBef>
+              <a:buNone/>
+            </a:pPr>
+            <a:endParaRPr/>
+          </a:p>
+        </p:txBody>
+      </p:sp>
+    </p:spTree>
+    <p:extLst>
+      <p:ext uri="{BB962C8B-B14F-4D97-AF65-F5344CB8AC3E}">
+        <p14:creationId xmlns:p14="http://schemas.microsoft.com/office/powerpoint/2010/main" val="2802707367"/>
       </p:ext>
     </p:extLst>
   </p:cSld>
@@ -1551,6 +1773,854 @@
     <p:extLst>
       <p:ext uri="{BB962C8B-B14F-4D97-AF65-F5344CB8AC3E}">
         <p14:creationId xmlns:p14="http://schemas.microsoft.com/office/powerpoint/2010/main" val="3635992805"/>
+      </p:ext>
+    </p:extLst>
+  </p:cSld>
+  <p:clrMapOvr>
+    <a:masterClrMapping/>
+  </p:clrMapOvr>
+</p:notes>
+</file>
+
+<file path=ppt/notesSlides/notesSlide20.xml><?xml version="1.0" encoding="utf-8"?>
+<p:notes xmlns:a="http://schemas.openxmlformats.org/drawingml/2006/main" xmlns:r="http://schemas.openxmlformats.org/officeDocument/2006/relationships" xmlns:p="http://schemas.openxmlformats.org/presentationml/2006/main" showMasterSp="0" showMasterPhAnim="0">
+  <p:cSld>
+    <p:spTree>
+      <p:nvGrpSpPr>
+        <p:cNvPr id="1" name="Shape 63"/>
+        <p:cNvGrpSpPr/>
+        <p:nvPr/>
+      </p:nvGrpSpPr>
+      <p:grpSpPr>
+        <a:xfrm>
+          <a:off x="0" y="0"/>
+          <a:ext cx="0" cy="0"/>
+          <a:chOff x="0" y="0"/>
+          <a:chExt cx="0" cy="0"/>
+        </a:xfrm>
+      </p:grpSpPr>
+      <p:sp>
+        <p:nvSpPr>
+          <p:cNvPr id="64" name="Shape 64"/>
+          <p:cNvSpPr>
+            <a:spLocks noGrp="1" noRot="1" noChangeAspect="1"/>
+          </p:cNvSpPr>
+          <p:nvPr>
+            <p:ph type="sldImg" idx="2"/>
+          </p:nvPr>
+        </p:nvSpPr>
+        <p:spPr>
+          <a:xfrm>
+            <a:off x="1143000" y="685800"/>
+            <a:ext cx="4572000" cy="3429000"/>
+          </a:xfrm>
+          <a:custGeom>
+            <a:avLst/>
+            <a:gdLst/>
+            <a:ahLst/>
+            <a:cxnLst/>
+            <a:rect l="0" t="0" r="0" b="0"/>
+            <a:pathLst>
+              <a:path w="120000" h="120000" extrusionOk="0">
+                <a:moveTo>
+                  <a:pt x="0" y="0"/>
+                </a:moveTo>
+                <a:lnTo>
+                  <a:pt x="120000" y="0"/>
+                </a:lnTo>
+                <a:lnTo>
+                  <a:pt x="120000" y="120000"/>
+                </a:lnTo>
+                <a:lnTo>
+                  <a:pt x="0" y="120000"/>
+                </a:lnTo>
+                <a:close/>
+              </a:path>
+            </a:pathLst>
+          </a:custGeom>
+        </p:spPr>
+      </p:sp>
+      <p:sp>
+        <p:nvSpPr>
+          <p:cNvPr id="65" name="Shape 65"/>
+          <p:cNvSpPr txBox="1">
+            <a:spLocks noGrp="1"/>
+          </p:cNvSpPr>
+          <p:nvPr>
+            <p:ph type="body" idx="1"/>
+          </p:nvPr>
+        </p:nvSpPr>
+        <p:spPr>
+          <a:xfrm>
+            <a:off x="685800" y="4343400"/>
+            <a:ext cx="5486400" cy="4114800"/>
+          </a:xfrm>
+          <a:prstGeom prst="rect">
+            <a:avLst/>
+          </a:prstGeom>
+        </p:spPr>
+        <p:txBody>
+          <a:bodyPr lIns="91425" tIns="91425" rIns="91425" bIns="91425" anchor="t" anchorCtr="0">
+            <a:noAutofit/>
+          </a:bodyPr>
+          <a:lstStyle/>
+          <a:p>
+            <a:pPr lvl="0">
+              <a:spcBef>
+                <a:spcPts val="0"/>
+              </a:spcBef>
+              <a:buNone/>
+            </a:pPr>
+            <a:endParaRPr/>
+          </a:p>
+        </p:txBody>
+      </p:sp>
+    </p:spTree>
+    <p:extLst>
+      <p:ext uri="{BB962C8B-B14F-4D97-AF65-F5344CB8AC3E}">
+        <p14:creationId xmlns:p14="http://schemas.microsoft.com/office/powerpoint/2010/main" val="2828445801"/>
+      </p:ext>
+    </p:extLst>
+  </p:cSld>
+  <p:clrMapOvr>
+    <a:masterClrMapping/>
+  </p:clrMapOvr>
+</p:notes>
+</file>
+
+<file path=ppt/notesSlides/notesSlide21.xml><?xml version="1.0" encoding="utf-8"?>
+<p:notes xmlns:a="http://schemas.openxmlformats.org/drawingml/2006/main" xmlns:r="http://schemas.openxmlformats.org/officeDocument/2006/relationships" xmlns:p="http://schemas.openxmlformats.org/presentationml/2006/main" showMasterSp="0" showMasterPhAnim="0">
+  <p:cSld>
+    <p:spTree>
+      <p:nvGrpSpPr>
+        <p:cNvPr id="1" name="Shape 63"/>
+        <p:cNvGrpSpPr/>
+        <p:nvPr/>
+      </p:nvGrpSpPr>
+      <p:grpSpPr>
+        <a:xfrm>
+          <a:off x="0" y="0"/>
+          <a:ext cx="0" cy="0"/>
+          <a:chOff x="0" y="0"/>
+          <a:chExt cx="0" cy="0"/>
+        </a:xfrm>
+      </p:grpSpPr>
+      <p:sp>
+        <p:nvSpPr>
+          <p:cNvPr id="64" name="Shape 64"/>
+          <p:cNvSpPr>
+            <a:spLocks noGrp="1" noRot="1" noChangeAspect="1"/>
+          </p:cNvSpPr>
+          <p:nvPr>
+            <p:ph type="sldImg" idx="2"/>
+          </p:nvPr>
+        </p:nvSpPr>
+        <p:spPr>
+          <a:xfrm>
+            <a:off x="1143000" y="685800"/>
+            <a:ext cx="4572000" cy="3429000"/>
+          </a:xfrm>
+          <a:custGeom>
+            <a:avLst/>
+            <a:gdLst/>
+            <a:ahLst/>
+            <a:cxnLst/>
+            <a:rect l="0" t="0" r="0" b="0"/>
+            <a:pathLst>
+              <a:path w="120000" h="120000" extrusionOk="0">
+                <a:moveTo>
+                  <a:pt x="0" y="0"/>
+                </a:moveTo>
+                <a:lnTo>
+                  <a:pt x="120000" y="0"/>
+                </a:lnTo>
+                <a:lnTo>
+                  <a:pt x="120000" y="120000"/>
+                </a:lnTo>
+                <a:lnTo>
+                  <a:pt x="0" y="120000"/>
+                </a:lnTo>
+                <a:close/>
+              </a:path>
+            </a:pathLst>
+          </a:custGeom>
+        </p:spPr>
+      </p:sp>
+      <p:sp>
+        <p:nvSpPr>
+          <p:cNvPr id="65" name="Shape 65"/>
+          <p:cNvSpPr txBox="1">
+            <a:spLocks noGrp="1"/>
+          </p:cNvSpPr>
+          <p:nvPr>
+            <p:ph type="body" idx="1"/>
+          </p:nvPr>
+        </p:nvSpPr>
+        <p:spPr>
+          <a:xfrm>
+            <a:off x="685800" y="4343400"/>
+            <a:ext cx="5486400" cy="4114800"/>
+          </a:xfrm>
+          <a:prstGeom prst="rect">
+            <a:avLst/>
+          </a:prstGeom>
+        </p:spPr>
+        <p:txBody>
+          <a:bodyPr lIns="91425" tIns="91425" rIns="91425" bIns="91425" anchor="t" anchorCtr="0">
+            <a:noAutofit/>
+          </a:bodyPr>
+          <a:lstStyle/>
+          <a:p>
+            <a:pPr lvl="0">
+              <a:spcBef>
+                <a:spcPts val="0"/>
+              </a:spcBef>
+              <a:buNone/>
+            </a:pPr>
+            <a:endParaRPr/>
+          </a:p>
+        </p:txBody>
+      </p:sp>
+    </p:spTree>
+    <p:extLst>
+      <p:ext uri="{BB962C8B-B14F-4D97-AF65-F5344CB8AC3E}">
+        <p14:creationId xmlns:p14="http://schemas.microsoft.com/office/powerpoint/2010/main" val="3122981760"/>
+      </p:ext>
+    </p:extLst>
+  </p:cSld>
+  <p:clrMapOvr>
+    <a:masterClrMapping/>
+  </p:clrMapOvr>
+</p:notes>
+</file>
+
+<file path=ppt/notesSlides/notesSlide22.xml><?xml version="1.0" encoding="utf-8"?>
+<p:notes xmlns:a="http://schemas.openxmlformats.org/drawingml/2006/main" xmlns:r="http://schemas.openxmlformats.org/officeDocument/2006/relationships" xmlns:p="http://schemas.openxmlformats.org/presentationml/2006/main" showMasterSp="0" showMasterPhAnim="0">
+  <p:cSld>
+    <p:spTree>
+      <p:nvGrpSpPr>
+        <p:cNvPr id="1" name="Shape 63"/>
+        <p:cNvGrpSpPr/>
+        <p:nvPr/>
+      </p:nvGrpSpPr>
+      <p:grpSpPr>
+        <a:xfrm>
+          <a:off x="0" y="0"/>
+          <a:ext cx="0" cy="0"/>
+          <a:chOff x="0" y="0"/>
+          <a:chExt cx="0" cy="0"/>
+        </a:xfrm>
+      </p:grpSpPr>
+      <p:sp>
+        <p:nvSpPr>
+          <p:cNvPr id="64" name="Shape 64"/>
+          <p:cNvSpPr>
+            <a:spLocks noGrp="1" noRot="1" noChangeAspect="1"/>
+          </p:cNvSpPr>
+          <p:nvPr>
+            <p:ph type="sldImg" idx="2"/>
+          </p:nvPr>
+        </p:nvSpPr>
+        <p:spPr>
+          <a:xfrm>
+            <a:off x="1143000" y="685800"/>
+            <a:ext cx="4572000" cy="3429000"/>
+          </a:xfrm>
+          <a:custGeom>
+            <a:avLst/>
+            <a:gdLst/>
+            <a:ahLst/>
+            <a:cxnLst/>
+            <a:rect l="0" t="0" r="0" b="0"/>
+            <a:pathLst>
+              <a:path w="120000" h="120000" extrusionOk="0">
+                <a:moveTo>
+                  <a:pt x="0" y="0"/>
+                </a:moveTo>
+                <a:lnTo>
+                  <a:pt x="120000" y="0"/>
+                </a:lnTo>
+                <a:lnTo>
+                  <a:pt x="120000" y="120000"/>
+                </a:lnTo>
+                <a:lnTo>
+                  <a:pt x="0" y="120000"/>
+                </a:lnTo>
+                <a:close/>
+              </a:path>
+            </a:pathLst>
+          </a:custGeom>
+        </p:spPr>
+      </p:sp>
+      <p:sp>
+        <p:nvSpPr>
+          <p:cNvPr id="65" name="Shape 65"/>
+          <p:cNvSpPr txBox="1">
+            <a:spLocks noGrp="1"/>
+          </p:cNvSpPr>
+          <p:nvPr>
+            <p:ph type="body" idx="1"/>
+          </p:nvPr>
+        </p:nvSpPr>
+        <p:spPr>
+          <a:xfrm>
+            <a:off x="685800" y="4343400"/>
+            <a:ext cx="5486400" cy="4114800"/>
+          </a:xfrm>
+          <a:prstGeom prst="rect">
+            <a:avLst/>
+          </a:prstGeom>
+        </p:spPr>
+        <p:txBody>
+          <a:bodyPr lIns="91425" tIns="91425" rIns="91425" bIns="91425" anchor="t" anchorCtr="0">
+            <a:noAutofit/>
+          </a:bodyPr>
+          <a:lstStyle/>
+          <a:p>
+            <a:pPr lvl="0">
+              <a:spcBef>
+                <a:spcPts val="0"/>
+              </a:spcBef>
+              <a:buNone/>
+            </a:pPr>
+            <a:endParaRPr/>
+          </a:p>
+        </p:txBody>
+      </p:sp>
+    </p:spTree>
+    <p:extLst>
+      <p:ext uri="{BB962C8B-B14F-4D97-AF65-F5344CB8AC3E}">
+        <p14:creationId xmlns:p14="http://schemas.microsoft.com/office/powerpoint/2010/main" val="1653227556"/>
+      </p:ext>
+    </p:extLst>
+  </p:cSld>
+  <p:clrMapOvr>
+    <a:masterClrMapping/>
+  </p:clrMapOvr>
+</p:notes>
+</file>
+
+<file path=ppt/notesSlides/notesSlide23.xml><?xml version="1.0" encoding="utf-8"?>
+<p:notes xmlns:a="http://schemas.openxmlformats.org/drawingml/2006/main" xmlns:r="http://schemas.openxmlformats.org/officeDocument/2006/relationships" xmlns:p="http://schemas.openxmlformats.org/presentationml/2006/main" showMasterSp="0" showMasterPhAnim="0">
+  <p:cSld>
+    <p:spTree>
+      <p:nvGrpSpPr>
+        <p:cNvPr id="1" name="Shape 63"/>
+        <p:cNvGrpSpPr/>
+        <p:nvPr/>
+      </p:nvGrpSpPr>
+      <p:grpSpPr>
+        <a:xfrm>
+          <a:off x="0" y="0"/>
+          <a:ext cx="0" cy="0"/>
+          <a:chOff x="0" y="0"/>
+          <a:chExt cx="0" cy="0"/>
+        </a:xfrm>
+      </p:grpSpPr>
+      <p:sp>
+        <p:nvSpPr>
+          <p:cNvPr id="64" name="Shape 64"/>
+          <p:cNvSpPr>
+            <a:spLocks noGrp="1" noRot="1" noChangeAspect="1"/>
+          </p:cNvSpPr>
+          <p:nvPr>
+            <p:ph type="sldImg" idx="2"/>
+          </p:nvPr>
+        </p:nvSpPr>
+        <p:spPr>
+          <a:xfrm>
+            <a:off x="1143000" y="685800"/>
+            <a:ext cx="4572000" cy="3429000"/>
+          </a:xfrm>
+          <a:custGeom>
+            <a:avLst/>
+            <a:gdLst/>
+            <a:ahLst/>
+            <a:cxnLst/>
+            <a:rect l="0" t="0" r="0" b="0"/>
+            <a:pathLst>
+              <a:path w="120000" h="120000" extrusionOk="0">
+                <a:moveTo>
+                  <a:pt x="0" y="0"/>
+                </a:moveTo>
+                <a:lnTo>
+                  <a:pt x="120000" y="0"/>
+                </a:lnTo>
+                <a:lnTo>
+                  <a:pt x="120000" y="120000"/>
+                </a:lnTo>
+                <a:lnTo>
+                  <a:pt x="0" y="120000"/>
+                </a:lnTo>
+                <a:close/>
+              </a:path>
+            </a:pathLst>
+          </a:custGeom>
+        </p:spPr>
+      </p:sp>
+      <p:sp>
+        <p:nvSpPr>
+          <p:cNvPr id="65" name="Shape 65"/>
+          <p:cNvSpPr txBox="1">
+            <a:spLocks noGrp="1"/>
+          </p:cNvSpPr>
+          <p:nvPr>
+            <p:ph type="body" idx="1"/>
+          </p:nvPr>
+        </p:nvSpPr>
+        <p:spPr>
+          <a:xfrm>
+            <a:off x="685800" y="4343400"/>
+            <a:ext cx="5486400" cy="4114800"/>
+          </a:xfrm>
+          <a:prstGeom prst="rect">
+            <a:avLst/>
+          </a:prstGeom>
+        </p:spPr>
+        <p:txBody>
+          <a:bodyPr lIns="91425" tIns="91425" rIns="91425" bIns="91425" anchor="t" anchorCtr="0">
+            <a:noAutofit/>
+          </a:bodyPr>
+          <a:lstStyle/>
+          <a:p>
+            <a:pPr lvl="0">
+              <a:spcBef>
+                <a:spcPts val="0"/>
+              </a:spcBef>
+              <a:buNone/>
+            </a:pPr>
+            <a:endParaRPr/>
+          </a:p>
+        </p:txBody>
+      </p:sp>
+    </p:spTree>
+    <p:extLst>
+      <p:ext uri="{BB962C8B-B14F-4D97-AF65-F5344CB8AC3E}">
+        <p14:creationId xmlns:p14="http://schemas.microsoft.com/office/powerpoint/2010/main" val="748568312"/>
+      </p:ext>
+    </p:extLst>
+  </p:cSld>
+  <p:clrMapOvr>
+    <a:masterClrMapping/>
+  </p:clrMapOvr>
+</p:notes>
+</file>
+
+<file path=ppt/notesSlides/notesSlide24.xml><?xml version="1.0" encoding="utf-8"?>
+<p:notes xmlns:a="http://schemas.openxmlformats.org/drawingml/2006/main" xmlns:r="http://schemas.openxmlformats.org/officeDocument/2006/relationships" xmlns:p="http://schemas.openxmlformats.org/presentationml/2006/main" showMasterSp="0" showMasterPhAnim="0">
+  <p:cSld>
+    <p:spTree>
+      <p:nvGrpSpPr>
+        <p:cNvPr id="1" name="Shape 63"/>
+        <p:cNvGrpSpPr/>
+        <p:nvPr/>
+      </p:nvGrpSpPr>
+      <p:grpSpPr>
+        <a:xfrm>
+          <a:off x="0" y="0"/>
+          <a:ext cx="0" cy="0"/>
+          <a:chOff x="0" y="0"/>
+          <a:chExt cx="0" cy="0"/>
+        </a:xfrm>
+      </p:grpSpPr>
+      <p:sp>
+        <p:nvSpPr>
+          <p:cNvPr id="64" name="Shape 64"/>
+          <p:cNvSpPr>
+            <a:spLocks noGrp="1" noRot="1" noChangeAspect="1"/>
+          </p:cNvSpPr>
+          <p:nvPr>
+            <p:ph type="sldImg" idx="2"/>
+          </p:nvPr>
+        </p:nvSpPr>
+        <p:spPr>
+          <a:xfrm>
+            <a:off x="1143000" y="685800"/>
+            <a:ext cx="4572000" cy="3429000"/>
+          </a:xfrm>
+          <a:custGeom>
+            <a:avLst/>
+            <a:gdLst/>
+            <a:ahLst/>
+            <a:cxnLst/>
+            <a:rect l="0" t="0" r="0" b="0"/>
+            <a:pathLst>
+              <a:path w="120000" h="120000" extrusionOk="0">
+                <a:moveTo>
+                  <a:pt x="0" y="0"/>
+                </a:moveTo>
+                <a:lnTo>
+                  <a:pt x="120000" y="0"/>
+                </a:lnTo>
+                <a:lnTo>
+                  <a:pt x="120000" y="120000"/>
+                </a:lnTo>
+                <a:lnTo>
+                  <a:pt x="0" y="120000"/>
+                </a:lnTo>
+                <a:close/>
+              </a:path>
+            </a:pathLst>
+          </a:custGeom>
+        </p:spPr>
+      </p:sp>
+      <p:sp>
+        <p:nvSpPr>
+          <p:cNvPr id="65" name="Shape 65"/>
+          <p:cNvSpPr txBox="1">
+            <a:spLocks noGrp="1"/>
+          </p:cNvSpPr>
+          <p:nvPr>
+            <p:ph type="body" idx="1"/>
+          </p:nvPr>
+        </p:nvSpPr>
+        <p:spPr>
+          <a:xfrm>
+            <a:off x="685800" y="4343400"/>
+            <a:ext cx="5486400" cy="4114800"/>
+          </a:xfrm>
+          <a:prstGeom prst="rect">
+            <a:avLst/>
+          </a:prstGeom>
+        </p:spPr>
+        <p:txBody>
+          <a:bodyPr lIns="91425" tIns="91425" rIns="91425" bIns="91425" anchor="t" anchorCtr="0">
+            <a:noAutofit/>
+          </a:bodyPr>
+          <a:lstStyle/>
+          <a:p>
+            <a:pPr lvl="0">
+              <a:spcBef>
+                <a:spcPts val="0"/>
+              </a:spcBef>
+              <a:buNone/>
+            </a:pPr>
+            <a:endParaRPr/>
+          </a:p>
+        </p:txBody>
+      </p:sp>
+    </p:spTree>
+    <p:extLst>
+      <p:ext uri="{BB962C8B-B14F-4D97-AF65-F5344CB8AC3E}">
+        <p14:creationId xmlns:p14="http://schemas.microsoft.com/office/powerpoint/2010/main" val="835272220"/>
+      </p:ext>
+    </p:extLst>
+  </p:cSld>
+  <p:clrMapOvr>
+    <a:masterClrMapping/>
+  </p:clrMapOvr>
+</p:notes>
+</file>
+
+<file path=ppt/notesSlides/notesSlide25.xml><?xml version="1.0" encoding="utf-8"?>
+<p:notes xmlns:a="http://schemas.openxmlformats.org/drawingml/2006/main" xmlns:r="http://schemas.openxmlformats.org/officeDocument/2006/relationships" xmlns:p="http://schemas.openxmlformats.org/presentationml/2006/main" showMasterSp="0" showMasterPhAnim="0">
+  <p:cSld>
+    <p:spTree>
+      <p:nvGrpSpPr>
+        <p:cNvPr id="1" name="Shape 63"/>
+        <p:cNvGrpSpPr/>
+        <p:nvPr/>
+      </p:nvGrpSpPr>
+      <p:grpSpPr>
+        <a:xfrm>
+          <a:off x="0" y="0"/>
+          <a:ext cx="0" cy="0"/>
+          <a:chOff x="0" y="0"/>
+          <a:chExt cx="0" cy="0"/>
+        </a:xfrm>
+      </p:grpSpPr>
+      <p:sp>
+        <p:nvSpPr>
+          <p:cNvPr id="64" name="Shape 64"/>
+          <p:cNvSpPr>
+            <a:spLocks noGrp="1" noRot="1" noChangeAspect="1"/>
+          </p:cNvSpPr>
+          <p:nvPr>
+            <p:ph type="sldImg" idx="2"/>
+          </p:nvPr>
+        </p:nvSpPr>
+        <p:spPr>
+          <a:xfrm>
+            <a:off x="1143000" y="685800"/>
+            <a:ext cx="4572000" cy="3429000"/>
+          </a:xfrm>
+          <a:custGeom>
+            <a:avLst/>
+            <a:gdLst/>
+            <a:ahLst/>
+            <a:cxnLst/>
+            <a:rect l="0" t="0" r="0" b="0"/>
+            <a:pathLst>
+              <a:path w="120000" h="120000" extrusionOk="0">
+                <a:moveTo>
+                  <a:pt x="0" y="0"/>
+                </a:moveTo>
+                <a:lnTo>
+                  <a:pt x="120000" y="0"/>
+                </a:lnTo>
+                <a:lnTo>
+                  <a:pt x="120000" y="120000"/>
+                </a:lnTo>
+                <a:lnTo>
+                  <a:pt x="0" y="120000"/>
+                </a:lnTo>
+                <a:close/>
+              </a:path>
+            </a:pathLst>
+          </a:custGeom>
+        </p:spPr>
+      </p:sp>
+      <p:sp>
+        <p:nvSpPr>
+          <p:cNvPr id="65" name="Shape 65"/>
+          <p:cNvSpPr txBox="1">
+            <a:spLocks noGrp="1"/>
+          </p:cNvSpPr>
+          <p:nvPr>
+            <p:ph type="body" idx="1"/>
+          </p:nvPr>
+        </p:nvSpPr>
+        <p:spPr>
+          <a:xfrm>
+            <a:off x="685800" y="4343400"/>
+            <a:ext cx="5486400" cy="4114800"/>
+          </a:xfrm>
+          <a:prstGeom prst="rect">
+            <a:avLst/>
+          </a:prstGeom>
+        </p:spPr>
+        <p:txBody>
+          <a:bodyPr lIns="91425" tIns="91425" rIns="91425" bIns="91425" anchor="t" anchorCtr="0">
+            <a:noAutofit/>
+          </a:bodyPr>
+          <a:lstStyle/>
+          <a:p>
+            <a:pPr lvl="0">
+              <a:spcBef>
+                <a:spcPts val="0"/>
+              </a:spcBef>
+              <a:buNone/>
+            </a:pPr>
+            <a:endParaRPr/>
+          </a:p>
+        </p:txBody>
+      </p:sp>
+    </p:spTree>
+    <p:extLst>
+      <p:ext uri="{BB962C8B-B14F-4D97-AF65-F5344CB8AC3E}">
+        <p14:creationId xmlns:p14="http://schemas.microsoft.com/office/powerpoint/2010/main" val="2216117527"/>
+      </p:ext>
+    </p:extLst>
+  </p:cSld>
+  <p:clrMapOvr>
+    <a:masterClrMapping/>
+  </p:clrMapOvr>
+</p:notes>
+</file>
+
+<file path=ppt/notesSlides/notesSlide26.xml><?xml version="1.0" encoding="utf-8"?>
+<p:notes xmlns:a="http://schemas.openxmlformats.org/drawingml/2006/main" xmlns:r="http://schemas.openxmlformats.org/officeDocument/2006/relationships" xmlns:p="http://schemas.openxmlformats.org/presentationml/2006/main" showMasterSp="0" showMasterPhAnim="0">
+  <p:cSld>
+    <p:spTree>
+      <p:nvGrpSpPr>
+        <p:cNvPr id="1" name="Shape 63"/>
+        <p:cNvGrpSpPr/>
+        <p:nvPr/>
+      </p:nvGrpSpPr>
+      <p:grpSpPr>
+        <a:xfrm>
+          <a:off x="0" y="0"/>
+          <a:ext cx="0" cy="0"/>
+          <a:chOff x="0" y="0"/>
+          <a:chExt cx="0" cy="0"/>
+        </a:xfrm>
+      </p:grpSpPr>
+      <p:sp>
+        <p:nvSpPr>
+          <p:cNvPr id="64" name="Shape 64"/>
+          <p:cNvSpPr>
+            <a:spLocks noGrp="1" noRot="1" noChangeAspect="1"/>
+          </p:cNvSpPr>
+          <p:nvPr>
+            <p:ph type="sldImg" idx="2"/>
+          </p:nvPr>
+        </p:nvSpPr>
+        <p:spPr>
+          <a:xfrm>
+            <a:off x="1143000" y="685800"/>
+            <a:ext cx="4572000" cy="3429000"/>
+          </a:xfrm>
+          <a:custGeom>
+            <a:avLst/>
+            <a:gdLst/>
+            <a:ahLst/>
+            <a:cxnLst/>
+            <a:rect l="0" t="0" r="0" b="0"/>
+            <a:pathLst>
+              <a:path w="120000" h="120000" extrusionOk="0">
+                <a:moveTo>
+                  <a:pt x="0" y="0"/>
+                </a:moveTo>
+                <a:lnTo>
+                  <a:pt x="120000" y="0"/>
+                </a:lnTo>
+                <a:lnTo>
+                  <a:pt x="120000" y="120000"/>
+                </a:lnTo>
+                <a:lnTo>
+                  <a:pt x="0" y="120000"/>
+                </a:lnTo>
+                <a:close/>
+              </a:path>
+            </a:pathLst>
+          </a:custGeom>
+        </p:spPr>
+      </p:sp>
+      <p:sp>
+        <p:nvSpPr>
+          <p:cNvPr id="65" name="Shape 65"/>
+          <p:cNvSpPr txBox="1">
+            <a:spLocks noGrp="1"/>
+          </p:cNvSpPr>
+          <p:nvPr>
+            <p:ph type="body" idx="1"/>
+          </p:nvPr>
+        </p:nvSpPr>
+        <p:spPr>
+          <a:xfrm>
+            <a:off x="685800" y="4343400"/>
+            <a:ext cx="5486400" cy="4114800"/>
+          </a:xfrm>
+          <a:prstGeom prst="rect">
+            <a:avLst/>
+          </a:prstGeom>
+        </p:spPr>
+        <p:txBody>
+          <a:bodyPr lIns="91425" tIns="91425" rIns="91425" bIns="91425" anchor="t" anchorCtr="0">
+            <a:noAutofit/>
+          </a:bodyPr>
+          <a:lstStyle/>
+          <a:p>
+            <a:pPr lvl="0">
+              <a:spcBef>
+                <a:spcPts val="0"/>
+              </a:spcBef>
+              <a:buNone/>
+            </a:pPr>
+            <a:endParaRPr/>
+          </a:p>
+        </p:txBody>
+      </p:sp>
+    </p:spTree>
+    <p:extLst>
+      <p:ext uri="{BB962C8B-B14F-4D97-AF65-F5344CB8AC3E}">
+        <p14:creationId xmlns:p14="http://schemas.microsoft.com/office/powerpoint/2010/main" val="1492910519"/>
+      </p:ext>
+    </p:extLst>
+  </p:cSld>
+  <p:clrMapOvr>
+    <a:masterClrMapping/>
+  </p:clrMapOvr>
+</p:notes>
+</file>
+
+<file path=ppt/notesSlides/notesSlide27.xml><?xml version="1.0" encoding="utf-8"?>
+<p:notes xmlns:a="http://schemas.openxmlformats.org/drawingml/2006/main" xmlns:r="http://schemas.openxmlformats.org/officeDocument/2006/relationships" xmlns:p="http://schemas.openxmlformats.org/presentationml/2006/main" showMasterSp="0" showMasterPhAnim="0">
+  <p:cSld>
+    <p:spTree>
+      <p:nvGrpSpPr>
+        <p:cNvPr id="1" name="Shape 63"/>
+        <p:cNvGrpSpPr/>
+        <p:nvPr/>
+      </p:nvGrpSpPr>
+      <p:grpSpPr>
+        <a:xfrm>
+          <a:off x="0" y="0"/>
+          <a:ext cx="0" cy="0"/>
+          <a:chOff x="0" y="0"/>
+          <a:chExt cx="0" cy="0"/>
+        </a:xfrm>
+      </p:grpSpPr>
+      <p:sp>
+        <p:nvSpPr>
+          <p:cNvPr id="64" name="Shape 64"/>
+          <p:cNvSpPr>
+            <a:spLocks noGrp="1" noRot="1" noChangeAspect="1"/>
+          </p:cNvSpPr>
+          <p:nvPr>
+            <p:ph type="sldImg" idx="2"/>
+          </p:nvPr>
+        </p:nvSpPr>
+        <p:spPr>
+          <a:xfrm>
+            <a:off x="1143000" y="685800"/>
+            <a:ext cx="4572000" cy="3429000"/>
+          </a:xfrm>
+          <a:custGeom>
+            <a:avLst/>
+            <a:gdLst/>
+            <a:ahLst/>
+            <a:cxnLst/>
+            <a:rect l="0" t="0" r="0" b="0"/>
+            <a:pathLst>
+              <a:path w="120000" h="120000" extrusionOk="0">
+                <a:moveTo>
+                  <a:pt x="0" y="0"/>
+                </a:moveTo>
+                <a:lnTo>
+                  <a:pt x="120000" y="0"/>
+                </a:lnTo>
+                <a:lnTo>
+                  <a:pt x="120000" y="120000"/>
+                </a:lnTo>
+                <a:lnTo>
+                  <a:pt x="0" y="120000"/>
+                </a:lnTo>
+                <a:close/>
+              </a:path>
+            </a:pathLst>
+          </a:custGeom>
+        </p:spPr>
+      </p:sp>
+      <p:sp>
+        <p:nvSpPr>
+          <p:cNvPr id="65" name="Shape 65"/>
+          <p:cNvSpPr txBox="1">
+            <a:spLocks noGrp="1"/>
+          </p:cNvSpPr>
+          <p:nvPr>
+            <p:ph type="body" idx="1"/>
+          </p:nvPr>
+        </p:nvSpPr>
+        <p:spPr>
+          <a:xfrm>
+            <a:off x="685800" y="4343400"/>
+            <a:ext cx="5486400" cy="4114800"/>
+          </a:xfrm>
+          <a:prstGeom prst="rect">
+            <a:avLst/>
+          </a:prstGeom>
+        </p:spPr>
+        <p:txBody>
+          <a:bodyPr lIns="91425" tIns="91425" rIns="91425" bIns="91425" anchor="t" anchorCtr="0">
+            <a:noAutofit/>
+          </a:bodyPr>
+          <a:lstStyle/>
+          <a:p>
+            <a:pPr lvl="0">
+              <a:spcBef>
+                <a:spcPts val="0"/>
+              </a:spcBef>
+              <a:buNone/>
+            </a:pPr>
+            <a:endParaRPr/>
+          </a:p>
+        </p:txBody>
+      </p:sp>
+    </p:spTree>
+    <p:extLst>
+      <p:ext uri="{BB962C8B-B14F-4D97-AF65-F5344CB8AC3E}">
+        <p14:creationId xmlns:p14="http://schemas.microsoft.com/office/powerpoint/2010/main" val="4033152443"/>
       </p:ext>
     </p:extLst>
   </p:cSld>
@@ -7046,7 +8116,7 @@
         <p:spPr>
           <a:xfrm>
             <a:off x="233775" y="91567"/>
-            <a:ext cx="6390450" cy="429525"/>
+            <a:ext cx="6390450" cy="683844"/>
           </a:xfrm>
           <a:prstGeom prst="rect">
             <a:avLst/>
@@ -7062,43 +8132,15 @@
               <a:rPr lang="zh-TW" altLang="en-US" sz="3600" b="1" dirty="0" smtClean="0"/>
               <a:t>名言</a:t>
             </a:r>
+            <a:r>
+              <a:rPr lang="en-US" altLang="zh-TW" sz="3600" b="1" dirty="0" smtClean="0"/>
+              <a:t>-</a:t>
+            </a:r>
+            <a:r>
+              <a:rPr lang="zh-TW" altLang="en-US" sz="3600" b="1" dirty="0"/>
+              <a:t>關於自滿</a:t>
+            </a:r>
             <a:endParaRPr sz="3600" b="1" dirty="0"/>
-          </a:p>
-        </p:txBody>
-      </p:sp>
-      <p:sp>
-        <p:nvSpPr>
-          <p:cNvPr id="68" name="Shape 68"/>
-          <p:cNvSpPr txBox="1">
-            <a:spLocks noGrp="1"/>
-          </p:cNvSpPr>
-          <p:nvPr>
-            <p:ph type="body" idx="1"/>
-          </p:nvPr>
-        </p:nvSpPr>
-        <p:spPr>
-          <a:xfrm>
-            <a:off x="233775" y="1163117"/>
-            <a:ext cx="6390450" cy="3803903"/>
-          </a:xfrm>
-          <a:prstGeom prst="rect">
-            <a:avLst/>
-          </a:prstGeom>
-        </p:spPr>
-        <p:txBody>
-          <a:bodyPr lIns="68569" tIns="68569" rIns="68569" bIns="68569" anchor="t" anchorCtr="0">
-            <a:noAutofit/>
-          </a:bodyPr>
-          <a:lstStyle/>
-          <a:p>
-            <a:pPr marL="285750" indent="-285750">
-              <a:buFont typeface="Arial" panose="020B0604020202020204" pitchFamily="34" charset="0"/>
-              <a:buChar char="•"/>
-            </a:pPr>
-            <a:endParaRPr sz="2400" b="1" dirty="0">
-              <a:latin typeface="微軟正黑體" panose="020B0604030504040204" pitchFamily="34" charset="-120"/>
-              <a:ea typeface="微軟正黑體" panose="020B0604030504040204" pitchFamily="34" charset="-120"/>
-            </a:endParaRPr>
           </a:p>
         </p:txBody>
       </p:sp>
@@ -7129,6 +8171,229 @@
           </a:ln>
         </p:spPr>
       </p:pic>
+      <p:sp>
+        <p:nvSpPr>
+          <p:cNvPr id="5" name="Shape 67"/>
+          <p:cNvSpPr txBox="1">
+            <a:spLocks/>
+          </p:cNvSpPr>
+          <p:nvPr/>
+        </p:nvSpPr>
+        <p:spPr>
+          <a:xfrm>
+            <a:off x="0" y="2020626"/>
+            <a:ext cx="6858000" cy="1197344"/>
+          </a:xfrm>
+          <a:prstGeom prst="rect">
+            <a:avLst/>
+          </a:prstGeom>
+          <a:noFill/>
+          <a:ln>
+            <a:noFill/>
+          </a:ln>
+        </p:spPr>
+        <p:txBody>
+          <a:bodyPr lIns="68569" tIns="68569" rIns="68569" bIns="68569" anchor="t" anchorCtr="0">
+            <a:noAutofit/>
+          </a:bodyPr>
+          <a:lstStyle>
+            <a:defPPr marR="0" lvl="0" algn="l" rtl="0">
+              <a:lnSpc>
+                <a:spcPct val="100000"/>
+              </a:lnSpc>
+              <a:spcBef>
+                <a:spcPts val="0"/>
+              </a:spcBef>
+              <a:spcAft>
+                <a:spcPts val="0"/>
+              </a:spcAft>
+            </a:defPPr>
+            <a:lvl1pPr marR="0" lvl="0" algn="l" rtl="0">
+              <a:lnSpc>
+                <a:spcPct val="100000"/>
+              </a:lnSpc>
+              <a:spcBef>
+                <a:spcPts val="0"/>
+              </a:spcBef>
+              <a:spcAft>
+                <a:spcPts val="0"/>
+              </a:spcAft>
+              <a:buClr>
+                <a:schemeClr val="dk1"/>
+              </a:buClr>
+              <a:buSzPct val="100000"/>
+              <a:buNone/>
+              <a:defRPr sz="2800" b="0" i="0" u="none" strike="noStrike" cap="none">
+                <a:solidFill>
+                  <a:schemeClr val="dk1"/>
+                </a:solidFill>
+                <a:latin typeface="Arial"/>
+                <a:ea typeface="Arial"/>
+                <a:cs typeface="Arial"/>
+                <a:sym typeface="Arial"/>
+              </a:defRPr>
+            </a:lvl1pPr>
+            <a:lvl2pPr lvl="1">
+              <a:spcBef>
+                <a:spcPts val="0"/>
+              </a:spcBef>
+              <a:buClr>
+                <a:schemeClr val="dk1"/>
+              </a:buClr>
+              <a:buSzPct val="100000"/>
+              <a:buNone/>
+              <a:defRPr sz="2800">
+                <a:solidFill>
+                  <a:schemeClr val="dk1"/>
+                </a:solidFill>
+              </a:defRPr>
+            </a:lvl2pPr>
+            <a:lvl3pPr lvl="2">
+              <a:spcBef>
+                <a:spcPts val="0"/>
+              </a:spcBef>
+              <a:buClr>
+                <a:schemeClr val="dk1"/>
+              </a:buClr>
+              <a:buSzPct val="100000"/>
+              <a:buNone/>
+              <a:defRPr sz="2800">
+                <a:solidFill>
+                  <a:schemeClr val="dk1"/>
+                </a:solidFill>
+              </a:defRPr>
+            </a:lvl3pPr>
+            <a:lvl4pPr lvl="3">
+              <a:spcBef>
+                <a:spcPts val="0"/>
+              </a:spcBef>
+              <a:buClr>
+                <a:schemeClr val="dk1"/>
+              </a:buClr>
+              <a:buSzPct val="100000"/>
+              <a:buNone/>
+              <a:defRPr sz="2800">
+                <a:solidFill>
+                  <a:schemeClr val="dk1"/>
+                </a:solidFill>
+              </a:defRPr>
+            </a:lvl4pPr>
+            <a:lvl5pPr lvl="4">
+              <a:spcBef>
+                <a:spcPts val="0"/>
+              </a:spcBef>
+              <a:buClr>
+                <a:schemeClr val="dk1"/>
+              </a:buClr>
+              <a:buSzPct val="100000"/>
+              <a:buNone/>
+              <a:defRPr sz="2800">
+                <a:solidFill>
+                  <a:schemeClr val="dk1"/>
+                </a:solidFill>
+              </a:defRPr>
+            </a:lvl5pPr>
+            <a:lvl6pPr lvl="5">
+              <a:spcBef>
+                <a:spcPts val="0"/>
+              </a:spcBef>
+              <a:buClr>
+                <a:schemeClr val="dk1"/>
+              </a:buClr>
+              <a:buSzPct val="100000"/>
+              <a:buNone/>
+              <a:defRPr sz="2800">
+                <a:solidFill>
+                  <a:schemeClr val="dk1"/>
+                </a:solidFill>
+              </a:defRPr>
+            </a:lvl6pPr>
+            <a:lvl7pPr lvl="6">
+              <a:spcBef>
+                <a:spcPts val="0"/>
+              </a:spcBef>
+              <a:buClr>
+                <a:schemeClr val="dk1"/>
+              </a:buClr>
+              <a:buSzPct val="100000"/>
+              <a:buNone/>
+              <a:defRPr sz="2800">
+                <a:solidFill>
+                  <a:schemeClr val="dk1"/>
+                </a:solidFill>
+              </a:defRPr>
+            </a:lvl7pPr>
+            <a:lvl8pPr lvl="7">
+              <a:spcBef>
+                <a:spcPts val="0"/>
+              </a:spcBef>
+              <a:buClr>
+                <a:schemeClr val="dk1"/>
+              </a:buClr>
+              <a:buSzPct val="100000"/>
+              <a:buNone/>
+              <a:defRPr sz="2800">
+                <a:solidFill>
+                  <a:schemeClr val="dk1"/>
+                </a:solidFill>
+              </a:defRPr>
+            </a:lvl8pPr>
+            <a:lvl9pPr lvl="8">
+              <a:spcBef>
+                <a:spcPts val="0"/>
+              </a:spcBef>
+              <a:buClr>
+                <a:schemeClr val="dk1"/>
+              </a:buClr>
+              <a:buSzPct val="100000"/>
+              <a:buNone/>
+              <a:defRPr sz="2800">
+                <a:solidFill>
+                  <a:schemeClr val="dk1"/>
+                </a:solidFill>
+              </a:defRPr>
+            </a:lvl9pPr>
+          </a:lstStyle>
+          <a:p>
+            <a:pPr algn="ctr"/>
+            <a:r>
+              <a:rPr lang="zh-TW" altLang="en-US" sz="3200" b="1" dirty="0">
+                <a:latin typeface="微軟正黑體" panose="020B0604030504040204" pitchFamily="34" charset="-120"/>
+                <a:ea typeface="微軟正黑體" panose="020B0604030504040204" pitchFamily="34" charset="-120"/>
+              </a:rPr>
+              <a:t>一個公司不應沉溺與光鮮</a:t>
+            </a:r>
+            <a:r>
+              <a:rPr lang="zh-TW" altLang="en-US" sz="3200" b="1" dirty="0" smtClean="0">
+                <a:latin typeface="微軟正黑體" panose="020B0604030504040204" pitchFamily="34" charset="-120"/>
+                <a:ea typeface="微軟正黑體" panose="020B0604030504040204" pitchFamily="34" charset="-120"/>
+              </a:rPr>
+              <a:t>亮麗</a:t>
+            </a:r>
+            <a:endParaRPr lang="en-US" altLang="zh-TW" sz="3200" b="1" dirty="0" smtClean="0">
+              <a:latin typeface="微軟正黑體" panose="020B0604030504040204" pitchFamily="34" charset="-120"/>
+              <a:ea typeface="微軟正黑體" panose="020B0604030504040204" pitchFamily="34" charset="-120"/>
+            </a:endParaRPr>
+          </a:p>
+          <a:p>
+            <a:pPr algn="ctr"/>
+            <a:r>
+              <a:rPr lang="zh-TW" altLang="en-US" sz="3200" b="1" dirty="0" smtClean="0">
+                <a:latin typeface="微軟正黑體" panose="020B0604030504040204" pitchFamily="34" charset="-120"/>
+                <a:ea typeface="微軟正黑體" panose="020B0604030504040204" pitchFamily="34" charset="-120"/>
+              </a:rPr>
+              <a:t>因為</a:t>
+            </a:r>
+            <a:r>
+              <a:rPr lang="zh-TW" altLang="en-US" sz="3200" b="1" dirty="0">
+                <a:latin typeface="微軟正黑體" panose="020B0604030504040204" pitchFamily="34" charset="-120"/>
+                <a:ea typeface="微軟正黑體" panose="020B0604030504040204" pitchFamily="34" charset="-120"/>
+              </a:rPr>
+              <a:t>光鮮並不能持久</a:t>
+            </a:r>
+          </a:p>
+        </p:txBody>
+      </p:sp>
     </p:spTree>
     <p:extLst>
       <p:ext uri="{BB962C8B-B14F-4D97-AF65-F5344CB8AC3E}">
@@ -7178,8 +8443,8 @@
         </p:nvSpPr>
         <p:spPr>
           <a:xfrm>
-            <a:off x="0" y="1825269"/>
-            <a:ext cx="6858000" cy="859409"/>
+            <a:off x="233775" y="91567"/>
+            <a:ext cx="6390450" cy="683844"/>
           </a:xfrm>
           <a:prstGeom prst="rect">
             <a:avLst/>
@@ -7191,18 +8456,19 @@
           </a:bodyPr>
           <a:lstStyle/>
           <a:p>
-            <a:pPr algn="ctr"/>
-            <a:r>
-              <a:rPr lang="zh-TW" altLang="en-US" sz="6000" b="1" dirty="0" smtClean="0">
-                <a:latin typeface="微軟正黑體" panose="020B0604030504040204" pitchFamily="34" charset="-120"/>
-                <a:ea typeface="微軟正黑體" panose="020B0604030504040204" pitchFamily="34" charset="-120"/>
-              </a:rPr>
-              <a:t>參考資料</a:t>
-            </a:r>
-            <a:endParaRPr sz="6000" b="1" dirty="0">
-              <a:latin typeface="微軟正黑體" panose="020B0604030504040204" pitchFamily="34" charset="-120"/>
-              <a:ea typeface="微軟正黑體" panose="020B0604030504040204" pitchFamily="34" charset="-120"/>
-            </a:endParaRPr>
+            <a:r>
+              <a:rPr lang="zh-TW" altLang="en-US" sz="3600" b="1" dirty="0" smtClean="0"/>
+              <a:t>名言</a:t>
+            </a:r>
+            <a:r>
+              <a:rPr lang="en-US" altLang="zh-TW" sz="3600" b="1" dirty="0" smtClean="0"/>
+              <a:t>-</a:t>
+            </a:r>
+            <a:r>
+              <a:rPr lang="zh-TW" altLang="en-US" sz="3600" b="1" dirty="0"/>
+              <a:t>關於創新</a:t>
+            </a:r>
+            <a:endParaRPr sz="3600" b="1" dirty="0"/>
           </a:p>
         </p:txBody>
       </p:sp>
@@ -7233,10 +8499,261 @@
           </a:ln>
         </p:spPr>
       </p:pic>
+      <p:sp>
+        <p:nvSpPr>
+          <p:cNvPr id="5" name="Shape 67"/>
+          <p:cNvSpPr txBox="1">
+            <a:spLocks/>
+          </p:cNvSpPr>
+          <p:nvPr/>
+        </p:nvSpPr>
+        <p:spPr>
+          <a:xfrm>
+            <a:off x="0" y="2020626"/>
+            <a:ext cx="6858000" cy="1197344"/>
+          </a:xfrm>
+          <a:prstGeom prst="rect">
+            <a:avLst/>
+          </a:prstGeom>
+          <a:noFill/>
+          <a:ln>
+            <a:noFill/>
+          </a:ln>
+        </p:spPr>
+        <p:txBody>
+          <a:bodyPr lIns="68569" tIns="68569" rIns="68569" bIns="68569" anchor="t" anchorCtr="0">
+            <a:noAutofit/>
+          </a:bodyPr>
+          <a:lstStyle>
+            <a:defPPr marR="0" lvl="0" algn="l" rtl="0">
+              <a:lnSpc>
+                <a:spcPct val="100000"/>
+              </a:lnSpc>
+              <a:spcBef>
+                <a:spcPts val="0"/>
+              </a:spcBef>
+              <a:spcAft>
+                <a:spcPts val="0"/>
+              </a:spcAft>
+            </a:defPPr>
+            <a:lvl1pPr marR="0" lvl="0" algn="l" rtl="0">
+              <a:lnSpc>
+                <a:spcPct val="100000"/>
+              </a:lnSpc>
+              <a:spcBef>
+                <a:spcPts val="0"/>
+              </a:spcBef>
+              <a:spcAft>
+                <a:spcPts val="0"/>
+              </a:spcAft>
+              <a:buClr>
+                <a:schemeClr val="dk1"/>
+              </a:buClr>
+              <a:buSzPct val="100000"/>
+              <a:buNone/>
+              <a:defRPr sz="2800" b="0" i="0" u="none" strike="noStrike" cap="none">
+                <a:solidFill>
+                  <a:schemeClr val="dk1"/>
+                </a:solidFill>
+                <a:latin typeface="Arial"/>
+                <a:ea typeface="Arial"/>
+                <a:cs typeface="Arial"/>
+                <a:sym typeface="Arial"/>
+              </a:defRPr>
+            </a:lvl1pPr>
+            <a:lvl2pPr lvl="1">
+              <a:spcBef>
+                <a:spcPts val="0"/>
+              </a:spcBef>
+              <a:buClr>
+                <a:schemeClr val="dk1"/>
+              </a:buClr>
+              <a:buSzPct val="100000"/>
+              <a:buNone/>
+              <a:defRPr sz="2800">
+                <a:solidFill>
+                  <a:schemeClr val="dk1"/>
+                </a:solidFill>
+              </a:defRPr>
+            </a:lvl2pPr>
+            <a:lvl3pPr lvl="2">
+              <a:spcBef>
+                <a:spcPts val="0"/>
+              </a:spcBef>
+              <a:buClr>
+                <a:schemeClr val="dk1"/>
+              </a:buClr>
+              <a:buSzPct val="100000"/>
+              <a:buNone/>
+              <a:defRPr sz="2800">
+                <a:solidFill>
+                  <a:schemeClr val="dk1"/>
+                </a:solidFill>
+              </a:defRPr>
+            </a:lvl3pPr>
+            <a:lvl4pPr lvl="3">
+              <a:spcBef>
+                <a:spcPts val="0"/>
+              </a:spcBef>
+              <a:buClr>
+                <a:schemeClr val="dk1"/>
+              </a:buClr>
+              <a:buSzPct val="100000"/>
+              <a:buNone/>
+              <a:defRPr sz="2800">
+                <a:solidFill>
+                  <a:schemeClr val="dk1"/>
+                </a:solidFill>
+              </a:defRPr>
+            </a:lvl4pPr>
+            <a:lvl5pPr lvl="4">
+              <a:spcBef>
+                <a:spcPts val="0"/>
+              </a:spcBef>
+              <a:buClr>
+                <a:schemeClr val="dk1"/>
+              </a:buClr>
+              <a:buSzPct val="100000"/>
+              <a:buNone/>
+              <a:defRPr sz="2800">
+                <a:solidFill>
+                  <a:schemeClr val="dk1"/>
+                </a:solidFill>
+              </a:defRPr>
+            </a:lvl5pPr>
+            <a:lvl6pPr lvl="5">
+              <a:spcBef>
+                <a:spcPts val="0"/>
+              </a:spcBef>
+              <a:buClr>
+                <a:schemeClr val="dk1"/>
+              </a:buClr>
+              <a:buSzPct val="100000"/>
+              <a:buNone/>
+              <a:defRPr sz="2800">
+                <a:solidFill>
+                  <a:schemeClr val="dk1"/>
+                </a:solidFill>
+              </a:defRPr>
+            </a:lvl6pPr>
+            <a:lvl7pPr lvl="6">
+              <a:spcBef>
+                <a:spcPts val="0"/>
+              </a:spcBef>
+              <a:buClr>
+                <a:schemeClr val="dk1"/>
+              </a:buClr>
+              <a:buSzPct val="100000"/>
+              <a:buNone/>
+              <a:defRPr sz="2800">
+                <a:solidFill>
+                  <a:schemeClr val="dk1"/>
+                </a:solidFill>
+              </a:defRPr>
+            </a:lvl7pPr>
+            <a:lvl8pPr lvl="7">
+              <a:spcBef>
+                <a:spcPts val="0"/>
+              </a:spcBef>
+              <a:buClr>
+                <a:schemeClr val="dk1"/>
+              </a:buClr>
+              <a:buSzPct val="100000"/>
+              <a:buNone/>
+              <a:defRPr sz="2800">
+                <a:solidFill>
+                  <a:schemeClr val="dk1"/>
+                </a:solidFill>
+              </a:defRPr>
+            </a:lvl8pPr>
+            <a:lvl9pPr lvl="8">
+              <a:spcBef>
+                <a:spcPts val="0"/>
+              </a:spcBef>
+              <a:buClr>
+                <a:schemeClr val="dk1"/>
+              </a:buClr>
+              <a:buSzPct val="100000"/>
+              <a:buNone/>
+              <a:defRPr sz="2800">
+                <a:solidFill>
+                  <a:schemeClr val="dk1"/>
+                </a:solidFill>
+              </a:defRPr>
+            </a:lvl9pPr>
+          </a:lstStyle>
+          <a:p>
+            <a:pPr algn="ctr"/>
+            <a:r>
+              <a:rPr lang="zh-TW" altLang="en-US" sz="3200" b="1" dirty="0">
+                <a:latin typeface="微軟正黑體" panose="020B0604030504040204" pitchFamily="34" charset="-120"/>
+                <a:ea typeface="微軟正黑體" panose="020B0604030504040204" pitchFamily="34" charset="-120"/>
+              </a:rPr>
+              <a:t>我認為節儉像其他美德</a:t>
+            </a:r>
+            <a:r>
+              <a:rPr lang="zh-TW" altLang="en-US" sz="3200" b="1" dirty="0" smtClean="0">
+                <a:latin typeface="微軟正黑體" panose="020B0604030504040204" pitchFamily="34" charset="-120"/>
+                <a:ea typeface="微軟正黑體" panose="020B0604030504040204" pitchFamily="34" charset="-120"/>
+              </a:rPr>
+              <a:t>一樣</a:t>
+            </a:r>
+            <a:endParaRPr lang="en-US" altLang="zh-TW" sz="3200" b="1" dirty="0" smtClean="0">
+              <a:latin typeface="微軟正黑體" panose="020B0604030504040204" pitchFamily="34" charset="-120"/>
+              <a:ea typeface="微軟正黑體" panose="020B0604030504040204" pitchFamily="34" charset="-120"/>
+            </a:endParaRPr>
+          </a:p>
+          <a:p>
+            <a:pPr algn="ctr"/>
+            <a:r>
+              <a:rPr lang="zh-TW" altLang="en-US" sz="3200" b="1" dirty="0" smtClean="0">
+                <a:latin typeface="微軟正黑體" panose="020B0604030504040204" pitchFamily="34" charset="-120"/>
+                <a:ea typeface="微軟正黑體" panose="020B0604030504040204" pitchFamily="34" charset="-120"/>
+              </a:rPr>
+              <a:t>可以</a:t>
+            </a:r>
+            <a:r>
+              <a:rPr lang="zh-TW" altLang="en-US" sz="3200" b="1" dirty="0">
+                <a:latin typeface="微軟正黑體" panose="020B0604030504040204" pitchFamily="34" charset="-120"/>
+                <a:ea typeface="微軟正黑體" panose="020B0604030504040204" pitchFamily="34" charset="-120"/>
+              </a:rPr>
+              <a:t>驅動</a:t>
+            </a:r>
+            <a:r>
+              <a:rPr lang="zh-TW" altLang="en-US" sz="3200" b="1" dirty="0" smtClean="0">
+                <a:latin typeface="微軟正黑體" panose="020B0604030504040204" pitchFamily="34" charset="-120"/>
+                <a:ea typeface="微軟正黑體" panose="020B0604030504040204" pitchFamily="34" charset="-120"/>
+              </a:rPr>
+              <a:t>創新</a:t>
+            </a:r>
+            <a:endParaRPr lang="en-US" altLang="zh-TW" sz="3200" b="1" dirty="0" smtClean="0">
+              <a:latin typeface="微軟正黑體" panose="020B0604030504040204" pitchFamily="34" charset="-120"/>
+              <a:ea typeface="微軟正黑體" panose="020B0604030504040204" pitchFamily="34" charset="-120"/>
+            </a:endParaRPr>
+          </a:p>
+          <a:p>
+            <a:pPr algn="ctr"/>
+            <a:r>
+              <a:rPr lang="zh-TW" altLang="en-US" sz="3200" b="1" dirty="0" smtClean="0">
+                <a:latin typeface="微軟正黑體" panose="020B0604030504040204" pitchFamily="34" charset="-120"/>
+                <a:ea typeface="微軟正黑體" panose="020B0604030504040204" pitchFamily="34" charset="-120"/>
+              </a:rPr>
+              <a:t>擺脫</a:t>
+            </a:r>
+            <a:r>
+              <a:rPr lang="zh-TW" altLang="en-US" sz="3200" b="1" dirty="0">
+                <a:latin typeface="微軟正黑體" panose="020B0604030504040204" pitchFamily="34" charset="-120"/>
+                <a:ea typeface="微軟正黑體" panose="020B0604030504040204" pitchFamily="34" charset="-120"/>
+              </a:rPr>
+              <a:t>束縛的唯一出路是自己探索出路</a:t>
+            </a:r>
+          </a:p>
+        </p:txBody>
+      </p:sp>
     </p:spTree>
     <p:extLst>
       <p:ext uri="{BB962C8B-B14F-4D97-AF65-F5344CB8AC3E}">
-        <p14:creationId xmlns:p14="http://schemas.microsoft.com/office/powerpoint/2010/main" val="928570821"/>
+        <p14:creationId xmlns:p14="http://schemas.microsoft.com/office/powerpoint/2010/main" val="109195093"/>
       </p:ext>
     </p:extLst>
   </p:cSld>
@@ -7283,7 +8800,7 @@
         <p:spPr>
           <a:xfrm>
             <a:off x="233775" y="91567"/>
-            <a:ext cx="6390450" cy="429525"/>
+            <a:ext cx="6390450" cy="683844"/>
           </a:xfrm>
           <a:prstGeom prst="rect">
             <a:avLst/>
@@ -7297,121 +8814,17 @@
           <a:p>
             <a:r>
               <a:rPr lang="zh-TW" altLang="en-US" sz="3600" b="1" dirty="0" smtClean="0"/>
-              <a:t>參考資料</a:t>
+              <a:t>名言</a:t>
+            </a:r>
+            <a:r>
+              <a:rPr lang="en-US" altLang="zh-TW" sz="3600" b="1" dirty="0" smtClean="0"/>
+              <a:t>-</a:t>
+            </a:r>
+            <a:r>
+              <a:rPr lang="zh-TW" altLang="en-US" sz="3600" b="1" dirty="0"/>
+              <a:t>關於進步</a:t>
             </a:r>
             <a:endParaRPr sz="3600" b="1" dirty="0"/>
-          </a:p>
-        </p:txBody>
-      </p:sp>
-      <p:sp>
-        <p:nvSpPr>
-          <p:cNvPr id="68" name="Shape 68"/>
-          <p:cNvSpPr txBox="1">
-            <a:spLocks noGrp="1"/>
-          </p:cNvSpPr>
-          <p:nvPr>
-            <p:ph type="body" idx="1"/>
-          </p:nvPr>
-        </p:nvSpPr>
-        <p:spPr>
-          <a:xfrm>
-            <a:off x="233775" y="1163117"/>
-            <a:ext cx="6390450" cy="3803903"/>
-          </a:xfrm>
-          <a:prstGeom prst="rect">
-            <a:avLst/>
-          </a:prstGeom>
-        </p:spPr>
-        <p:txBody>
-          <a:bodyPr lIns="68569" tIns="68569" rIns="68569" bIns="68569" anchor="t" anchorCtr="0">
-            <a:noAutofit/>
-          </a:bodyPr>
-          <a:lstStyle/>
-          <a:p>
-            <a:pPr marL="285750" indent="-285750">
-              <a:buFont typeface="Arial" panose="020B0604020202020204" pitchFamily="34" charset="0"/>
-              <a:buChar char="•"/>
-            </a:pPr>
-            <a:r>
-              <a:rPr lang="zh-TW" altLang="en-US" sz="2400" b="1" dirty="0" smtClean="0">
-                <a:latin typeface="微軟正黑體" panose="020B0604030504040204" pitchFamily="34" charset="-120"/>
-                <a:ea typeface="微軟正黑體" panose="020B0604030504040204" pitchFamily="34" charset="-120"/>
-              </a:rPr>
-              <a:t>維基百科</a:t>
-            </a:r>
-            <a:endParaRPr lang="en-US" altLang="zh-TW" sz="2400" b="1" dirty="0" smtClean="0">
-              <a:latin typeface="微軟正黑體" panose="020B0604030504040204" pitchFamily="34" charset="-120"/>
-              <a:ea typeface="微軟正黑體" panose="020B0604030504040204" pitchFamily="34" charset="-120"/>
-            </a:endParaRPr>
-          </a:p>
-          <a:p>
-            <a:pPr marL="285750" indent="-285750">
-              <a:buFont typeface="Arial" panose="020B0604020202020204" pitchFamily="34" charset="0"/>
-              <a:buChar char="•"/>
-            </a:pPr>
-            <a:r>
-              <a:rPr lang="zh-TW" altLang="en-US" sz="2400" b="1" dirty="0">
-                <a:latin typeface="微軟正黑體" panose="020B0604030504040204" pitchFamily="34" charset="-120"/>
-                <a:ea typeface="微軟正黑體" panose="020B0604030504040204" pitchFamily="34" charset="-120"/>
-              </a:rPr>
-              <a:t>亞馬遜執行長的「成功學</a:t>
-            </a:r>
-            <a:r>
-              <a:rPr lang="zh-TW" altLang="en-US" sz="2400" b="1" dirty="0" smtClean="0">
-                <a:latin typeface="微軟正黑體" panose="020B0604030504040204" pitchFamily="34" charset="-120"/>
-                <a:ea typeface="微軟正黑體" panose="020B0604030504040204" pitchFamily="34" charset="-120"/>
-              </a:rPr>
-              <a:t>」</a:t>
-            </a:r>
-            <a:endParaRPr lang="en-US" altLang="zh-TW" sz="2400" b="1" dirty="0" smtClean="0">
-              <a:latin typeface="微軟正黑體" panose="020B0604030504040204" pitchFamily="34" charset="-120"/>
-              <a:ea typeface="微軟正黑體" panose="020B0604030504040204" pitchFamily="34" charset="-120"/>
-            </a:endParaRPr>
-          </a:p>
-          <a:p>
-            <a:pPr marL="285750" indent="-285750">
-              <a:buFont typeface="Arial" panose="020B0604020202020204" pitchFamily="34" charset="0"/>
-              <a:buChar char="•"/>
-            </a:pPr>
-            <a:r>
-              <a:rPr lang="zh-TW" altLang="en-US" sz="2400" b="1" dirty="0">
-                <a:latin typeface="微軟正黑體" panose="020B0604030504040204" pitchFamily="34" charset="-120"/>
-                <a:ea typeface="微軟正黑體" panose="020B0604030504040204" pitchFamily="34" charset="-120"/>
-              </a:rPr>
-              <a:t>亞馬遜</a:t>
-            </a:r>
-            <a:r>
-              <a:rPr lang="en-US" sz="2400" b="1" dirty="0" smtClean="0">
-                <a:latin typeface="微軟正黑體" panose="020B0604030504040204" pitchFamily="34" charset="-120"/>
-                <a:ea typeface="微軟正黑體" panose="020B0604030504040204" pitchFamily="34" charset="-120"/>
-              </a:rPr>
-              <a:t>CEO</a:t>
-            </a:r>
-            <a:r>
-              <a:rPr lang="zh-TW" altLang="en-US" sz="2400" b="1" dirty="0" smtClean="0">
-                <a:latin typeface="微軟正黑體" panose="020B0604030504040204" pitchFamily="34" charset="-120"/>
-                <a:ea typeface="微軟正黑體" panose="020B0604030504040204" pitchFamily="34" charset="-120"/>
-              </a:rPr>
-              <a:t>的</a:t>
-            </a:r>
-            <a:r>
-              <a:rPr lang="en-US" altLang="zh-TW" sz="2400" b="1" dirty="0" smtClean="0">
-                <a:latin typeface="微軟正黑體" panose="020B0604030504040204" pitchFamily="34" charset="-120"/>
-                <a:ea typeface="微軟正黑體" panose="020B0604030504040204" pitchFamily="34" charset="-120"/>
-              </a:rPr>
-              <a:t>14</a:t>
-            </a:r>
-            <a:r>
-              <a:rPr lang="zh-TW" altLang="en-US" sz="2400" b="1" smtClean="0">
-                <a:latin typeface="微軟正黑體" panose="020B0604030504040204" pitchFamily="34" charset="-120"/>
-                <a:ea typeface="微軟正黑體" panose="020B0604030504040204" pitchFamily="34" charset="-120"/>
-              </a:rPr>
-              <a:t>句名言</a:t>
-            </a:r>
-            <a:endParaRPr sz="2400" b="1" dirty="0">
-              <a:latin typeface="微軟正黑體" panose="020B0604030504040204" pitchFamily="34" charset="-120"/>
-              <a:ea typeface="微軟正黑體" panose="020B0604030504040204" pitchFamily="34" charset="-120"/>
-            </a:endParaRPr>
           </a:p>
         </p:txBody>
       </p:sp>
@@ -7442,10 +8855,289 @@
           </a:ln>
         </p:spPr>
       </p:pic>
+      <p:sp>
+        <p:nvSpPr>
+          <p:cNvPr id="5" name="Shape 67"/>
+          <p:cNvSpPr txBox="1">
+            <a:spLocks/>
+          </p:cNvSpPr>
+          <p:nvPr/>
+        </p:nvSpPr>
+        <p:spPr>
+          <a:xfrm>
+            <a:off x="0" y="1625605"/>
+            <a:ext cx="6858000" cy="1197344"/>
+          </a:xfrm>
+          <a:prstGeom prst="rect">
+            <a:avLst/>
+          </a:prstGeom>
+          <a:noFill/>
+          <a:ln>
+            <a:noFill/>
+          </a:ln>
+        </p:spPr>
+        <p:txBody>
+          <a:bodyPr lIns="68569" tIns="68569" rIns="68569" bIns="68569" anchor="t" anchorCtr="0">
+            <a:noAutofit/>
+          </a:bodyPr>
+          <a:lstStyle>
+            <a:defPPr marR="0" lvl="0" algn="l" rtl="0">
+              <a:lnSpc>
+                <a:spcPct val="100000"/>
+              </a:lnSpc>
+              <a:spcBef>
+                <a:spcPts val="0"/>
+              </a:spcBef>
+              <a:spcAft>
+                <a:spcPts val="0"/>
+              </a:spcAft>
+            </a:defPPr>
+            <a:lvl1pPr marR="0" lvl="0" algn="l" rtl="0">
+              <a:lnSpc>
+                <a:spcPct val="100000"/>
+              </a:lnSpc>
+              <a:spcBef>
+                <a:spcPts val="0"/>
+              </a:spcBef>
+              <a:spcAft>
+                <a:spcPts val="0"/>
+              </a:spcAft>
+              <a:buClr>
+                <a:schemeClr val="dk1"/>
+              </a:buClr>
+              <a:buSzPct val="100000"/>
+              <a:buNone/>
+              <a:defRPr sz="2800" b="0" i="0" u="none" strike="noStrike" cap="none">
+                <a:solidFill>
+                  <a:schemeClr val="dk1"/>
+                </a:solidFill>
+                <a:latin typeface="Arial"/>
+                <a:ea typeface="Arial"/>
+                <a:cs typeface="Arial"/>
+                <a:sym typeface="Arial"/>
+              </a:defRPr>
+            </a:lvl1pPr>
+            <a:lvl2pPr lvl="1">
+              <a:spcBef>
+                <a:spcPts val="0"/>
+              </a:spcBef>
+              <a:buClr>
+                <a:schemeClr val="dk1"/>
+              </a:buClr>
+              <a:buSzPct val="100000"/>
+              <a:buNone/>
+              <a:defRPr sz="2800">
+                <a:solidFill>
+                  <a:schemeClr val="dk1"/>
+                </a:solidFill>
+              </a:defRPr>
+            </a:lvl2pPr>
+            <a:lvl3pPr lvl="2">
+              <a:spcBef>
+                <a:spcPts val="0"/>
+              </a:spcBef>
+              <a:buClr>
+                <a:schemeClr val="dk1"/>
+              </a:buClr>
+              <a:buSzPct val="100000"/>
+              <a:buNone/>
+              <a:defRPr sz="2800">
+                <a:solidFill>
+                  <a:schemeClr val="dk1"/>
+                </a:solidFill>
+              </a:defRPr>
+            </a:lvl3pPr>
+            <a:lvl4pPr lvl="3">
+              <a:spcBef>
+                <a:spcPts val="0"/>
+              </a:spcBef>
+              <a:buClr>
+                <a:schemeClr val="dk1"/>
+              </a:buClr>
+              <a:buSzPct val="100000"/>
+              <a:buNone/>
+              <a:defRPr sz="2800">
+                <a:solidFill>
+                  <a:schemeClr val="dk1"/>
+                </a:solidFill>
+              </a:defRPr>
+            </a:lvl4pPr>
+            <a:lvl5pPr lvl="4">
+              <a:spcBef>
+                <a:spcPts val="0"/>
+              </a:spcBef>
+              <a:buClr>
+                <a:schemeClr val="dk1"/>
+              </a:buClr>
+              <a:buSzPct val="100000"/>
+              <a:buNone/>
+              <a:defRPr sz="2800">
+                <a:solidFill>
+                  <a:schemeClr val="dk1"/>
+                </a:solidFill>
+              </a:defRPr>
+            </a:lvl5pPr>
+            <a:lvl6pPr lvl="5">
+              <a:spcBef>
+                <a:spcPts val="0"/>
+              </a:spcBef>
+              <a:buClr>
+                <a:schemeClr val="dk1"/>
+              </a:buClr>
+              <a:buSzPct val="100000"/>
+              <a:buNone/>
+              <a:defRPr sz="2800">
+                <a:solidFill>
+                  <a:schemeClr val="dk1"/>
+                </a:solidFill>
+              </a:defRPr>
+            </a:lvl6pPr>
+            <a:lvl7pPr lvl="6">
+              <a:spcBef>
+                <a:spcPts val="0"/>
+              </a:spcBef>
+              <a:buClr>
+                <a:schemeClr val="dk1"/>
+              </a:buClr>
+              <a:buSzPct val="100000"/>
+              <a:buNone/>
+              <a:defRPr sz="2800">
+                <a:solidFill>
+                  <a:schemeClr val="dk1"/>
+                </a:solidFill>
+              </a:defRPr>
+            </a:lvl7pPr>
+            <a:lvl8pPr lvl="7">
+              <a:spcBef>
+                <a:spcPts val="0"/>
+              </a:spcBef>
+              <a:buClr>
+                <a:schemeClr val="dk1"/>
+              </a:buClr>
+              <a:buSzPct val="100000"/>
+              <a:buNone/>
+              <a:defRPr sz="2800">
+                <a:solidFill>
+                  <a:schemeClr val="dk1"/>
+                </a:solidFill>
+              </a:defRPr>
+            </a:lvl8pPr>
+            <a:lvl9pPr lvl="8">
+              <a:spcBef>
+                <a:spcPts val="0"/>
+              </a:spcBef>
+              <a:buClr>
+                <a:schemeClr val="dk1"/>
+              </a:buClr>
+              <a:buSzPct val="100000"/>
+              <a:buNone/>
+              <a:defRPr sz="2800">
+                <a:solidFill>
+                  <a:schemeClr val="dk1"/>
+                </a:solidFill>
+              </a:defRPr>
+            </a:lvl9pPr>
+          </a:lstStyle>
+          <a:p>
+            <a:pPr algn="ctr"/>
+            <a:r>
+              <a:rPr lang="zh-TW" altLang="en-US" sz="3200" b="1" dirty="0">
+                <a:latin typeface="微軟正黑體" panose="020B0604030504040204" pitchFamily="34" charset="-120"/>
+                <a:ea typeface="微軟正黑體" panose="020B0604030504040204" pitchFamily="34" charset="-120"/>
+              </a:rPr>
+              <a:t>如果你太過關注</a:t>
+            </a:r>
+            <a:r>
+              <a:rPr lang="zh-TW" altLang="en-US" sz="3200" b="1" dirty="0" smtClean="0">
+                <a:latin typeface="微軟正黑體" panose="020B0604030504040204" pitchFamily="34" charset="-120"/>
+                <a:ea typeface="微軟正黑體" panose="020B0604030504040204" pitchFamily="34" charset="-120"/>
+              </a:rPr>
+              <a:t>對手</a:t>
+            </a:r>
+            <a:endParaRPr lang="en-US" altLang="zh-TW" sz="3200" b="1" dirty="0" smtClean="0">
+              <a:latin typeface="微軟正黑體" panose="020B0604030504040204" pitchFamily="34" charset="-120"/>
+              <a:ea typeface="微軟正黑體" panose="020B0604030504040204" pitchFamily="34" charset="-120"/>
+            </a:endParaRPr>
+          </a:p>
+          <a:p>
+            <a:pPr algn="ctr"/>
+            <a:r>
+              <a:rPr lang="zh-TW" altLang="en-US" sz="3200" b="1" dirty="0" smtClean="0">
+                <a:latin typeface="微軟正黑體" panose="020B0604030504040204" pitchFamily="34" charset="-120"/>
+                <a:ea typeface="微軟正黑體" panose="020B0604030504040204" pitchFamily="34" charset="-120"/>
+              </a:rPr>
+              <a:t>那</a:t>
+            </a:r>
+            <a:r>
+              <a:rPr lang="zh-TW" altLang="en-US" sz="3200" b="1" dirty="0">
+                <a:latin typeface="微軟正黑體" panose="020B0604030504040204" pitchFamily="34" charset="-120"/>
+                <a:ea typeface="微軟正黑體" panose="020B0604030504040204" pitchFamily="34" charset="-120"/>
+              </a:rPr>
+              <a:t>就勢必會等到對手有所</a:t>
+            </a:r>
+            <a:r>
+              <a:rPr lang="zh-TW" altLang="en-US" sz="3200" b="1" dirty="0" smtClean="0">
+                <a:latin typeface="微軟正黑體" panose="020B0604030504040204" pitchFamily="34" charset="-120"/>
+                <a:ea typeface="微軟正黑體" panose="020B0604030504040204" pitchFamily="34" charset="-120"/>
+              </a:rPr>
+              <a:t>行動</a:t>
+            </a:r>
+            <a:endParaRPr lang="en-US" altLang="zh-TW" sz="3200" b="1" dirty="0" smtClean="0">
+              <a:latin typeface="微軟正黑體" panose="020B0604030504040204" pitchFamily="34" charset="-120"/>
+              <a:ea typeface="微軟正黑體" panose="020B0604030504040204" pitchFamily="34" charset="-120"/>
+            </a:endParaRPr>
+          </a:p>
+          <a:p>
+            <a:pPr algn="ctr"/>
+            <a:r>
+              <a:rPr lang="zh-TW" altLang="en-US" sz="3200" b="1" dirty="0" smtClean="0">
+                <a:latin typeface="微軟正黑體" panose="020B0604030504040204" pitchFamily="34" charset="-120"/>
+                <a:ea typeface="微軟正黑體" panose="020B0604030504040204" pitchFamily="34" charset="-120"/>
+              </a:rPr>
+              <a:t>自己</a:t>
+            </a:r>
+            <a:r>
+              <a:rPr lang="zh-TW" altLang="en-US" sz="3200" b="1" dirty="0">
+                <a:latin typeface="微軟正黑體" panose="020B0604030504040204" pitchFamily="34" charset="-120"/>
+                <a:ea typeface="微軟正黑體" panose="020B0604030504040204" pitchFamily="34" charset="-120"/>
+              </a:rPr>
+              <a:t>才會</a:t>
+            </a:r>
+            <a:r>
+              <a:rPr lang="zh-TW" altLang="en-US" sz="3200" b="1" dirty="0" smtClean="0">
+                <a:latin typeface="微軟正黑體" panose="020B0604030504040204" pitchFamily="34" charset="-120"/>
+                <a:ea typeface="微軟正黑體" panose="020B0604030504040204" pitchFamily="34" charset="-120"/>
+              </a:rPr>
+              <a:t>動手</a:t>
+            </a:r>
+            <a:endParaRPr lang="en-US" altLang="zh-TW" sz="3200" b="1" dirty="0" smtClean="0">
+              <a:latin typeface="微軟正黑體" panose="020B0604030504040204" pitchFamily="34" charset="-120"/>
+              <a:ea typeface="微軟正黑體" panose="020B0604030504040204" pitchFamily="34" charset="-120"/>
+            </a:endParaRPr>
+          </a:p>
+          <a:p>
+            <a:pPr algn="ctr"/>
+            <a:r>
+              <a:rPr lang="zh-TW" altLang="en-US" sz="3200" b="1" dirty="0" smtClean="0">
+                <a:latin typeface="微軟正黑體" panose="020B0604030504040204" pitchFamily="34" charset="-120"/>
+                <a:ea typeface="微軟正黑體" panose="020B0604030504040204" pitchFamily="34" charset="-120"/>
+              </a:rPr>
+              <a:t>關注</a:t>
+            </a:r>
+            <a:r>
+              <a:rPr lang="zh-TW" altLang="en-US" sz="3200" b="1" dirty="0">
+                <a:latin typeface="微軟正黑體" panose="020B0604030504040204" pitchFamily="34" charset="-120"/>
+                <a:ea typeface="微軟正黑體" panose="020B0604030504040204" pitchFamily="34" charset="-120"/>
+              </a:rPr>
+              <a:t>客戶能讓你走在市場的前沿</a:t>
+            </a:r>
+          </a:p>
+        </p:txBody>
+      </p:sp>
     </p:spTree>
     <p:extLst>
       <p:ext uri="{BB962C8B-B14F-4D97-AF65-F5344CB8AC3E}">
-        <p14:creationId xmlns:p14="http://schemas.microsoft.com/office/powerpoint/2010/main" val="18091971"/>
+        <p14:creationId xmlns:p14="http://schemas.microsoft.com/office/powerpoint/2010/main" val="1415843726"/>
       </p:ext>
     </p:extLst>
   </p:cSld>
@@ -7491,8 +9183,8 @@
         </p:nvSpPr>
         <p:spPr>
           <a:xfrm>
-            <a:off x="0" y="1825269"/>
-            <a:ext cx="6858000" cy="859409"/>
+            <a:off x="233775" y="91567"/>
+            <a:ext cx="6390450" cy="683844"/>
           </a:xfrm>
           <a:prstGeom prst="rect">
             <a:avLst/>
@@ -7504,32 +9196,19 @@
           </a:bodyPr>
           <a:lstStyle/>
           <a:p>
-            <a:pPr algn="ctr"/>
-            <a:r>
-              <a:rPr lang="en-US" altLang="zh-TW" sz="6000" b="1" dirty="0" smtClean="0">
-                <a:latin typeface="微軟正黑體" panose="020B0604030504040204" pitchFamily="34" charset="-120"/>
-                <a:ea typeface="微軟正黑體" panose="020B0604030504040204" pitchFamily="34" charset="-120"/>
-              </a:rPr>
-              <a:t>THE</a:t>
-            </a:r>
-            <a:r>
-              <a:rPr lang="zh-TW" altLang="en-US" sz="6000" b="1" dirty="0" smtClean="0">
-                <a:latin typeface="微軟正黑體" panose="020B0604030504040204" pitchFamily="34" charset="-120"/>
-                <a:ea typeface="微軟正黑體" panose="020B0604030504040204" pitchFamily="34" charset="-120"/>
-              </a:rPr>
-              <a:t> </a:t>
-            </a:r>
-            <a:r>
-              <a:rPr lang="en-US" altLang="zh-TW" sz="6000" b="1" dirty="0" smtClean="0">
-                <a:latin typeface="微軟正黑體" panose="020B0604030504040204" pitchFamily="34" charset="-120"/>
-                <a:ea typeface="微軟正黑體" panose="020B0604030504040204" pitchFamily="34" charset="-120"/>
-              </a:rPr>
-              <a:t>END</a:t>
-            </a:r>
-            <a:endParaRPr sz="6000" b="1" dirty="0">
-              <a:latin typeface="微軟正黑體" panose="020B0604030504040204" pitchFamily="34" charset="-120"/>
-              <a:ea typeface="微軟正黑體" panose="020B0604030504040204" pitchFamily="34" charset="-120"/>
-            </a:endParaRPr>
+            <a:r>
+              <a:rPr lang="zh-TW" altLang="en-US" sz="3600" b="1" dirty="0" smtClean="0"/>
+              <a:t>名言</a:t>
+            </a:r>
+            <a:r>
+              <a:rPr lang="en-US" altLang="zh-TW" sz="3600" b="1" dirty="0" smtClean="0"/>
+              <a:t>-</a:t>
+            </a:r>
+            <a:r>
+              <a:rPr lang="zh-TW" altLang="en-US" sz="3600" b="1" dirty="0"/>
+              <a:t>關於拓展公司文化</a:t>
+            </a:r>
+            <a:endParaRPr sz="3600" b="1" dirty="0"/>
           </a:p>
         </p:txBody>
       </p:sp>
@@ -7560,10 +9239,847 @@
           </a:ln>
         </p:spPr>
       </p:pic>
+      <p:sp>
+        <p:nvSpPr>
+          <p:cNvPr id="5" name="Shape 67"/>
+          <p:cNvSpPr txBox="1">
+            <a:spLocks/>
+          </p:cNvSpPr>
+          <p:nvPr/>
+        </p:nvSpPr>
+        <p:spPr>
+          <a:xfrm>
+            <a:off x="0" y="2020626"/>
+            <a:ext cx="6858000" cy="1197344"/>
+          </a:xfrm>
+          <a:prstGeom prst="rect">
+            <a:avLst/>
+          </a:prstGeom>
+          <a:noFill/>
+          <a:ln>
+            <a:noFill/>
+          </a:ln>
+        </p:spPr>
+        <p:txBody>
+          <a:bodyPr lIns="68569" tIns="68569" rIns="68569" bIns="68569" anchor="t" anchorCtr="0">
+            <a:noAutofit/>
+          </a:bodyPr>
+          <a:lstStyle>
+            <a:defPPr marR="0" lvl="0" algn="l" rtl="0">
+              <a:lnSpc>
+                <a:spcPct val="100000"/>
+              </a:lnSpc>
+              <a:spcBef>
+                <a:spcPts val="0"/>
+              </a:spcBef>
+              <a:spcAft>
+                <a:spcPts val="0"/>
+              </a:spcAft>
+            </a:defPPr>
+            <a:lvl1pPr marR="0" lvl="0" algn="l" rtl="0">
+              <a:lnSpc>
+                <a:spcPct val="100000"/>
+              </a:lnSpc>
+              <a:spcBef>
+                <a:spcPts val="0"/>
+              </a:spcBef>
+              <a:spcAft>
+                <a:spcPts val="0"/>
+              </a:spcAft>
+              <a:buClr>
+                <a:schemeClr val="dk1"/>
+              </a:buClr>
+              <a:buSzPct val="100000"/>
+              <a:buNone/>
+              <a:defRPr sz="2800" b="0" i="0" u="none" strike="noStrike" cap="none">
+                <a:solidFill>
+                  <a:schemeClr val="dk1"/>
+                </a:solidFill>
+                <a:latin typeface="Arial"/>
+                <a:ea typeface="Arial"/>
+                <a:cs typeface="Arial"/>
+                <a:sym typeface="Arial"/>
+              </a:defRPr>
+            </a:lvl1pPr>
+            <a:lvl2pPr lvl="1">
+              <a:spcBef>
+                <a:spcPts val="0"/>
+              </a:spcBef>
+              <a:buClr>
+                <a:schemeClr val="dk1"/>
+              </a:buClr>
+              <a:buSzPct val="100000"/>
+              <a:buNone/>
+              <a:defRPr sz="2800">
+                <a:solidFill>
+                  <a:schemeClr val="dk1"/>
+                </a:solidFill>
+              </a:defRPr>
+            </a:lvl2pPr>
+            <a:lvl3pPr lvl="2">
+              <a:spcBef>
+                <a:spcPts val="0"/>
+              </a:spcBef>
+              <a:buClr>
+                <a:schemeClr val="dk1"/>
+              </a:buClr>
+              <a:buSzPct val="100000"/>
+              <a:buNone/>
+              <a:defRPr sz="2800">
+                <a:solidFill>
+                  <a:schemeClr val="dk1"/>
+                </a:solidFill>
+              </a:defRPr>
+            </a:lvl3pPr>
+            <a:lvl4pPr lvl="3">
+              <a:spcBef>
+                <a:spcPts val="0"/>
+              </a:spcBef>
+              <a:buClr>
+                <a:schemeClr val="dk1"/>
+              </a:buClr>
+              <a:buSzPct val="100000"/>
+              <a:buNone/>
+              <a:defRPr sz="2800">
+                <a:solidFill>
+                  <a:schemeClr val="dk1"/>
+                </a:solidFill>
+              </a:defRPr>
+            </a:lvl4pPr>
+            <a:lvl5pPr lvl="4">
+              <a:spcBef>
+                <a:spcPts val="0"/>
+              </a:spcBef>
+              <a:buClr>
+                <a:schemeClr val="dk1"/>
+              </a:buClr>
+              <a:buSzPct val="100000"/>
+              <a:buNone/>
+              <a:defRPr sz="2800">
+                <a:solidFill>
+                  <a:schemeClr val="dk1"/>
+                </a:solidFill>
+              </a:defRPr>
+            </a:lvl5pPr>
+            <a:lvl6pPr lvl="5">
+              <a:spcBef>
+                <a:spcPts val="0"/>
+              </a:spcBef>
+              <a:buClr>
+                <a:schemeClr val="dk1"/>
+              </a:buClr>
+              <a:buSzPct val="100000"/>
+              <a:buNone/>
+              <a:defRPr sz="2800">
+                <a:solidFill>
+                  <a:schemeClr val="dk1"/>
+                </a:solidFill>
+              </a:defRPr>
+            </a:lvl6pPr>
+            <a:lvl7pPr lvl="6">
+              <a:spcBef>
+                <a:spcPts val="0"/>
+              </a:spcBef>
+              <a:buClr>
+                <a:schemeClr val="dk1"/>
+              </a:buClr>
+              <a:buSzPct val="100000"/>
+              <a:buNone/>
+              <a:defRPr sz="2800">
+                <a:solidFill>
+                  <a:schemeClr val="dk1"/>
+                </a:solidFill>
+              </a:defRPr>
+            </a:lvl7pPr>
+            <a:lvl8pPr lvl="7">
+              <a:spcBef>
+                <a:spcPts val="0"/>
+              </a:spcBef>
+              <a:buClr>
+                <a:schemeClr val="dk1"/>
+              </a:buClr>
+              <a:buSzPct val="100000"/>
+              <a:buNone/>
+              <a:defRPr sz="2800">
+                <a:solidFill>
+                  <a:schemeClr val="dk1"/>
+                </a:solidFill>
+              </a:defRPr>
+            </a:lvl8pPr>
+            <a:lvl9pPr lvl="8">
+              <a:spcBef>
+                <a:spcPts val="0"/>
+              </a:spcBef>
+              <a:buClr>
+                <a:schemeClr val="dk1"/>
+              </a:buClr>
+              <a:buSzPct val="100000"/>
+              <a:buNone/>
+              <a:defRPr sz="2800">
+                <a:solidFill>
+                  <a:schemeClr val="dk1"/>
+                </a:solidFill>
+              </a:defRPr>
+            </a:lvl9pPr>
+          </a:lstStyle>
+          <a:p>
+            <a:pPr algn="ctr"/>
+            <a:r>
+              <a:rPr lang="zh-TW" altLang="en-US" sz="3200" b="1" dirty="0">
+                <a:latin typeface="微軟正黑體" panose="020B0604030504040204" pitchFamily="34" charset="-120"/>
+                <a:ea typeface="微軟正黑體" panose="020B0604030504040204" pitchFamily="34" charset="-120"/>
+              </a:rPr>
+              <a:t>公司文化中有一部分是由路線決定</a:t>
+            </a:r>
+            <a:r>
+              <a:rPr lang="zh-TW" altLang="en-US" sz="3200" b="1" dirty="0" smtClean="0">
+                <a:latin typeface="微軟正黑體" panose="020B0604030504040204" pitchFamily="34" charset="-120"/>
+                <a:ea typeface="微軟正黑體" panose="020B0604030504040204" pitchFamily="34" charset="-120"/>
+              </a:rPr>
+              <a:t>的這</a:t>
+            </a:r>
+            <a:r>
+              <a:rPr lang="zh-TW" altLang="en-US" sz="3200" b="1" dirty="0">
+                <a:latin typeface="微軟正黑體" panose="020B0604030504040204" pitchFamily="34" charset="-120"/>
+                <a:ea typeface="微軟正黑體" panose="020B0604030504040204" pitchFamily="34" charset="-120"/>
+              </a:rPr>
+              <a:t>是你沿著這條路走來時學到的東西</a:t>
+            </a:r>
+          </a:p>
+        </p:txBody>
+      </p:sp>
     </p:spTree>
     <p:extLst>
       <p:ext uri="{BB962C8B-B14F-4D97-AF65-F5344CB8AC3E}">
-        <p14:creationId xmlns:p14="http://schemas.microsoft.com/office/powerpoint/2010/main" val="740300992"/>
+        <p14:creationId xmlns:p14="http://schemas.microsoft.com/office/powerpoint/2010/main" val="614354266"/>
+      </p:ext>
+    </p:extLst>
+  </p:cSld>
+  <p:clrMapOvr>
+    <a:masterClrMapping/>
+  </p:clrMapOvr>
+  <p:timing>
+    <p:tnLst>
+      <p:par>
+        <p:cTn id="1" dur="indefinite" restart="never" nodeType="tmRoot"/>
+      </p:par>
+    </p:tnLst>
+  </p:timing>
+</p:sld>
+</file>
+
+<file path=ppt/slides/slide18.xml><?xml version="1.0" encoding="utf-8"?>
+<p:sld xmlns:a="http://schemas.openxmlformats.org/drawingml/2006/main" xmlns:r="http://schemas.openxmlformats.org/officeDocument/2006/relationships" xmlns:p="http://schemas.openxmlformats.org/presentationml/2006/main">
+  <p:cSld>
+    <p:spTree>
+      <p:nvGrpSpPr>
+        <p:cNvPr id="1" name="Shape 66"/>
+        <p:cNvGrpSpPr/>
+        <p:nvPr/>
+      </p:nvGrpSpPr>
+      <p:grpSpPr>
+        <a:xfrm>
+          <a:off x="0" y="0"/>
+          <a:ext cx="0" cy="0"/>
+          <a:chOff x="0" y="0"/>
+          <a:chExt cx="0" cy="0"/>
+        </a:xfrm>
+      </p:grpSpPr>
+      <p:sp>
+        <p:nvSpPr>
+          <p:cNvPr id="67" name="Shape 67"/>
+          <p:cNvSpPr txBox="1">
+            <a:spLocks noGrp="1"/>
+          </p:cNvSpPr>
+          <p:nvPr>
+            <p:ph type="title"/>
+          </p:nvPr>
+        </p:nvSpPr>
+        <p:spPr>
+          <a:xfrm>
+            <a:off x="233775" y="91567"/>
+            <a:ext cx="6390450" cy="683844"/>
+          </a:xfrm>
+          <a:prstGeom prst="rect">
+            <a:avLst/>
+          </a:prstGeom>
+        </p:spPr>
+        <p:txBody>
+          <a:bodyPr lIns="68569" tIns="68569" rIns="68569" bIns="68569" anchor="t" anchorCtr="0">
+            <a:noAutofit/>
+          </a:bodyPr>
+          <a:lstStyle/>
+          <a:p>
+            <a:r>
+              <a:rPr lang="zh-TW" altLang="en-US" sz="3600" b="1" dirty="0" smtClean="0"/>
+              <a:t>名言</a:t>
+            </a:r>
+            <a:r>
+              <a:rPr lang="en-US" altLang="zh-TW" sz="3600" b="1" dirty="0" smtClean="0"/>
+              <a:t>-</a:t>
+            </a:r>
+            <a:r>
+              <a:rPr lang="zh-TW" altLang="en-US" sz="3600" b="1" dirty="0"/>
+              <a:t>關於新點子</a:t>
+            </a:r>
+            <a:endParaRPr sz="3600" b="1" dirty="0"/>
+          </a:p>
+        </p:txBody>
+      </p:sp>
+      <p:pic>
+        <p:nvPicPr>
+          <p:cNvPr id="4" name="Shape 60" descr="Amazon-logo.png"/>
+          <p:cNvPicPr preferRelativeResize="0"/>
+          <p:nvPr/>
+        </p:nvPicPr>
+        <p:blipFill rotWithShape="1">
+          <a:blip r:embed="rId3">
+            <a:alphaModFix/>
+          </a:blip>
+          <a:srcRect l="20362" t="37377" r="21470" b="37023"/>
+          <a:stretch/>
+        </p:blipFill>
+        <p:spPr>
+          <a:xfrm>
+            <a:off x="4849977" y="4463186"/>
+            <a:ext cx="1931213" cy="680314"/>
+          </a:xfrm>
+          <a:prstGeom prst="rect">
+            <a:avLst/>
+          </a:prstGeom>
+          <a:noFill/>
+          <a:ln>
+            <a:noFill/>
+          </a:ln>
+        </p:spPr>
+      </p:pic>
+      <p:sp>
+        <p:nvSpPr>
+          <p:cNvPr id="5" name="Shape 67"/>
+          <p:cNvSpPr txBox="1">
+            <a:spLocks/>
+          </p:cNvSpPr>
+          <p:nvPr/>
+        </p:nvSpPr>
+        <p:spPr>
+          <a:xfrm>
+            <a:off x="0" y="2020626"/>
+            <a:ext cx="6858000" cy="1197344"/>
+          </a:xfrm>
+          <a:prstGeom prst="rect">
+            <a:avLst/>
+          </a:prstGeom>
+          <a:noFill/>
+          <a:ln>
+            <a:noFill/>
+          </a:ln>
+        </p:spPr>
+        <p:txBody>
+          <a:bodyPr lIns="68569" tIns="68569" rIns="68569" bIns="68569" anchor="t" anchorCtr="0">
+            <a:noAutofit/>
+          </a:bodyPr>
+          <a:lstStyle>
+            <a:defPPr marR="0" lvl="0" algn="l" rtl="0">
+              <a:lnSpc>
+                <a:spcPct val="100000"/>
+              </a:lnSpc>
+              <a:spcBef>
+                <a:spcPts val="0"/>
+              </a:spcBef>
+              <a:spcAft>
+                <a:spcPts val="0"/>
+              </a:spcAft>
+            </a:defPPr>
+            <a:lvl1pPr marR="0" lvl="0" algn="l" rtl="0">
+              <a:lnSpc>
+                <a:spcPct val="100000"/>
+              </a:lnSpc>
+              <a:spcBef>
+                <a:spcPts val="0"/>
+              </a:spcBef>
+              <a:spcAft>
+                <a:spcPts val="0"/>
+              </a:spcAft>
+              <a:buClr>
+                <a:schemeClr val="dk1"/>
+              </a:buClr>
+              <a:buSzPct val="100000"/>
+              <a:buNone/>
+              <a:defRPr sz="2800" b="0" i="0" u="none" strike="noStrike" cap="none">
+                <a:solidFill>
+                  <a:schemeClr val="dk1"/>
+                </a:solidFill>
+                <a:latin typeface="Arial"/>
+                <a:ea typeface="Arial"/>
+                <a:cs typeface="Arial"/>
+                <a:sym typeface="Arial"/>
+              </a:defRPr>
+            </a:lvl1pPr>
+            <a:lvl2pPr lvl="1">
+              <a:spcBef>
+                <a:spcPts val="0"/>
+              </a:spcBef>
+              <a:buClr>
+                <a:schemeClr val="dk1"/>
+              </a:buClr>
+              <a:buSzPct val="100000"/>
+              <a:buNone/>
+              <a:defRPr sz="2800">
+                <a:solidFill>
+                  <a:schemeClr val="dk1"/>
+                </a:solidFill>
+              </a:defRPr>
+            </a:lvl2pPr>
+            <a:lvl3pPr lvl="2">
+              <a:spcBef>
+                <a:spcPts val="0"/>
+              </a:spcBef>
+              <a:buClr>
+                <a:schemeClr val="dk1"/>
+              </a:buClr>
+              <a:buSzPct val="100000"/>
+              <a:buNone/>
+              <a:defRPr sz="2800">
+                <a:solidFill>
+                  <a:schemeClr val="dk1"/>
+                </a:solidFill>
+              </a:defRPr>
+            </a:lvl3pPr>
+            <a:lvl4pPr lvl="3">
+              <a:spcBef>
+                <a:spcPts val="0"/>
+              </a:spcBef>
+              <a:buClr>
+                <a:schemeClr val="dk1"/>
+              </a:buClr>
+              <a:buSzPct val="100000"/>
+              <a:buNone/>
+              <a:defRPr sz="2800">
+                <a:solidFill>
+                  <a:schemeClr val="dk1"/>
+                </a:solidFill>
+              </a:defRPr>
+            </a:lvl4pPr>
+            <a:lvl5pPr lvl="4">
+              <a:spcBef>
+                <a:spcPts val="0"/>
+              </a:spcBef>
+              <a:buClr>
+                <a:schemeClr val="dk1"/>
+              </a:buClr>
+              <a:buSzPct val="100000"/>
+              <a:buNone/>
+              <a:defRPr sz="2800">
+                <a:solidFill>
+                  <a:schemeClr val="dk1"/>
+                </a:solidFill>
+              </a:defRPr>
+            </a:lvl5pPr>
+            <a:lvl6pPr lvl="5">
+              <a:spcBef>
+                <a:spcPts val="0"/>
+              </a:spcBef>
+              <a:buClr>
+                <a:schemeClr val="dk1"/>
+              </a:buClr>
+              <a:buSzPct val="100000"/>
+              <a:buNone/>
+              <a:defRPr sz="2800">
+                <a:solidFill>
+                  <a:schemeClr val="dk1"/>
+                </a:solidFill>
+              </a:defRPr>
+            </a:lvl6pPr>
+            <a:lvl7pPr lvl="6">
+              <a:spcBef>
+                <a:spcPts val="0"/>
+              </a:spcBef>
+              <a:buClr>
+                <a:schemeClr val="dk1"/>
+              </a:buClr>
+              <a:buSzPct val="100000"/>
+              <a:buNone/>
+              <a:defRPr sz="2800">
+                <a:solidFill>
+                  <a:schemeClr val="dk1"/>
+                </a:solidFill>
+              </a:defRPr>
+            </a:lvl7pPr>
+            <a:lvl8pPr lvl="7">
+              <a:spcBef>
+                <a:spcPts val="0"/>
+              </a:spcBef>
+              <a:buClr>
+                <a:schemeClr val="dk1"/>
+              </a:buClr>
+              <a:buSzPct val="100000"/>
+              <a:buNone/>
+              <a:defRPr sz="2800">
+                <a:solidFill>
+                  <a:schemeClr val="dk1"/>
+                </a:solidFill>
+              </a:defRPr>
+            </a:lvl8pPr>
+            <a:lvl9pPr lvl="8">
+              <a:spcBef>
+                <a:spcPts val="0"/>
+              </a:spcBef>
+              <a:buClr>
+                <a:schemeClr val="dk1"/>
+              </a:buClr>
+              <a:buSzPct val="100000"/>
+              <a:buNone/>
+              <a:defRPr sz="2800">
+                <a:solidFill>
+                  <a:schemeClr val="dk1"/>
+                </a:solidFill>
+              </a:defRPr>
+            </a:lvl9pPr>
+          </a:lstStyle>
+          <a:p>
+            <a:pPr algn="ctr"/>
+            <a:r>
+              <a:rPr lang="zh-TW" altLang="en-US" sz="3200" b="1" dirty="0">
+                <a:latin typeface="微軟正黑體" panose="020B0604030504040204" pitchFamily="34" charset="-120"/>
+                <a:ea typeface="微軟正黑體" panose="020B0604030504040204" pitchFamily="34" charset="-120"/>
+              </a:rPr>
+              <a:t>發現</a:t>
+            </a:r>
+            <a:r>
+              <a:rPr lang="en-US" altLang="zh-TW" sz="3200" b="1" dirty="0">
+                <a:latin typeface="微軟正黑體" panose="020B0604030504040204" pitchFamily="34" charset="-120"/>
+                <a:ea typeface="微軟正黑體" panose="020B0604030504040204" pitchFamily="34" charset="-120"/>
+              </a:rPr>
+              <a:t>﹐</a:t>
+            </a:r>
+            <a:r>
+              <a:rPr lang="zh-TW" altLang="en-US" sz="3200" b="1" dirty="0">
+                <a:latin typeface="微軟正黑體" panose="020B0604030504040204" pitchFamily="34" charset="-120"/>
+                <a:ea typeface="微軟正黑體" panose="020B0604030504040204" pitchFamily="34" charset="-120"/>
+              </a:rPr>
+              <a:t>總有意外摻雜其中</a:t>
+            </a:r>
+          </a:p>
+        </p:txBody>
+      </p:sp>
+    </p:spTree>
+    <p:extLst>
+      <p:ext uri="{BB962C8B-B14F-4D97-AF65-F5344CB8AC3E}">
+        <p14:creationId xmlns:p14="http://schemas.microsoft.com/office/powerpoint/2010/main" val="3084408117"/>
+      </p:ext>
+    </p:extLst>
+  </p:cSld>
+  <p:clrMapOvr>
+    <a:masterClrMapping/>
+  </p:clrMapOvr>
+  <p:timing>
+    <p:tnLst>
+      <p:par>
+        <p:cTn id="1" dur="indefinite" restart="never" nodeType="tmRoot"/>
+      </p:par>
+    </p:tnLst>
+  </p:timing>
+</p:sld>
+</file>
+
+<file path=ppt/slides/slide19.xml><?xml version="1.0" encoding="utf-8"?>
+<p:sld xmlns:a="http://schemas.openxmlformats.org/drawingml/2006/main" xmlns:r="http://schemas.openxmlformats.org/officeDocument/2006/relationships" xmlns:p="http://schemas.openxmlformats.org/presentationml/2006/main">
+  <p:cSld>
+    <p:spTree>
+      <p:nvGrpSpPr>
+        <p:cNvPr id="1" name="Shape 66"/>
+        <p:cNvGrpSpPr/>
+        <p:nvPr/>
+      </p:nvGrpSpPr>
+      <p:grpSpPr>
+        <a:xfrm>
+          <a:off x="0" y="0"/>
+          <a:ext cx="0" cy="0"/>
+          <a:chOff x="0" y="0"/>
+          <a:chExt cx="0" cy="0"/>
+        </a:xfrm>
+      </p:grpSpPr>
+      <p:sp>
+        <p:nvSpPr>
+          <p:cNvPr id="67" name="Shape 67"/>
+          <p:cNvSpPr txBox="1">
+            <a:spLocks noGrp="1"/>
+          </p:cNvSpPr>
+          <p:nvPr>
+            <p:ph type="title"/>
+          </p:nvPr>
+        </p:nvSpPr>
+        <p:spPr>
+          <a:xfrm>
+            <a:off x="233775" y="91567"/>
+            <a:ext cx="6390450" cy="683844"/>
+          </a:xfrm>
+          <a:prstGeom prst="rect">
+            <a:avLst/>
+          </a:prstGeom>
+        </p:spPr>
+        <p:txBody>
+          <a:bodyPr lIns="68569" tIns="68569" rIns="68569" bIns="68569" anchor="t" anchorCtr="0">
+            <a:noAutofit/>
+          </a:bodyPr>
+          <a:lstStyle/>
+          <a:p>
+            <a:r>
+              <a:rPr lang="zh-TW" altLang="en-US" sz="3600" b="1" dirty="0" smtClean="0"/>
+              <a:t>名言</a:t>
+            </a:r>
+            <a:r>
+              <a:rPr lang="en-US" altLang="zh-TW" sz="3600" b="1" dirty="0" smtClean="0"/>
+              <a:t>-</a:t>
+            </a:r>
+            <a:r>
+              <a:rPr lang="zh-TW" altLang="en-US" sz="3600" b="1" dirty="0"/>
+              <a:t>關於擇友</a:t>
+            </a:r>
+            <a:endParaRPr sz="3600" b="1" dirty="0"/>
+          </a:p>
+        </p:txBody>
+      </p:sp>
+      <p:pic>
+        <p:nvPicPr>
+          <p:cNvPr id="4" name="Shape 60" descr="Amazon-logo.png"/>
+          <p:cNvPicPr preferRelativeResize="0"/>
+          <p:nvPr/>
+        </p:nvPicPr>
+        <p:blipFill rotWithShape="1">
+          <a:blip r:embed="rId3">
+            <a:alphaModFix/>
+          </a:blip>
+          <a:srcRect l="20362" t="37377" r="21470" b="37023"/>
+          <a:stretch/>
+        </p:blipFill>
+        <p:spPr>
+          <a:xfrm>
+            <a:off x="4849977" y="4463186"/>
+            <a:ext cx="1931213" cy="680314"/>
+          </a:xfrm>
+          <a:prstGeom prst="rect">
+            <a:avLst/>
+          </a:prstGeom>
+          <a:noFill/>
+          <a:ln>
+            <a:noFill/>
+          </a:ln>
+        </p:spPr>
+      </p:pic>
+      <p:sp>
+        <p:nvSpPr>
+          <p:cNvPr id="5" name="Shape 67"/>
+          <p:cNvSpPr txBox="1">
+            <a:spLocks/>
+          </p:cNvSpPr>
+          <p:nvPr/>
+        </p:nvSpPr>
+        <p:spPr>
+          <a:xfrm>
+            <a:off x="0" y="2020626"/>
+            <a:ext cx="6858000" cy="1197344"/>
+          </a:xfrm>
+          <a:prstGeom prst="rect">
+            <a:avLst/>
+          </a:prstGeom>
+          <a:noFill/>
+          <a:ln>
+            <a:noFill/>
+          </a:ln>
+        </p:spPr>
+        <p:txBody>
+          <a:bodyPr lIns="68569" tIns="68569" rIns="68569" bIns="68569" anchor="t" anchorCtr="0">
+            <a:noAutofit/>
+          </a:bodyPr>
+          <a:lstStyle>
+            <a:defPPr marR="0" lvl="0" algn="l" rtl="0">
+              <a:lnSpc>
+                <a:spcPct val="100000"/>
+              </a:lnSpc>
+              <a:spcBef>
+                <a:spcPts val="0"/>
+              </a:spcBef>
+              <a:spcAft>
+                <a:spcPts val="0"/>
+              </a:spcAft>
+            </a:defPPr>
+            <a:lvl1pPr marR="0" lvl="0" algn="l" rtl="0">
+              <a:lnSpc>
+                <a:spcPct val="100000"/>
+              </a:lnSpc>
+              <a:spcBef>
+                <a:spcPts val="0"/>
+              </a:spcBef>
+              <a:spcAft>
+                <a:spcPts val="0"/>
+              </a:spcAft>
+              <a:buClr>
+                <a:schemeClr val="dk1"/>
+              </a:buClr>
+              <a:buSzPct val="100000"/>
+              <a:buNone/>
+              <a:defRPr sz="2800" b="0" i="0" u="none" strike="noStrike" cap="none">
+                <a:solidFill>
+                  <a:schemeClr val="dk1"/>
+                </a:solidFill>
+                <a:latin typeface="Arial"/>
+                <a:ea typeface="Arial"/>
+                <a:cs typeface="Arial"/>
+                <a:sym typeface="Arial"/>
+              </a:defRPr>
+            </a:lvl1pPr>
+            <a:lvl2pPr lvl="1">
+              <a:spcBef>
+                <a:spcPts val="0"/>
+              </a:spcBef>
+              <a:buClr>
+                <a:schemeClr val="dk1"/>
+              </a:buClr>
+              <a:buSzPct val="100000"/>
+              <a:buNone/>
+              <a:defRPr sz="2800">
+                <a:solidFill>
+                  <a:schemeClr val="dk1"/>
+                </a:solidFill>
+              </a:defRPr>
+            </a:lvl2pPr>
+            <a:lvl3pPr lvl="2">
+              <a:spcBef>
+                <a:spcPts val="0"/>
+              </a:spcBef>
+              <a:buClr>
+                <a:schemeClr val="dk1"/>
+              </a:buClr>
+              <a:buSzPct val="100000"/>
+              <a:buNone/>
+              <a:defRPr sz="2800">
+                <a:solidFill>
+                  <a:schemeClr val="dk1"/>
+                </a:solidFill>
+              </a:defRPr>
+            </a:lvl3pPr>
+            <a:lvl4pPr lvl="3">
+              <a:spcBef>
+                <a:spcPts val="0"/>
+              </a:spcBef>
+              <a:buClr>
+                <a:schemeClr val="dk1"/>
+              </a:buClr>
+              <a:buSzPct val="100000"/>
+              <a:buNone/>
+              <a:defRPr sz="2800">
+                <a:solidFill>
+                  <a:schemeClr val="dk1"/>
+                </a:solidFill>
+              </a:defRPr>
+            </a:lvl4pPr>
+            <a:lvl5pPr lvl="4">
+              <a:spcBef>
+                <a:spcPts val="0"/>
+              </a:spcBef>
+              <a:buClr>
+                <a:schemeClr val="dk1"/>
+              </a:buClr>
+              <a:buSzPct val="100000"/>
+              <a:buNone/>
+              <a:defRPr sz="2800">
+                <a:solidFill>
+                  <a:schemeClr val="dk1"/>
+                </a:solidFill>
+              </a:defRPr>
+            </a:lvl5pPr>
+            <a:lvl6pPr lvl="5">
+              <a:spcBef>
+                <a:spcPts val="0"/>
+              </a:spcBef>
+              <a:buClr>
+                <a:schemeClr val="dk1"/>
+              </a:buClr>
+              <a:buSzPct val="100000"/>
+              <a:buNone/>
+              <a:defRPr sz="2800">
+                <a:solidFill>
+                  <a:schemeClr val="dk1"/>
+                </a:solidFill>
+              </a:defRPr>
+            </a:lvl6pPr>
+            <a:lvl7pPr lvl="6">
+              <a:spcBef>
+                <a:spcPts val="0"/>
+              </a:spcBef>
+              <a:buClr>
+                <a:schemeClr val="dk1"/>
+              </a:buClr>
+              <a:buSzPct val="100000"/>
+              <a:buNone/>
+              <a:defRPr sz="2800">
+                <a:solidFill>
+                  <a:schemeClr val="dk1"/>
+                </a:solidFill>
+              </a:defRPr>
+            </a:lvl7pPr>
+            <a:lvl8pPr lvl="7">
+              <a:spcBef>
+                <a:spcPts val="0"/>
+              </a:spcBef>
+              <a:buClr>
+                <a:schemeClr val="dk1"/>
+              </a:buClr>
+              <a:buSzPct val="100000"/>
+              <a:buNone/>
+              <a:defRPr sz="2800">
+                <a:solidFill>
+                  <a:schemeClr val="dk1"/>
+                </a:solidFill>
+              </a:defRPr>
+            </a:lvl8pPr>
+            <a:lvl9pPr lvl="8">
+              <a:spcBef>
+                <a:spcPts val="0"/>
+              </a:spcBef>
+              <a:buClr>
+                <a:schemeClr val="dk1"/>
+              </a:buClr>
+              <a:buSzPct val="100000"/>
+              <a:buNone/>
+              <a:defRPr sz="2800">
+                <a:solidFill>
+                  <a:schemeClr val="dk1"/>
+                </a:solidFill>
+              </a:defRPr>
+            </a:lvl9pPr>
+          </a:lstStyle>
+          <a:p>
+            <a:pPr algn="ctr"/>
+            <a:r>
+              <a:rPr lang="zh-TW" altLang="en-US" sz="3200" b="1" dirty="0">
+                <a:latin typeface="微軟正黑體" panose="020B0604030504040204" pitchFamily="34" charset="-120"/>
+                <a:ea typeface="微軟正黑體" panose="020B0604030504040204" pitchFamily="34" charset="-120"/>
+              </a:rPr>
+              <a:t>人生苦短</a:t>
+            </a:r>
+            <a:r>
+              <a:rPr lang="en-US" altLang="zh-TW" sz="3200" b="1" dirty="0">
+                <a:latin typeface="微軟正黑體" panose="020B0604030504040204" pitchFamily="34" charset="-120"/>
+                <a:ea typeface="微軟正黑體" panose="020B0604030504040204" pitchFamily="34" charset="-120"/>
+              </a:rPr>
+              <a:t>﹐</a:t>
+            </a:r>
+            <a:r>
+              <a:rPr lang="zh-TW" altLang="en-US" sz="3200" b="1" dirty="0">
+                <a:latin typeface="微軟正黑體" panose="020B0604030504040204" pitchFamily="34" charset="-120"/>
+                <a:ea typeface="微軟正黑體" panose="020B0604030504040204" pitchFamily="34" charset="-120"/>
+              </a:rPr>
+              <a:t>少和不聰明的人閑逛</a:t>
+            </a:r>
+          </a:p>
+        </p:txBody>
+      </p:sp>
+    </p:spTree>
+    <p:extLst>
+      <p:ext uri="{BB962C8B-B14F-4D97-AF65-F5344CB8AC3E}">
+        <p14:creationId xmlns:p14="http://schemas.microsoft.com/office/powerpoint/2010/main" val="1145216346"/>
       </p:ext>
     </p:extLst>
   </p:cSld>
@@ -7809,6 +10325,2280 @@
         </p:spPr>
       </p:pic>
     </p:spTree>
+  </p:cSld>
+  <p:clrMapOvr>
+    <a:masterClrMapping/>
+  </p:clrMapOvr>
+  <p:timing>
+    <p:tnLst>
+      <p:par>
+        <p:cTn id="1" dur="indefinite" restart="never" nodeType="tmRoot"/>
+      </p:par>
+    </p:tnLst>
+  </p:timing>
+</p:sld>
+</file>
+
+<file path=ppt/slides/slide20.xml><?xml version="1.0" encoding="utf-8"?>
+<p:sld xmlns:a="http://schemas.openxmlformats.org/drawingml/2006/main" xmlns:r="http://schemas.openxmlformats.org/officeDocument/2006/relationships" xmlns:p="http://schemas.openxmlformats.org/presentationml/2006/main">
+  <p:cSld>
+    <p:spTree>
+      <p:nvGrpSpPr>
+        <p:cNvPr id="1" name="Shape 66"/>
+        <p:cNvGrpSpPr/>
+        <p:nvPr/>
+      </p:nvGrpSpPr>
+      <p:grpSpPr>
+        <a:xfrm>
+          <a:off x="0" y="0"/>
+          <a:ext cx="0" cy="0"/>
+          <a:chOff x="0" y="0"/>
+          <a:chExt cx="0" cy="0"/>
+        </a:xfrm>
+      </p:grpSpPr>
+      <p:sp>
+        <p:nvSpPr>
+          <p:cNvPr id="67" name="Shape 67"/>
+          <p:cNvSpPr txBox="1">
+            <a:spLocks noGrp="1"/>
+          </p:cNvSpPr>
+          <p:nvPr>
+            <p:ph type="title"/>
+          </p:nvPr>
+        </p:nvSpPr>
+        <p:spPr>
+          <a:xfrm>
+            <a:off x="233775" y="91567"/>
+            <a:ext cx="6390450" cy="683844"/>
+          </a:xfrm>
+          <a:prstGeom prst="rect">
+            <a:avLst/>
+          </a:prstGeom>
+        </p:spPr>
+        <p:txBody>
+          <a:bodyPr lIns="68569" tIns="68569" rIns="68569" bIns="68569" anchor="t" anchorCtr="0">
+            <a:noAutofit/>
+          </a:bodyPr>
+          <a:lstStyle/>
+          <a:p>
+            <a:r>
+              <a:rPr lang="zh-TW" altLang="en-US" sz="3600" b="1" dirty="0" smtClean="0"/>
+              <a:t>名言</a:t>
+            </a:r>
+            <a:r>
+              <a:rPr lang="en-US" altLang="zh-TW" sz="3600" b="1" dirty="0" smtClean="0"/>
+              <a:t>-</a:t>
+            </a:r>
+            <a:r>
+              <a:rPr lang="zh-TW" altLang="en-US" sz="3600" b="1" dirty="0"/>
+              <a:t>關於策略</a:t>
+            </a:r>
+            <a:endParaRPr sz="3600" b="1" dirty="0"/>
+          </a:p>
+        </p:txBody>
+      </p:sp>
+      <p:pic>
+        <p:nvPicPr>
+          <p:cNvPr id="4" name="Shape 60" descr="Amazon-logo.png"/>
+          <p:cNvPicPr preferRelativeResize="0"/>
+          <p:nvPr/>
+        </p:nvPicPr>
+        <p:blipFill rotWithShape="1">
+          <a:blip r:embed="rId3">
+            <a:alphaModFix/>
+          </a:blip>
+          <a:srcRect l="20362" t="37377" r="21470" b="37023"/>
+          <a:stretch/>
+        </p:blipFill>
+        <p:spPr>
+          <a:xfrm>
+            <a:off x="4849977" y="4463186"/>
+            <a:ext cx="1931213" cy="680314"/>
+          </a:xfrm>
+          <a:prstGeom prst="rect">
+            <a:avLst/>
+          </a:prstGeom>
+          <a:noFill/>
+          <a:ln>
+            <a:noFill/>
+          </a:ln>
+        </p:spPr>
+      </p:pic>
+      <p:sp>
+        <p:nvSpPr>
+          <p:cNvPr id="5" name="Shape 67"/>
+          <p:cNvSpPr txBox="1">
+            <a:spLocks/>
+          </p:cNvSpPr>
+          <p:nvPr/>
+        </p:nvSpPr>
+        <p:spPr>
+          <a:xfrm>
+            <a:off x="0" y="2020626"/>
+            <a:ext cx="6858000" cy="1197344"/>
+          </a:xfrm>
+          <a:prstGeom prst="rect">
+            <a:avLst/>
+          </a:prstGeom>
+          <a:noFill/>
+          <a:ln>
+            <a:noFill/>
+          </a:ln>
+        </p:spPr>
+        <p:txBody>
+          <a:bodyPr lIns="68569" tIns="68569" rIns="68569" bIns="68569" anchor="t" anchorCtr="0">
+            <a:noAutofit/>
+          </a:bodyPr>
+          <a:lstStyle>
+            <a:defPPr marR="0" lvl="0" algn="l" rtl="0">
+              <a:lnSpc>
+                <a:spcPct val="100000"/>
+              </a:lnSpc>
+              <a:spcBef>
+                <a:spcPts val="0"/>
+              </a:spcBef>
+              <a:spcAft>
+                <a:spcPts val="0"/>
+              </a:spcAft>
+            </a:defPPr>
+            <a:lvl1pPr marR="0" lvl="0" algn="l" rtl="0">
+              <a:lnSpc>
+                <a:spcPct val="100000"/>
+              </a:lnSpc>
+              <a:spcBef>
+                <a:spcPts val="0"/>
+              </a:spcBef>
+              <a:spcAft>
+                <a:spcPts val="0"/>
+              </a:spcAft>
+              <a:buClr>
+                <a:schemeClr val="dk1"/>
+              </a:buClr>
+              <a:buSzPct val="100000"/>
+              <a:buNone/>
+              <a:defRPr sz="2800" b="0" i="0" u="none" strike="noStrike" cap="none">
+                <a:solidFill>
+                  <a:schemeClr val="dk1"/>
+                </a:solidFill>
+                <a:latin typeface="Arial"/>
+                <a:ea typeface="Arial"/>
+                <a:cs typeface="Arial"/>
+                <a:sym typeface="Arial"/>
+              </a:defRPr>
+            </a:lvl1pPr>
+            <a:lvl2pPr lvl="1">
+              <a:spcBef>
+                <a:spcPts val="0"/>
+              </a:spcBef>
+              <a:buClr>
+                <a:schemeClr val="dk1"/>
+              </a:buClr>
+              <a:buSzPct val="100000"/>
+              <a:buNone/>
+              <a:defRPr sz="2800">
+                <a:solidFill>
+                  <a:schemeClr val="dk1"/>
+                </a:solidFill>
+              </a:defRPr>
+            </a:lvl2pPr>
+            <a:lvl3pPr lvl="2">
+              <a:spcBef>
+                <a:spcPts val="0"/>
+              </a:spcBef>
+              <a:buClr>
+                <a:schemeClr val="dk1"/>
+              </a:buClr>
+              <a:buSzPct val="100000"/>
+              <a:buNone/>
+              <a:defRPr sz="2800">
+                <a:solidFill>
+                  <a:schemeClr val="dk1"/>
+                </a:solidFill>
+              </a:defRPr>
+            </a:lvl3pPr>
+            <a:lvl4pPr lvl="3">
+              <a:spcBef>
+                <a:spcPts val="0"/>
+              </a:spcBef>
+              <a:buClr>
+                <a:schemeClr val="dk1"/>
+              </a:buClr>
+              <a:buSzPct val="100000"/>
+              <a:buNone/>
+              <a:defRPr sz="2800">
+                <a:solidFill>
+                  <a:schemeClr val="dk1"/>
+                </a:solidFill>
+              </a:defRPr>
+            </a:lvl4pPr>
+            <a:lvl5pPr lvl="4">
+              <a:spcBef>
+                <a:spcPts val="0"/>
+              </a:spcBef>
+              <a:buClr>
+                <a:schemeClr val="dk1"/>
+              </a:buClr>
+              <a:buSzPct val="100000"/>
+              <a:buNone/>
+              <a:defRPr sz="2800">
+                <a:solidFill>
+                  <a:schemeClr val="dk1"/>
+                </a:solidFill>
+              </a:defRPr>
+            </a:lvl5pPr>
+            <a:lvl6pPr lvl="5">
+              <a:spcBef>
+                <a:spcPts val="0"/>
+              </a:spcBef>
+              <a:buClr>
+                <a:schemeClr val="dk1"/>
+              </a:buClr>
+              <a:buSzPct val="100000"/>
+              <a:buNone/>
+              <a:defRPr sz="2800">
+                <a:solidFill>
+                  <a:schemeClr val="dk1"/>
+                </a:solidFill>
+              </a:defRPr>
+            </a:lvl6pPr>
+            <a:lvl7pPr lvl="6">
+              <a:spcBef>
+                <a:spcPts val="0"/>
+              </a:spcBef>
+              <a:buClr>
+                <a:schemeClr val="dk1"/>
+              </a:buClr>
+              <a:buSzPct val="100000"/>
+              <a:buNone/>
+              <a:defRPr sz="2800">
+                <a:solidFill>
+                  <a:schemeClr val="dk1"/>
+                </a:solidFill>
+              </a:defRPr>
+            </a:lvl7pPr>
+            <a:lvl8pPr lvl="7">
+              <a:spcBef>
+                <a:spcPts val="0"/>
+              </a:spcBef>
+              <a:buClr>
+                <a:schemeClr val="dk1"/>
+              </a:buClr>
+              <a:buSzPct val="100000"/>
+              <a:buNone/>
+              <a:defRPr sz="2800">
+                <a:solidFill>
+                  <a:schemeClr val="dk1"/>
+                </a:solidFill>
+              </a:defRPr>
+            </a:lvl8pPr>
+            <a:lvl9pPr lvl="8">
+              <a:spcBef>
+                <a:spcPts val="0"/>
+              </a:spcBef>
+              <a:buClr>
+                <a:schemeClr val="dk1"/>
+              </a:buClr>
+              <a:buSzPct val="100000"/>
+              <a:buNone/>
+              <a:defRPr sz="2800">
+                <a:solidFill>
+                  <a:schemeClr val="dk1"/>
+                </a:solidFill>
+              </a:defRPr>
+            </a:lvl9pPr>
+          </a:lstStyle>
+          <a:p>
+            <a:pPr algn="ctr"/>
+            <a:r>
+              <a:rPr lang="zh-TW" altLang="en-US" sz="3200" b="1" dirty="0" smtClean="0">
+                <a:latin typeface="微軟正黑體" panose="020B0604030504040204" pitchFamily="34" charset="-120"/>
+                <a:ea typeface="微軟正黑體" panose="020B0604030504040204" pitchFamily="34" charset="-120"/>
+              </a:rPr>
+              <a:t>在</a:t>
+            </a:r>
+            <a:r>
+              <a:rPr lang="en-US" altLang="zh-TW" sz="3200" b="1" dirty="0" smtClean="0">
+                <a:latin typeface="微軟正黑體" panose="020B0604030504040204" pitchFamily="34" charset="-120"/>
+                <a:ea typeface="微軟正黑體" panose="020B0604030504040204" pitchFamily="34" charset="-120"/>
+              </a:rPr>
+              <a:t>Amazon</a:t>
+            </a:r>
+          </a:p>
+          <a:p>
+            <a:pPr algn="ctr"/>
+            <a:r>
+              <a:rPr lang="zh-TW" altLang="en-US" sz="3200" b="1" dirty="0" smtClean="0">
+                <a:latin typeface="微軟正黑體" panose="020B0604030504040204" pitchFamily="34" charset="-120"/>
+                <a:ea typeface="微軟正黑體" panose="020B0604030504040204" pitchFamily="34" charset="-120"/>
+              </a:rPr>
+              <a:t>我們</a:t>
+            </a:r>
+            <a:r>
+              <a:rPr lang="zh-TW" altLang="en-US" sz="3200" b="1" dirty="0">
+                <a:latin typeface="微軟正黑體" panose="020B0604030504040204" pitchFamily="34" charset="-120"/>
+                <a:ea typeface="微軟正黑體" panose="020B0604030504040204" pitchFamily="34" charset="-120"/>
+              </a:rPr>
+              <a:t>把三大構想堅持了</a:t>
+            </a:r>
+            <a:r>
+              <a:rPr lang="en-US" altLang="zh-TW" sz="3200" b="1" dirty="0">
+                <a:latin typeface="微軟正黑體" panose="020B0604030504040204" pitchFamily="34" charset="-120"/>
+                <a:ea typeface="微軟正黑體" panose="020B0604030504040204" pitchFamily="34" charset="-120"/>
+              </a:rPr>
+              <a:t>18</a:t>
+            </a:r>
+            <a:r>
+              <a:rPr lang="zh-TW" altLang="en-US" sz="3200" b="1" dirty="0" smtClean="0">
+                <a:latin typeface="微軟正黑體" panose="020B0604030504040204" pitchFamily="34" charset="-120"/>
+                <a:ea typeface="微軟正黑體" panose="020B0604030504040204" pitchFamily="34" charset="-120"/>
+              </a:rPr>
+              <a:t>年</a:t>
+            </a:r>
+            <a:endParaRPr lang="en-US" altLang="zh-TW" sz="3200" b="1" dirty="0" smtClean="0">
+              <a:latin typeface="微軟正黑體" panose="020B0604030504040204" pitchFamily="34" charset="-120"/>
+              <a:ea typeface="微軟正黑體" panose="020B0604030504040204" pitchFamily="34" charset="-120"/>
+            </a:endParaRPr>
+          </a:p>
+          <a:p>
+            <a:pPr algn="ctr"/>
+            <a:r>
+              <a:rPr lang="zh-TW" altLang="en-US" sz="3200" b="1" dirty="0">
+                <a:latin typeface="微軟正黑體" panose="020B0604030504040204" pitchFamily="34" charset="-120"/>
+                <a:ea typeface="微軟正黑體" panose="020B0604030504040204" pitchFamily="34" charset="-120"/>
+              </a:rPr>
+              <a:t>顧客至上</a:t>
+            </a:r>
+            <a:r>
+              <a:rPr lang="en-US" altLang="zh-TW" sz="3200" b="1" dirty="0">
+                <a:latin typeface="微軟正黑體" panose="020B0604030504040204" pitchFamily="34" charset="-120"/>
+                <a:ea typeface="微軟正黑體" panose="020B0604030504040204" pitchFamily="34" charset="-120"/>
+              </a:rPr>
+              <a:t>﹑</a:t>
+            </a:r>
+            <a:r>
+              <a:rPr lang="zh-TW" altLang="en-US" sz="3200" b="1" dirty="0">
+                <a:latin typeface="微軟正黑體" panose="020B0604030504040204" pitchFamily="34" charset="-120"/>
+                <a:ea typeface="微軟正黑體" panose="020B0604030504040204" pitchFamily="34" charset="-120"/>
+              </a:rPr>
+              <a:t>創造</a:t>
+            </a:r>
+            <a:r>
+              <a:rPr lang="en-US" altLang="zh-TW" sz="3200" b="1" dirty="0">
+                <a:latin typeface="微軟正黑體" panose="020B0604030504040204" pitchFamily="34" charset="-120"/>
+                <a:ea typeface="微軟正黑體" panose="020B0604030504040204" pitchFamily="34" charset="-120"/>
+              </a:rPr>
+              <a:t>﹑</a:t>
+            </a:r>
+            <a:r>
+              <a:rPr lang="zh-TW" altLang="en-US" sz="3200" b="1" dirty="0">
+                <a:latin typeface="微軟正黑體" panose="020B0604030504040204" pitchFamily="34" charset="-120"/>
+                <a:ea typeface="微軟正黑體" panose="020B0604030504040204" pitchFamily="34" charset="-120"/>
+              </a:rPr>
+              <a:t>學會忍耐</a:t>
+            </a:r>
+          </a:p>
+        </p:txBody>
+      </p:sp>
+    </p:spTree>
+    <p:extLst>
+      <p:ext uri="{BB962C8B-B14F-4D97-AF65-F5344CB8AC3E}">
+        <p14:creationId xmlns:p14="http://schemas.microsoft.com/office/powerpoint/2010/main" val="4255342371"/>
+      </p:ext>
+    </p:extLst>
+  </p:cSld>
+  <p:clrMapOvr>
+    <a:masterClrMapping/>
+  </p:clrMapOvr>
+  <p:timing>
+    <p:tnLst>
+      <p:par>
+        <p:cTn id="1" dur="indefinite" restart="never" nodeType="tmRoot"/>
+      </p:par>
+    </p:tnLst>
+  </p:timing>
+</p:sld>
+</file>
+
+<file path=ppt/slides/slide21.xml><?xml version="1.0" encoding="utf-8"?>
+<p:sld xmlns:a="http://schemas.openxmlformats.org/drawingml/2006/main" xmlns:r="http://schemas.openxmlformats.org/officeDocument/2006/relationships" xmlns:p="http://schemas.openxmlformats.org/presentationml/2006/main">
+  <p:cSld>
+    <p:spTree>
+      <p:nvGrpSpPr>
+        <p:cNvPr id="1" name="Shape 66"/>
+        <p:cNvGrpSpPr/>
+        <p:nvPr/>
+      </p:nvGrpSpPr>
+      <p:grpSpPr>
+        <a:xfrm>
+          <a:off x="0" y="0"/>
+          <a:ext cx="0" cy="0"/>
+          <a:chOff x="0" y="0"/>
+          <a:chExt cx="0" cy="0"/>
+        </a:xfrm>
+      </p:grpSpPr>
+      <p:sp>
+        <p:nvSpPr>
+          <p:cNvPr id="67" name="Shape 67"/>
+          <p:cNvSpPr txBox="1">
+            <a:spLocks noGrp="1"/>
+          </p:cNvSpPr>
+          <p:nvPr>
+            <p:ph type="title"/>
+          </p:nvPr>
+        </p:nvSpPr>
+        <p:spPr>
+          <a:xfrm>
+            <a:off x="233775" y="91567"/>
+            <a:ext cx="6390450" cy="683844"/>
+          </a:xfrm>
+          <a:prstGeom prst="rect">
+            <a:avLst/>
+          </a:prstGeom>
+        </p:spPr>
+        <p:txBody>
+          <a:bodyPr lIns="68569" tIns="68569" rIns="68569" bIns="68569" anchor="t" anchorCtr="0">
+            <a:noAutofit/>
+          </a:bodyPr>
+          <a:lstStyle/>
+          <a:p>
+            <a:r>
+              <a:rPr lang="zh-TW" altLang="en-US" sz="3600" b="1" dirty="0" smtClean="0"/>
+              <a:t>名言</a:t>
+            </a:r>
+            <a:r>
+              <a:rPr lang="en-US" altLang="zh-TW" sz="3600" b="1" dirty="0" smtClean="0"/>
+              <a:t>-</a:t>
+            </a:r>
+            <a:r>
+              <a:rPr lang="zh-TW" altLang="en-US" sz="3600" b="1" dirty="0"/>
+              <a:t>關於成長</a:t>
+            </a:r>
+            <a:endParaRPr sz="3600" b="1" dirty="0"/>
+          </a:p>
+        </p:txBody>
+      </p:sp>
+      <p:pic>
+        <p:nvPicPr>
+          <p:cNvPr id="4" name="Shape 60" descr="Amazon-logo.png"/>
+          <p:cNvPicPr preferRelativeResize="0"/>
+          <p:nvPr/>
+        </p:nvPicPr>
+        <p:blipFill rotWithShape="1">
+          <a:blip r:embed="rId3">
+            <a:alphaModFix/>
+          </a:blip>
+          <a:srcRect l="20362" t="37377" r="21470" b="37023"/>
+          <a:stretch/>
+        </p:blipFill>
+        <p:spPr>
+          <a:xfrm>
+            <a:off x="4849977" y="4463186"/>
+            <a:ext cx="1931213" cy="680314"/>
+          </a:xfrm>
+          <a:prstGeom prst="rect">
+            <a:avLst/>
+          </a:prstGeom>
+          <a:noFill/>
+          <a:ln>
+            <a:noFill/>
+          </a:ln>
+        </p:spPr>
+      </p:pic>
+      <p:sp>
+        <p:nvSpPr>
+          <p:cNvPr id="5" name="Shape 67"/>
+          <p:cNvSpPr txBox="1">
+            <a:spLocks/>
+          </p:cNvSpPr>
+          <p:nvPr/>
+        </p:nvSpPr>
+        <p:spPr>
+          <a:xfrm>
+            <a:off x="0" y="2020626"/>
+            <a:ext cx="6858000" cy="1197344"/>
+          </a:xfrm>
+          <a:prstGeom prst="rect">
+            <a:avLst/>
+          </a:prstGeom>
+          <a:noFill/>
+          <a:ln>
+            <a:noFill/>
+          </a:ln>
+        </p:spPr>
+        <p:txBody>
+          <a:bodyPr lIns="68569" tIns="68569" rIns="68569" bIns="68569" anchor="t" anchorCtr="0">
+            <a:noAutofit/>
+          </a:bodyPr>
+          <a:lstStyle>
+            <a:defPPr marR="0" lvl="0" algn="l" rtl="0">
+              <a:lnSpc>
+                <a:spcPct val="100000"/>
+              </a:lnSpc>
+              <a:spcBef>
+                <a:spcPts val="0"/>
+              </a:spcBef>
+              <a:spcAft>
+                <a:spcPts val="0"/>
+              </a:spcAft>
+            </a:defPPr>
+            <a:lvl1pPr marR="0" lvl="0" algn="l" rtl="0">
+              <a:lnSpc>
+                <a:spcPct val="100000"/>
+              </a:lnSpc>
+              <a:spcBef>
+                <a:spcPts val="0"/>
+              </a:spcBef>
+              <a:spcAft>
+                <a:spcPts val="0"/>
+              </a:spcAft>
+              <a:buClr>
+                <a:schemeClr val="dk1"/>
+              </a:buClr>
+              <a:buSzPct val="100000"/>
+              <a:buNone/>
+              <a:defRPr sz="2800" b="0" i="0" u="none" strike="noStrike" cap="none">
+                <a:solidFill>
+                  <a:schemeClr val="dk1"/>
+                </a:solidFill>
+                <a:latin typeface="Arial"/>
+                <a:ea typeface="Arial"/>
+                <a:cs typeface="Arial"/>
+                <a:sym typeface="Arial"/>
+              </a:defRPr>
+            </a:lvl1pPr>
+            <a:lvl2pPr lvl="1">
+              <a:spcBef>
+                <a:spcPts val="0"/>
+              </a:spcBef>
+              <a:buClr>
+                <a:schemeClr val="dk1"/>
+              </a:buClr>
+              <a:buSzPct val="100000"/>
+              <a:buNone/>
+              <a:defRPr sz="2800">
+                <a:solidFill>
+                  <a:schemeClr val="dk1"/>
+                </a:solidFill>
+              </a:defRPr>
+            </a:lvl2pPr>
+            <a:lvl3pPr lvl="2">
+              <a:spcBef>
+                <a:spcPts val="0"/>
+              </a:spcBef>
+              <a:buClr>
+                <a:schemeClr val="dk1"/>
+              </a:buClr>
+              <a:buSzPct val="100000"/>
+              <a:buNone/>
+              <a:defRPr sz="2800">
+                <a:solidFill>
+                  <a:schemeClr val="dk1"/>
+                </a:solidFill>
+              </a:defRPr>
+            </a:lvl3pPr>
+            <a:lvl4pPr lvl="3">
+              <a:spcBef>
+                <a:spcPts val="0"/>
+              </a:spcBef>
+              <a:buClr>
+                <a:schemeClr val="dk1"/>
+              </a:buClr>
+              <a:buSzPct val="100000"/>
+              <a:buNone/>
+              <a:defRPr sz="2800">
+                <a:solidFill>
+                  <a:schemeClr val="dk1"/>
+                </a:solidFill>
+              </a:defRPr>
+            </a:lvl4pPr>
+            <a:lvl5pPr lvl="4">
+              <a:spcBef>
+                <a:spcPts val="0"/>
+              </a:spcBef>
+              <a:buClr>
+                <a:schemeClr val="dk1"/>
+              </a:buClr>
+              <a:buSzPct val="100000"/>
+              <a:buNone/>
+              <a:defRPr sz="2800">
+                <a:solidFill>
+                  <a:schemeClr val="dk1"/>
+                </a:solidFill>
+              </a:defRPr>
+            </a:lvl5pPr>
+            <a:lvl6pPr lvl="5">
+              <a:spcBef>
+                <a:spcPts val="0"/>
+              </a:spcBef>
+              <a:buClr>
+                <a:schemeClr val="dk1"/>
+              </a:buClr>
+              <a:buSzPct val="100000"/>
+              <a:buNone/>
+              <a:defRPr sz="2800">
+                <a:solidFill>
+                  <a:schemeClr val="dk1"/>
+                </a:solidFill>
+              </a:defRPr>
+            </a:lvl6pPr>
+            <a:lvl7pPr lvl="6">
+              <a:spcBef>
+                <a:spcPts val="0"/>
+              </a:spcBef>
+              <a:buClr>
+                <a:schemeClr val="dk1"/>
+              </a:buClr>
+              <a:buSzPct val="100000"/>
+              <a:buNone/>
+              <a:defRPr sz="2800">
+                <a:solidFill>
+                  <a:schemeClr val="dk1"/>
+                </a:solidFill>
+              </a:defRPr>
+            </a:lvl7pPr>
+            <a:lvl8pPr lvl="7">
+              <a:spcBef>
+                <a:spcPts val="0"/>
+              </a:spcBef>
+              <a:buClr>
+                <a:schemeClr val="dk1"/>
+              </a:buClr>
+              <a:buSzPct val="100000"/>
+              <a:buNone/>
+              <a:defRPr sz="2800">
+                <a:solidFill>
+                  <a:schemeClr val="dk1"/>
+                </a:solidFill>
+              </a:defRPr>
+            </a:lvl8pPr>
+            <a:lvl9pPr lvl="8">
+              <a:spcBef>
+                <a:spcPts val="0"/>
+              </a:spcBef>
+              <a:buClr>
+                <a:schemeClr val="dk1"/>
+              </a:buClr>
+              <a:buSzPct val="100000"/>
+              <a:buNone/>
+              <a:defRPr sz="2800">
+                <a:solidFill>
+                  <a:schemeClr val="dk1"/>
+                </a:solidFill>
+              </a:defRPr>
+            </a:lvl9pPr>
+          </a:lstStyle>
+          <a:p>
+            <a:pPr algn="ctr"/>
+            <a:r>
+              <a:rPr lang="zh-TW" altLang="en-US" sz="3200" b="1" dirty="0">
+                <a:latin typeface="微軟正黑體" panose="020B0604030504040204" pitchFamily="34" charset="-120"/>
+                <a:ea typeface="微軟正黑體" panose="020B0604030504040204" pitchFamily="34" charset="-120"/>
+              </a:rPr>
+              <a:t>所有業務都應該常懷青春之心</a:t>
+            </a:r>
+          </a:p>
+        </p:txBody>
+      </p:sp>
+    </p:spTree>
+    <p:extLst>
+      <p:ext uri="{BB962C8B-B14F-4D97-AF65-F5344CB8AC3E}">
+        <p14:creationId xmlns:p14="http://schemas.microsoft.com/office/powerpoint/2010/main" val="3499320099"/>
+      </p:ext>
+    </p:extLst>
+  </p:cSld>
+  <p:clrMapOvr>
+    <a:masterClrMapping/>
+  </p:clrMapOvr>
+  <p:timing>
+    <p:tnLst>
+      <p:par>
+        <p:cTn id="1" dur="indefinite" restart="never" nodeType="tmRoot"/>
+      </p:par>
+    </p:tnLst>
+  </p:timing>
+</p:sld>
+</file>
+
+<file path=ppt/slides/slide22.xml><?xml version="1.0" encoding="utf-8"?>
+<p:sld xmlns:a="http://schemas.openxmlformats.org/drawingml/2006/main" xmlns:r="http://schemas.openxmlformats.org/officeDocument/2006/relationships" xmlns:p="http://schemas.openxmlformats.org/presentationml/2006/main">
+  <p:cSld>
+    <p:spTree>
+      <p:nvGrpSpPr>
+        <p:cNvPr id="1" name="Shape 66"/>
+        <p:cNvGrpSpPr/>
+        <p:nvPr/>
+      </p:nvGrpSpPr>
+      <p:grpSpPr>
+        <a:xfrm>
+          <a:off x="0" y="0"/>
+          <a:ext cx="0" cy="0"/>
+          <a:chOff x="0" y="0"/>
+          <a:chExt cx="0" cy="0"/>
+        </a:xfrm>
+      </p:grpSpPr>
+      <p:sp>
+        <p:nvSpPr>
+          <p:cNvPr id="67" name="Shape 67"/>
+          <p:cNvSpPr txBox="1">
+            <a:spLocks noGrp="1"/>
+          </p:cNvSpPr>
+          <p:nvPr>
+            <p:ph type="title"/>
+          </p:nvPr>
+        </p:nvSpPr>
+        <p:spPr>
+          <a:xfrm>
+            <a:off x="233775" y="91567"/>
+            <a:ext cx="6390450" cy="683844"/>
+          </a:xfrm>
+          <a:prstGeom prst="rect">
+            <a:avLst/>
+          </a:prstGeom>
+        </p:spPr>
+        <p:txBody>
+          <a:bodyPr lIns="68569" tIns="68569" rIns="68569" bIns="68569" anchor="t" anchorCtr="0">
+            <a:noAutofit/>
+          </a:bodyPr>
+          <a:lstStyle/>
+          <a:p>
+            <a:r>
+              <a:rPr lang="zh-TW" altLang="en-US" sz="3600" b="1" dirty="0" smtClean="0"/>
+              <a:t>名言</a:t>
+            </a:r>
+            <a:r>
+              <a:rPr lang="en-US" altLang="zh-TW" sz="3600" b="1" dirty="0" smtClean="0"/>
+              <a:t>-</a:t>
+            </a:r>
+            <a:r>
+              <a:rPr lang="zh-TW" altLang="en-US" sz="3600" b="1" dirty="0"/>
+              <a:t>關於變通</a:t>
+            </a:r>
+            <a:endParaRPr sz="3600" b="1" dirty="0"/>
+          </a:p>
+        </p:txBody>
+      </p:sp>
+      <p:pic>
+        <p:nvPicPr>
+          <p:cNvPr id="4" name="Shape 60" descr="Amazon-logo.png"/>
+          <p:cNvPicPr preferRelativeResize="0"/>
+          <p:nvPr/>
+        </p:nvPicPr>
+        <p:blipFill rotWithShape="1">
+          <a:blip r:embed="rId3">
+            <a:alphaModFix/>
+          </a:blip>
+          <a:srcRect l="20362" t="37377" r="21470" b="37023"/>
+          <a:stretch/>
+        </p:blipFill>
+        <p:spPr>
+          <a:xfrm>
+            <a:off x="4849977" y="4463186"/>
+            <a:ext cx="1931213" cy="680314"/>
+          </a:xfrm>
+          <a:prstGeom prst="rect">
+            <a:avLst/>
+          </a:prstGeom>
+          <a:noFill/>
+          <a:ln>
+            <a:noFill/>
+          </a:ln>
+        </p:spPr>
+      </p:pic>
+      <p:sp>
+        <p:nvSpPr>
+          <p:cNvPr id="5" name="Shape 67"/>
+          <p:cNvSpPr txBox="1">
+            <a:spLocks/>
+          </p:cNvSpPr>
+          <p:nvPr/>
+        </p:nvSpPr>
+        <p:spPr>
+          <a:xfrm>
+            <a:off x="0" y="2020626"/>
+            <a:ext cx="6858000" cy="1197344"/>
+          </a:xfrm>
+          <a:prstGeom prst="rect">
+            <a:avLst/>
+          </a:prstGeom>
+          <a:noFill/>
+          <a:ln>
+            <a:noFill/>
+          </a:ln>
+        </p:spPr>
+        <p:txBody>
+          <a:bodyPr lIns="68569" tIns="68569" rIns="68569" bIns="68569" anchor="t" anchorCtr="0">
+            <a:noAutofit/>
+          </a:bodyPr>
+          <a:lstStyle>
+            <a:defPPr marR="0" lvl="0" algn="l" rtl="0">
+              <a:lnSpc>
+                <a:spcPct val="100000"/>
+              </a:lnSpc>
+              <a:spcBef>
+                <a:spcPts val="0"/>
+              </a:spcBef>
+              <a:spcAft>
+                <a:spcPts val="0"/>
+              </a:spcAft>
+            </a:defPPr>
+            <a:lvl1pPr marR="0" lvl="0" algn="l" rtl="0">
+              <a:lnSpc>
+                <a:spcPct val="100000"/>
+              </a:lnSpc>
+              <a:spcBef>
+                <a:spcPts val="0"/>
+              </a:spcBef>
+              <a:spcAft>
+                <a:spcPts val="0"/>
+              </a:spcAft>
+              <a:buClr>
+                <a:schemeClr val="dk1"/>
+              </a:buClr>
+              <a:buSzPct val="100000"/>
+              <a:buNone/>
+              <a:defRPr sz="2800" b="0" i="0" u="none" strike="noStrike" cap="none">
+                <a:solidFill>
+                  <a:schemeClr val="dk1"/>
+                </a:solidFill>
+                <a:latin typeface="Arial"/>
+                <a:ea typeface="Arial"/>
+                <a:cs typeface="Arial"/>
+                <a:sym typeface="Arial"/>
+              </a:defRPr>
+            </a:lvl1pPr>
+            <a:lvl2pPr lvl="1">
+              <a:spcBef>
+                <a:spcPts val="0"/>
+              </a:spcBef>
+              <a:buClr>
+                <a:schemeClr val="dk1"/>
+              </a:buClr>
+              <a:buSzPct val="100000"/>
+              <a:buNone/>
+              <a:defRPr sz="2800">
+                <a:solidFill>
+                  <a:schemeClr val="dk1"/>
+                </a:solidFill>
+              </a:defRPr>
+            </a:lvl2pPr>
+            <a:lvl3pPr lvl="2">
+              <a:spcBef>
+                <a:spcPts val="0"/>
+              </a:spcBef>
+              <a:buClr>
+                <a:schemeClr val="dk1"/>
+              </a:buClr>
+              <a:buSzPct val="100000"/>
+              <a:buNone/>
+              <a:defRPr sz="2800">
+                <a:solidFill>
+                  <a:schemeClr val="dk1"/>
+                </a:solidFill>
+              </a:defRPr>
+            </a:lvl3pPr>
+            <a:lvl4pPr lvl="3">
+              <a:spcBef>
+                <a:spcPts val="0"/>
+              </a:spcBef>
+              <a:buClr>
+                <a:schemeClr val="dk1"/>
+              </a:buClr>
+              <a:buSzPct val="100000"/>
+              <a:buNone/>
+              <a:defRPr sz="2800">
+                <a:solidFill>
+                  <a:schemeClr val="dk1"/>
+                </a:solidFill>
+              </a:defRPr>
+            </a:lvl4pPr>
+            <a:lvl5pPr lvl="4">
+              <a:spcBef>
+                <a:spcPts val="0"/>
+              </a:spcBef>
+              <a:buClr>
+                <a:schemeClr val="dk1"/>
+              </a:buClr>
+              <a:buSzPct val="100000"/>
+              <a:buNone/>
+              <a:defRPr sz="2800">
+                <a:solidFill>
+                  <a:schemeClr val="dk1"/>
+                </a:solidFill>
+              </a:defRPr>
+            </a:lvl5pPr>
+            <a:lvl6pPr lvl="5">
+              <a:spcBef>
+                <a:spcPts val="0"/>
+              </a:spcBef>
+              <a:buClr>
+                <a:schemeClr val="dk1"/>
+              </a:buClr>
+              <a:buSzPct val="100000"/>
+              <a:buNone/>
+              <a:defRPr sz="2800">
+                <a:solidFill>
+                  <a:schemeClr val="dk1"/>
+                </a:solidFill>
+              </a:defRPr>
+            </a:lvl6pPr>
+            <a:lvl7pPr lvl="6">
+              <a:spcBef>
+                <a:spcPts val="0"/>
+              </a:spcBef>
+              <a:buClr>
+                <a:schemeClr val="dk1"/>
+              </a:buClr>
+              <a:buSzPct val="100000"/>
+              <a:buNone/>
+              <a:defRPr sz="2800">
+                <a:solidFill>
+                  <a:schemeClr val="dk1"/>
+                </a:solidFill>
+              </a:defRPr>
+            </a:lvl7pPr>
+            <a:lvl8pPr lvl="7">
+              <a:spcBef>
+                <a:spcPts val="0"/>
+              </a:spcBef>
+              <a:buClr>
+                <a:schemeClr val="dk1"/>
+              </a:buClr>
+              <a:buSzPct val="100000"/>
+              <a:buNone/>
+              <a:defRPr sz="2800">
+                <a:solidFill>
+                  <a:schemeClr val="dk1"/>
+                </a:solidFill>
+              </a:defRPr>
+            </a:lvl8pPr>
+            <a:lvl9pPr lvl="8">
+              <a:spcBef>
+                <a:spcPts val="0"/>
+              </a:spcBef>
+              <a:buClr>
+                <a:schemeClr val="dk1"/>
+              </a:buClr>
+              <a:buSzPct val="100000"/>
+              <a:buNone/>
+              <a:defRPr sz="2800">
+                <a:solidFill>
+                  <a:schemeClr val="dk1"/>
+                </a:solidFill>
+              </a:defRPr>
+            </a:lvl9pPr>
+          </a:lstStyle>
+          <a:p>
+            <a:pPr algn="ctr"/>
+            <a:r>
+              <a:rPr lang="zh-TW" altLang="en-US" sz="3200" b="1" dirty="0">
+                <a:latin typeface="微軟正黑體" panose="020B0604030504040204" pitchFamily="34" charset="-120"/>
+                <a:ea typeface="微軟正黑體" panose="020B0604030504040204" pitchFamily="34" charset="-120"/>
+              </a:rPr>
+              <a:t>如果你不夠</a:t>
+            </a:r>
+            <a:r>
+              <a:rPr lang="zh-TW" altLang="en-US" sz="3200" b="1" dirty="0" smtClean="0">
+                <a:latin typeface="微軟正黑體" panose="020B0604030504040204" pitchFamily="34" charset="-120"/>
+                <a:ea typeface="微軟正黑體" panose="020B0604030504040204" pitchFamily="34" charset="-120"/>
+              </a:rPr>
+              <a:t>頑固，會</a:t>
+            </a:r>
+            <a:r>
+              <a:rPr lang="zh-TW" altLang="en-US" sz="3200" b="1" dirty="0">
+                <a:latin typeface="微軟正黑體" panose="020B0604030504040204" pitchFamily="34" charset="-120"/>
+                <a:ea typeface="微軟正黑體" panose="020B0604030504040204" pitchFamily="34" charset="-120"/>
+              </a:rPr>
+              <a:t>太早放棄</a:t>
+            </a:r>
+            <a:r>
+              <a:rPr lang="zh-TW" altLang="en-US" sz="3200" b="1" dirty="0" smtClean="0">
+                <a:latin typeface="微軟正黑體" panose="020B0604030504040204" pitchFamily="34" charset="-120"/>
+                <a:ea typeface="微軟正黑體" panose="020B0604030504040204" pitchFamily="34" charset="-120"/>
+              </a:rPr>
+              <a:t>嘗試</a:t>
+            </a:r>
+            <a:endParaRPr lang="en-US" altLang="zh-TW" sz="3200" b="1" dirty="0" smtClean="0">
+              <a:latin typeface="微軟正黑體" panose="020B0604030504040204" pitchFamily="34" charset="-120"/>
+              <a:ea typeface="微軟正黑體" panose="020B0604030504040204" pitchFamily="34" charset="-120"/>
+            </a:endParaRPr>
+          </a:p>
+          <a:p>
+            <a:pPr algn="ctr"/>
+            <a:r>
+              <a:rPr lang="zh-TW" altLang="en-US" sz="3200" b="1" dirty="0" smtClean="0">
+                <a:latin typeface="微軟正黑體" panose="020B0604030504040204" pitchFamily="34" charset="-120"/>
+                <a:ea typeface="微軟正黑體" panose="020B0604030504040204" pitchFamily="34" charset="-120"/>
+              </a:rPr>
+              <a:t>如果</a:t>
+            </a:r>
+            <a:r>
+              <a:rPr lang="zh-TW" altLang="en-US" sz="3200" b="1" dirty="0">
+                <a:latin typeface="微軟正黑體" panose="020B0604030504040204" pitchFamily="34" charset="-120"/>
+                <a:ea typeface="微軟正黑體" panose="020B0604030504040204" pitchFamily="34" charset="-120"/>
+              </a:rPr>
+              <a:t>你不夠</a:t>
+            </a:r>
+            <a:r>
+              <a:rPr lang="zh-TW" altLang="en-US" sz="3200" b="1" dirty="0" smtClean="0">
+                <a:latin typeface="微軟正黑體" panose="020B0604030504040204" pitchFamily="34" charset="-120"/>
+                <a:ea typeface="微軟正黑體" panose="020B0604030504040204" pitchFamily="34" charset="-120"/>
+              </a:rPr>
+              <a:t>靈活</a:t>
+            </a:r>
+            <a:r>
+              <a:rPr lang="zh-TW" altLang="en-US" sz="3200" b="1" dirty="0">
+                <a:latin typeface="微軟正黑體" panose="020B0604030504040204" pitchFamily="34" charset="-120"/>
+                <a:ea typeface="微軟正黑體" panose="020B0604030504040204" pitchFamily="34" charset="-120"/>
+              </a:rPr>
+              <a:t>，</a:t>
+            </a:r>
+            <a:r>
+              <a:rPr lang="zh-TW" altLang="en-US" sz="3200" b="1" dirty="0" smtClean="0">
+                <a:latin typeface="微軟正黑體" panose="020B0604030504040204" pitchFamily="34" charset="-120"/>
+                <a:ea typeface="微軟正黑體" panose="020B0604030504040204" pitchFamily="34" charset="-120"/>
+              </a:rPr>
+              <a:t>只</a:t>
+            </a:r>
+            <a:r>
+              <a:rPr lang="zh-TW" altLang="en-US" sz="3200" b="1" dirty="0">
+                <a:latin typeface="微軟正黑體" panose="020B0604030504040204" pitchFamily="34" charset="-120"/>
+                <a:ea typeface="微軟正黑體" panose="020B0604030504040204" pitchFamily="34" charset="-120"/>
+              </a:rPr>
+              <a:t>會</a:t>
+            </a:r>
+            <a:r>
+              <a:rPr lang="zh-TW" altLang="en-US" sz="3200" b="1" dirty="0" smtClean="0">
+                <a:latin typeface="微軟正黑體" panose="020B0604030504040204" pitchFamily="34" charset="-120"/>
+                <a:ea typeface="微軟正黑體" panose="020B0604030504040204" pitchFamily="34" charset="-120"/>
+              </a:rPr>
+              <a:t>以卵擊石</a:t>
+            </a:r>
+            <a:endParaRPr lang="en-US" altLang="zh-TW" sz="3200" b="1" dirty="0" smtClean="0">
+              <a:latin typeface="微軟正黑體" panose="020B0604030504040204" pitchFamily="34" charset="-120"/>
+              <a:ea typeface="微軟正黑體" panose="020B0604030504040204" pitchFamily="34" charset="-120"/>
+            </a:endParaRPr>
+          </a:p>
+        </p:txBody>
+      </p:sp>
+    </p:spTree>
+    <p:extLst>
+      <p:ext uri="{BB962C8B-B14F-4D97-AF65-F5344CB8AC3E}">
+        <p14:creationId xmlns:p14="http://schemas.microsoft.com/office/powerpoint/2010/main" val="2350268137"/>
+      </p:ext>
+    </p:extLst>
+  </p:cSld>
+  <p:clrMapOvr>
+    <a:masterClrMapping/>
+  </p:clrMapOvr>
+  <p:timing>
+    <p:tnLst>
+      <p:par>
+        <p:cTn id="1" dur="indefinite" restart="never" nodeType="tmRoot"/>
+      </p:par>
+    </p:tnLst>
+  </p:timing>
+</p:sld>
+</file>
+
+<file path=ppt/slides/slide23.xml><?xml version="1.0" encoding="utf-8"?>
+<p:sld xmlns:a="http://schemas.openxmlformats.org/drawingml/2006/main" xmlns:r="http://schemas.openxmlformats.org/officeDocument/2006/relationships" xmlns:p="http://schemas.openxmlformats.org/presentationml/2006/main">
+  <p:cSld>
+    <p:spTree>
+      <p:nvGrpSpPr>
+        <p:cNvPr id="1" name="Shape 66"/>
+        <p:cNvGrpSpPr/>
+        <p:nvPr/>
+      </p:nvGrpSpPr>
+      <p:grpSpPr>
+        <a:xfrm>
+          <a:off x="0" y="0"/>
+          <a:ext cx="0" cy="0"/>
+          <a:chOff x="0" y="0"/>
+          <a:chExt cx="0" cy="0"/>
+        </a:xfrm>
+      </p:grpSpPr>
+      <p:sp>
+        <p:nvSpPr>
+          <p:cNvPr id="67" name="Shape 67"/>
+          <p:cNvSpPr txBox="1">
+            <a:spLocks noGrp="1"/>
+          </p:cNvSpPr>
+          <p:nvPr>
+            <p:ph type="title"/>
+          </p:nvPr>
+        </p:nvSpPr>
+        <p:spPr>
+          <a:xfrm>
+            <a:off x="233775" y="91567"/>
+            <a:ext cx="6390450" cy="683844"/>
+          </a:xfrm>
+          <a:prstGeom prst="rect">
+            <a:avLst/>
+          </a:prstGeom>
+        </p:spPr>
+        <p:txBody>
+          <a:bodyPr lIns="68569" tIns="68569" rIns="68569" bIns="68569" anchor="t" anchorCtr="0">
+            <a:noAutofit/>
+          </a:bodyPr>
+          <a:lstStyle/>
+          <a:p>
+            <a:r>
+              <a:rPr lang="zh-TW" altLang="en-US" sz="3600" b="1" dirty="0" smtClean="0"/>
+              <a:t>名言</a:t>
+            </a:r>
+            <a:r>
+              <a:rPr lang="en-US" altLang="zh-TW" sz="3600" b="1" dirty="0" smtClean="0"/>
+              <a:t>-</a:t>
+            </a:r>
+            <a:r>
+              <a:rPr lang="zh-TW" altLang="en-US" sz="3600" b="1" dirty="0"/>
+              <a:t>關於營銷</a:t>
+            </a:r>
+            <a:endParaRPr sz="3600" b="1" dirty="0"/>
+          </a:p>
+        </p:txBody>
+      </p:sp>
+      <p:pic>
+        <p:nvPicPr>
+          <p:cNvPr id="4" name="Shape 60" descr="Amazon-logo.png"/>
+          <p:cNvPicPr preferRelativeResize="0"/>
+          <p:nvPr/>
+        </p:nvPicPr>
+        <p:blipFill rotWithShape="1">
+          <a:blip r:embed="rId3">
+            <a:alphaModFix/>
+          </a:blip>
+          <a:srcRect l="20362" t="37377" r="21470" b="37023"/>
+          <a:stretch/>
+        </p:blipFill>
+        <p:spPr>
+          <a:xfrm>
+            <a:off x="4849977" y="4463186"/>
+            <a:ext cx="1931213" cy="680314"/>
+          </a:xfrm>
+          <a:prstGeom prst="rect">
+            <a:avLst/>
+          </a:prstGeom>
+          <a:noFill/>
+          <a:ln>
+            <a:noFill/>
+          </a:ln>
+        </p:spPr>
+      </p:pic>
+      <p:sp>
+        <p:nvSpPr>
+          <p:cNvPr id="5" name="Shape 67"/>
+          <p:cNvSpPr txBox="1">
+            <a:spLocks/>
+          </p:cNvSpPr>
+          <p:nvPr/>
+        </p:nvSpPr>
+        <p:spPr>
+          <a:xfrm>
+            <a:off x="0" y="2020626"/>
+            <a:ext cx="6858000" cy="1197344"/>
+          </a:xfrm>
+          <a:prstGeom prst="rect">
+            <a:avLst/>
+          </a:prstGeom>
+          <a:noFill/>
+          <a:ln>
+            <a:noFill/>
+          </a:ln>
+        </p:spPr>
+        <p:txBody>
+          <a:bodyPr lIns="68569" tIns="68569" rIns="68569" bIns="68569" anchor="t" anchorCtr="0">
+            <a:noAutofit/>
+          </a:bodyPr>
+          <a:lstStyle>
+            <a:defPPr marR="0" lvl="0" algn="l" rtl="0">
+              <a:lnSpc>
+                <a:spcPct val="100000"/>
+              </a:lnSpc>
+              <a:spcBef>
+                <a:spcPts val="0"/>
+              </a:spcBef>
+              <a:spcAft>
+                <a:spcPts val="0"/>
+              </a:spcAft>
+            </a:defPPr>
+            <a:lvl1pPr marR="0" lvl="0" algn="l" rtl="0">
+              <a:lnSpc>
+                <a:spcPct val="100000"/>
+              </a:lnSpc>
+              <a:spcBef>
+                <a:spcPts val="0"/>
+              </a:spcBef>
+              <a:spcAft>
+                <a:spcPts val="0"/>
+              </a:spcAft>
+              <a:buClr>
+                <a:schemeClr val="dk1"/>
+              </a:buClr>
+              <a:buSzPct val="100000"/>
+              <a:buNone/>
+              <a:defRPr sz="2800" b="0" i="0" u="none" strike="noStrike" cap="none">
+                <a:solidFill>
+                  <a:schemeClr val="dk1"/>
+                </a:solidFill>
+                <a:latin typeface="Arial"/>
+                <a:ea typeface="Arial"/>
+                <a:cs typeface="Arial"/>
+                <a:sym typeface="Arial"/>
+              </a:defRPr>
+            </a:lvl1pPr>
+            <a:lvl2pPr lvl="1">
+              <a:spcBef>
+                <a:spcPts val="0"/>
+              </a:spcBef>
+              <a:buClr>
+                <a:schemeClr val="dk1"/>
+              </a:buClr>
+              <a:buSzPct val="100000"/>
+              <a:buNone/>
+              <a:defRPr sz="2800">
+                <a:solidFill>
+                  <a:schemeClr val="dk1"/>
+                </a:solidFill>
+              </a:defRPr>
+            </a:lvl2pPr>
+            <a:lvl3pPr lvl="2">
+              <a:spcBef>
+                <a:spcPts val="0"/>
+              </a:spcBef>
+              <a:buClr>
+                <a:schemeClr val="dk1"/>
+              </a:buClr>
+              <a:buSzPct val="100000"/>
+              <a:buNone/>
+              <a:defRPr sz="2800">
+                <a:solidFill>
+                  <a:schemeClr val="dk1"/>
+                </a:solidFill>
+              </a:defRPr>
+            </a:lvl3pPr>
+            <a:lvl4pPr lvl="3">
+              <a:spcBef>
+                <a:spcPts val="0"/>
+              </a:spcBef>
+              <a:buClr>
+                <a:schemeClr val="dk1"/>
+              </a:buClr>
+              <a:buSzPct val="100000"/>
+              <a:buNone/>
+              <a:defRPr sz="2800">
+                <a:solidFill>
+                  <a:schemeClr val="dk1"/>
+                </a:solidFill>
+              </a:defRPr>
+            </a:lvl4pPr>
+            <a:lvl5pPr lvl="4">
+              <a:spcBef>
+                <a:spcPts val="0"/>
+              </a:spcBef>
+              <a:buClr>
+                <a:schemeClr val="dk1"/>
+              </a:buClr>
+              <a:buSzPct val="100000"/>
+              <a:buNone/>
+              <a:defRPr sz="2800">
+                <a:solidFill>
+                  <a:schemeClr val="dk1"/>
+                </a:solidFill>
+              </a:defRPr>
+            </a:lvl5pPr>
+            <a:lvl6pPr lvl="5">
+              <a:spcBef>
+                <a:spcPts val="0"/>
+              </a:spcBef>
+              <a:buClr>
+                <a:schemeClr val="dk1"/>
+              </a:buClr>
+              <a:buSzPct val="100000"/>
+              <a:buNone/>
+              <a:defRPr sz="2800">
+                <a:solidFill>
+                  <a:schemeClr val="dk1"/>
+                </a:solidFill>
+              </a:defRPr>
+            </a:lvl6pPr>
+            <a:lvl7pPr lvl="6">
+              <a:spcBef>
+                <a:spcPts val="0"/>
+              </a:spcBef>
+              <a:buClr>
+                <a:schemeClr val="dk1"/>
+              </a:buClr>
+              <a:buSzPct val="100000"/>
+              <a:buNone/>
+              <a:defRPr sz="2800">
+                <a:solidFill>
+                  <a:schemeClr val="dk1"/>
+                </a:solidFill>
+              </a:defRPr>
+            </a:lvl7pPr>
+            <a:lvl8pPr lvl="7">
+              <a:spcBef>
+                <a:spcPts val="0"/>
+              </a:spcBef>
+              <a:buClr>
+                <a:schemeClr val="dk1"/>
+              </a:buClr>
+              <a:buSzPct val="100000"/>
+              <a:buNone/>
+              <a:defRPr sz="2800">
+                <a:solidFill>
+                  <a:schemeClr val="dk1"/>
+                </a:solidFill>
+              </a:defRPr>
+            </a:lvl8pPr>
+            <a:lvl9pPr lvl="8">
+              <a:spcBef>
+                <a:spcPts val="0"/>
+              </a:spcBef>
+              <a:buClr>
+                <a:schemeClr val="dk1"/>
+              </a:buClr>
+              <a:buSzPct val="100000"/>
+              <a:buNone/>
+              <a:defRPr sz="2800">
+                <a:solidFill>
+                  <a:schemeClr val="dk1"/>
+                </a:solidFill>
+              </a:defRPr>
+            </a:lvl9pPr>
+          </a:lstStyle>
+          <a:p>
+            <a:pPr algn="ctr"/>
+            <a:r>
+              <a:rPr lang="zh-TW" altLang="en-US" sz="3200" b="1" dirty="0">
+                <a:latin typeface="微軟正黑體" panose="020B0604030504040204" pitchFamily="34" charset="-120"/>
+                <a:ea typeface="微軟正黑體" panose="020B0604030504040204" pitchFamily="34" charset="-120"/>
+              </a:rPr>
+              <a:t>舊世界</a:t>
+            </a:r>
+            <a:r>
+              <a:rPr lang="zh-TW" altLang="en-US" sz="3200" b="1" dirty="0" smtClean="0">
+                <a:latin typeface="微軟正黑體" panose="020B0604030504040204" pitchFamily="34" charset="-120"/>
+                <a:ea typeface="微軟正黑體" panose="020B0604030504040204" pitchFamily="34" charset="-120"/>
+              </a:rPr>
+              <a:t>裡</a:t>
+            </a:r>
+            <a:endParaRPr lang="en-US" altLang="zh-TW" sz="3200" b="1" dirty="0" smtClean="0">
+              <a:latin typeface="微軟正黑體" panose="020B0604030504040204" pitchFamily="34" charset="-120"/>
+              <a:ea typeface="微軟正黑體" panose="020B0604030504040204" pitchFamily="34" charset="-120"/>
+            </a:endParaRPr>
+          </a:p>
+          <a:p>
+            <a:pPr algn="ctr"/>
+            <a:r>
+              <a:rPr lang="en-US" altLang="zh-TW" sz="3200" b="1" dirty="0" smtClean="0">
+                <a:latin typeface="微軟正黑體" panose="020B0604030504040204" pitchFamily="34" charset="-120"/>
+                <a:ea typeface="微軟正黑體" panose="020B0604030504040204" pitchFamily="34" charset="-120"/>
+              </a:rPr>
+              <a:t>30%</a:t>
+            </a:r>
+            <a:r>
+              <a:rPr lang="zh-TW" altLang="en-US" sz="3200" b="1" dirty="0" smtClean="0">
+                <a:latin typeface="微軟正黑體" panose="020B0604030504040204" pitchFamily="34" charset="-120"/>
+                <a:ea typeface="微軟正黑體" panose="020B0604030504040204" pitchFamily="34" charset="-120"/>
+              </a:rPr>
+              <a:t>時間</a:t>
+            </a:r>
+            <a:r>
+              <a:rPr lang="zh-TW" altLang="en-US" sz="3200" b="1" dirty="0">
+                <a:latin typeface="微軟正黑體" panose="020B0604030504040204" pitchFamily="34" charset="-120"/>
+                <a:ea typeface="微軟正黑體" panose="020B0604030504040204" pitchFamily="34" charset="-120"/>
+              </a:rPr>
+              <a:t>用於打造完美</a:t>
+            </a:r>
+            <a:r>
+              <a:rPr lang="zh-TW" altLang="en-US" sz="3200" b="1" dirty="0" smtClean="0">
+                <a:latin typeface="微軟正黑體" panose="020B0604030504040204" pitchFamily="34" charset="-120"/>
+                <a:ea typeface="微軟正黑體" panose="020B0604030504040204" pitchFamily="34" charset="-120"/>
+              </a:rPr>
+              <a:t>服務</a:t>
+            </a:r>
+            <a:endParaRPr lang="en-US" altLang="zh-TW" sz="3200" b="1" dirty="0" smtClean="0">
+              <a:latin typeface="微軟正黑體" panose="020B0604030504040204" pitchFamily="34" charset="-120"/>
+              <a:ea typeface="微軟正黑體" panose="020B0604030504040204" pitchFamily="34" charset="-120"/>
+            </a:endParaRPr>
+          </a:p>
+          <a:p>
+            <a:pPr algn="ctr"/>
+            <a:r>
+              <a:rPr lang="en-US" altLang="zh-TW" sz="3200" b="1" dirty="0" smtClean="0">
+                <a:latin typeface="微軟正黑體" panose="020B0604030504040204" pitchFamily="34" charset="-120"/>
+                <a:ea typeface="微軟正黑體" panose="020B0604030504040204" pitchFamily="34" charset="-120"/>
+              </a:rPr>
+              <a:t>70</a:t>
+            </a:r>
+            <a:r>
+              <a:rPr lang="en-US" altLang="zh-TW" sz="3200" b="1" dirty="0">
+                <a:latin typeface="微軟正黑體" panose="020B0604030504040204" pitchFamily="34" charset="-120"/>
+                <a:ea typeface="微軟正黑體" panose="020B0604030504040204" pitchFamily="34" charset="-120"/>
+              </a:rPr>
+              <a:t>%</a:t>
+            </a:r>
+            <a:r>
+              <a:rPr lang="zh-TW" altLang="en-US" sz="3200" b="1" dirty="0">
+                <a:latin typeface="微軟正黑體" panose="020B0604030504040204" pitchFamily="34" charset="-120"/>
+                <a:ea typeface="微軟正黑體" panose="020B0604030504040204" pitchFamily="34" charset="-120"/>
+              </a:rPr>
+              <a:t>的時間用來</a:t>
+            </a:r>
+            <a:r>
+              <a:rPr lang="zh-TW" altLang="en-US" sz="3200" b="1" dirty="0" smtClean="0">
+                <a:latin typeface="微軟正黑體" panose="020B0604030504040204" pitchFamily="34" charset="-120"/>
+                <a:ea typeface="微軟正黑體" panose="020B0604030504040204" pitchFamily="34" charset="-120"/>
+              </a:rPr>
+              <a:t>宣傳</a:t>
+            </a:r>
+            <a:endParaRPr lang="en-US" altLang="zh-TW" sz="3200" b="1" dirty="0" smtClean="0">
+              <a:latin typeface="微軟正黑體" panose="020B0604030504040204" pitchFamily="34" charset="-120"/>
+              <a:ea typeface="微軟正黑體" panose="020B0604030504040204" pitchFamily="34" charset="-120"/>
+            </a:endParaRPr>
+          </a:p>
+          <a:p>
+            <a:pPr algn="ctr"/>
+            <a:r>
+              <a:rPr lang="zh-TW" altLang="en-US" sz="3200" b="1" dirty="0" smtClean="0">
+                <a:latin typeface="微軟正黑體" panose="020B0604030504040204" pitchFamily="34" charset="-120"/>
+                <a:ea typeface="微軟正黑體" panose="020B0604030504040204" pitchFamily="34" charset="-120"/>
+              </a:rPr>
+              <a:t>新世界</a:t>
+            </a:r>
+            <a:r>
+              <a:rPr lang="zh-TW" altLang="en-US" sz="3200" b="1" dirty="0">
+                <a:latin typeface="微軟正黑體" panose="020B0604030504040204" pitchFamily="34" charset="-120"/>
+                <a:ea typeface="微軟正黑體" panose="020B0604030504040204" pitchFamily="34" charset="-120"/>
+              </a:rPr>
+              <a:t>正相反</a:t>
+            </a:r>
+          </a:p>
+        </p:txBody>
+      </p:sp>
+    </p:spTree>
+    <p:extLst>
+      <p:ext uri="{BB962C8B-B14F-4D97-AF65-F5344CB8AC3E}">
+        <p14:creationId xmlns:p14="http://schemas.microsoft.com/office/powerpoint/2010/main" val="212158569"/>
+      </p:ext>
+    </p:extLst>
+  </p:cSld>
+  <p:clrMapOvr>
+    <a:masterClrMapping/>
+  </p:clrMapOvr>
+  <p:timing>
+    <p:tnLst>
+      <p:par>
+        <p:cTn id="1" dur="indefinite" restart="never" nodeType="tmRoot"/>
+      </p:par>
+    </p:tnLst>
+  </p:timing>
+</p:sld>
+</file>
+
+<file path=ppt/slides/slide24.xml><?xml version="1.0" encoding="utf-8"?>
+<p:sld xmlns:a="http://schemas.openxmlformats.org/drawingml/2006/main" xmlns:r="http://schemas.openxmlformats.org/officeDocument/2006/relationships" xmlns:p="http://schemas.openxmlformats.org/presentationml/2006/main">
+  <p:cSld>
+    <p:spTree>
+      <p:nvGrpSpPr>
+        <p:cNvPr id="1" name="Shape 66"/>
+        <p:cNvGrpSpPr/>
+        <p:nvPr/>
+      </p:nvGrpSpPr>
+      <p:grpSpPr>
+        <a:xfrm>
+          <a:off x="0" y="0"/>
+          <a:ext cx="0" cy="0"/>
+          <a:chOff x="0" y="0"/>
+          <a:chExt cx="0" cy="0"/>
+        </a:xfrm>
+      </p:grpSpPr>
+      <p:sp>
+        <p:nvSpPr>
+          <p:cNvPr id="67" name="Shape 67"/>
+          <p:cNvSpPr txBox="1">
+            <a:spLocks noGrp="1"/>
+          </p:cNvSpPr>
+          <p:nvPr>
+            <p:ph type="title"/>
+          </p:nvPr>
+        </p:nvSpPr>
+        <p:spPr>
+          <a:xfrm>
+            <a:off x="233775" y="91567"/>
+            <a:ext cx="6390450" cy="683844"/>
+          </a:xfrm>
+          <a:prstGeom prst="rect">
+            <a:avLst/>
+          </a:prstGeom>
+        </p:spPr>
+        <p:txBody>
+          <a:bodyPr lIns="68569" tIns="68569" rIns="68569" bIns="68569" anchor="t" anchorCtr="0">
+            <a:noAutofit/>
+          </a:bodyPr>
+          <a:lstStyle/>
+          <a:p>
+            <a:r>
+              <a:rPr lang="zh-TW" altLang="en-US" sz="3600" b="1" dirty="0" smtClean="0"/>
+              <a:t>名言</a:t>
+            </a:r>
+            <a:r>
+              <a:rPr lang="en-US" altLang="zh-TW" sz="3600" b="1" dirty="0" smtClean="0"/>
+              <a:t>-</a:t>
+            </a:r>
+            <a:r>
+              <a:rPr lang="zh-TW" altLang="en-US" sz="3600" b="1" dirty="0"/>
+              <a:t>關於定價</a:t>
+            </a:r>
+            <a:endParaRPr sz="3600" b="1" dirty="0"/>
+          </a:p>
+        </p:txBody>
+      </p:sp>
+      <p:pic>
+        <p:nvPicPr>
+          <p:cNvPr id="4" name="Shape 60" descr="Amazon-logo.png"/>
+          <p:cNvPicPr preferRelativeResize="0"/>
+          <p:nvPr/>
+        </p:nvPicPr>
+        <p:blipFill rotWithShape="1">
+          <a:blip r:embed="rId3">
+            <a:alphaModFix/>
+          </a:blip>
+          <a:srcRect l="20362" t="37377" r="21470" b="37023"/>
+          <a:stretch/>
+        </p:blipFill>
+        <p:spPr>
+          <a:xfrm>
+            <a:off x="4849977" y="4463186"/>
+            <a:ext cx="1931213" cy="680314"/>
+          </a:xfrm>
+          <a:prstGeom prst="rect">
+            <a:avLst/>
+          </a:prstGeom>
+          <a:noFill/>
+          <a:ln>
+            <a:noFill/>
+          </a:ln>
+        </p:spPr>
+      </p:pic>
+      <p:sp>
+        <p:nvSpPr>
+          <p:cNvPr id="5" name="Shape 67"/>
+          <p:cNvSpPr txBox="1">
+            <a:spLocks/>
+          </p:cNvSpPr>
+          <p:nvPr/>
+        </p:nvSpPr>
+        <p:spPr>
+          <a:xfrm>
+            <a:off x="0" y="2020626"/>
+            <a:ext cx="6858000" cy="1197344"/>
+          </a:xfrm>
+          <a:prstGeom prst="rect">
+            <a:avLst/>
+          </a:prstGeom>
+          <a:noFill/>
+          <a:ln>
+            <a:noFill/>
+          </a:ln>
+        </p:spPr>
+        <p:txBody>
+          <a:bodyPr lIns="68569" tIns="68569" rIns="68569" bIns="68569" anchor="t" anchorCtr="0">
+            <a:noAutofit/>
+          </a:bodyPr>
+          <a:lstStyle>
+            <a:defPPr marR="0" lvl="0" algn="l" rtl="0">
+              <a:lnSpc>
+                <a:spcPct val="100000"/>
+              </a:lnSpc>
+              <a:spcBef>
+                <a:spcPts val="0"/>
+              </a:spcBef>
+              <a:spcAft>
+                <a:spcPts val="0"/>
+              </a:spcAft>
+            </a:defPPr>
+            <a:lvl1pPr marR="0" lvl="0" algn="l" rtl="0">
+              <a:lnSpc>
+                <a:spcPct val="100000"/>
+              </a:lnSpc>
+              <a:spcBef>
+                <a:spcPts val="0"/>
+              </a:spcBef>
+              <a:spcAft>
+                <a:spcPts val="0"/>
+              </a:spcAft>
+              <a:buClr>
+                <a:schemeClr val="dk1"/>
+              </a:buClr>
+              <a:buSzPct val="100000"/>
+              <a:buNone/>
+              <a:defRPr sz="2800" b="0" i="0" u="none" strike="noStrike" cap="none">
+                <a:solidFill>
+                  <a:schemeClr val="dk1"/>
+                </a:solidFill>
+                <a:latin typeface="Arial"/>
+                <a:ea typeface="Arial"/>
+                <a:cs typeface="Arial"/>
+                <a:sym typeface="Arial"/>
+              </a:defRPr>
+            </a:lvl1pPr>
+            <a:lvl2pPr lvl="1">
+              <a:spcBef>
+                <a:spcPts val="0"/>
+              </a:spcBef>
+              <a:buClr>
+                <a:schemeClr val="dk1"/>
+              </a:buClr>
+              <a:buSzPct val="100000"/>
+              <a:buNone/>
+              <a:defRPr sz="2800">
+                <a:solidFill>
+                  <a:schemeClr val="dk1"/>
+                </a:solidFill>
+              </a:defRPr>
+            </a:lvl2pPr>
+            <a:lvl3pPr lvl="2">
+              <a:spcBef>
+                <a:spcPts val="0"/>
+              </a:spcBef>
+              <a:buClr>
+                <a:schemeClr val="dk1"/>
+              </a:buClr>
+              <a:buSzPct val="100000"/>
+              <a:buNone/>
+              <a:defRPr sz="2800">
+                <a:solidFill>
+                  <a:schemeClr val="dk1"/>
+                </a:solidFill>
+              </a:defRPr>
+            </a:lvl3pPr>
+            <a:lvl4pPr lvl="3">
+              <a:spcBef>
+                <a:spcPts val="0"/>
+              </a:spcBef>
+              <a:buClr>
+                <a:schemeClr val="dk1"/>
+              </a:buClr>
+              <a:buSzPct val="100000"/>
+              <a:buNone/>
+              <a:defRPr sz="2800">
+                <a:solidFill>
+                  <a:schemeClr val="dk1"/>
+                </a:solidFill>
+              </a:defRPr>
+            </a:lvl4pPr>
+            <a:lvl5pPr lvl="4">
+              <a:spcBef>
+                <a:spcPts val="0"/>
+              </a:spcBef>
+              <a:buClr>
+                <a:schemeClr val="dk1"/>
+              </a:buClr>
+              <a:buSzPct val="100000"/>
+              <a:buNone/>
+              <a:defRPr sz="2800">
+                <a:solidFill>
+                  <a:schemeClr val="dk1"/>
+                </a:solidFill>
+              </a:defRPr>
+            </a:lvl5pPr>
+            <a:lvl6pPr lvl="5">
+              <a:spcBef>
+                <a:spcPts val="0"/>
+              </a:spcBef>
+              <a:buClr>
+                <a:schemeClr val="dk1"/>
+              </a:buClr>
+              <a:buSzPct val="100000"/>
+              <a:buNone/>
+              <a:defRPr sz="2800">
+                <a:solidFill>
+                  <a:schemeClr val="dk1"/>
+                </a:solidFill>
+              </a:defRPr>
+            </a:lvl6pPr>
+            <a:lvl7pPr lvl="6">
+              <a:spcBef>
+                <a:spcPts val="0"/>
+              </a:spcBef>
+              <a:buClr>
+                <a:schemeClr val="dk1"/>
+              </a:buClr>
+              <a:buSzPct val="100000"/>
+              <a:buNone/>
+              <a:defRPr sz="2800">
+                <a:solidFill>
+                  <a:schemeClr val="dk1"/>
+                </a:solidFill>
+              </a:defRPr>
+            </a:lvl7pPr>
+            <a:lvl8pPr lvl="7">
+              <a:spcBef>
+                <a:spcPts val="0"/>
+              </a:spcBef>
+              <a:buClr>
+                <a:schemeClr val="dk1"/>
+              </a:buClr>
+              <a:buSzPct val="100000"/>
+              <a:buNone/>
+              <a:defRPr sz="2800">
+                <a:solidFill>
+                  <a:schemeClr val="dk1"/>
+                </a:solidFill>
+              </a:defRPr>
+            </a:lvl8pPr>
+            <a:lvl9pPr lvl="8">
+              <a:spcBef>
+                <a:spcPts val="0"/>
+              </a:spcBef>
+              <a:buClr>
+                <a:schemeClr val="dk1"/>
+              </a:buClr>
+              <a:buSzPct val="100000"/>
+              <a:buNone/>
+              <a:defRPr sz="2800">
+                <a:solidFill>
+                  <a:schemeClr val="dk1"/>
+                </a:solidFill>
+              </a:defRPr>
+            </a:lvl9pPr>
+          </a:lstStyle>
+          <a:p>
+            <a:pPr algn="ctr"/>
+            <a:r>
+              <a:rPr lang="zh-TW" altLang="en-US" sz="3200" b="1" dirty="0">
+                <a:latin typeface="微軟正黑體" panose="020B0604030504040204" pitchFamily="34" charset="-120"/>
+                <a:ea typeface="微軟正黑體" panose="020B0604030504040204" pitchFamily="34" charset="-120"/>
+              </a:rPr>
+              <a:t>有兩種</a:t>
+            </a:r>
+            <a:r>
+              <a:rPr lang="zh-TW" altLang="en-US" sz="3200" b="1" dirty="0" smtClean="0">
+                <a:latin typeface="微軟正黑體" panose="020B0604030504040204" pitchFamily="34" charset="-120"/>
+                <a:ea typeface="微軟正黑體" panose="020B0604030504040204" pitchFamily="34" charset="-120"/>
+              </a:rPr>
+              <a:t>公司</a:t>
+            </a:r>
+            <a:endParaRPr lang="en-US" altLang="zh-TW" sz="3200" b="1" dirty="0" smtClean="0">
+              <a:latin typeface="微軟正黑體" panose="020B0604030504040204" pitchFamily="34" charset="-120"/>
+              <a:ea typeface="微軟正黑體" panose="020B0604030504040204" pitchFamily="34" charset="-120"/>
+            </a:endParaRPr>
+          </a:p>
+          <a:p>
+            <a:pPr algn="ctr"/>
+            <a:r>
+              <a:rPr lang="zh-TW" altLang="en-US" sz="3200" b="1" dirty="0" smtClean="0">
+                <a:latin typeface="微軟正黑體" panose="020B0604030504040204" pitchFamily="34" charset="-120"/>
+                <a:ea typeface="微軟正黑體" panose="020B0604030504040204" pitchFamily="34" charset="-120"/>
+              </a:rPr>
+              <a:t>一種</a:t>
+            </a:r>
+            <a:r>
+              <a:rPr lang="zh-TW" altLang="en-US" sz="3200" b="1" dirty="0">
+                <a:latin typeface="微軟正黑體" panose="020B0604030504040204" pitchFamily="34" charset="-120"/>
+                <a:ea typeface="微軟正黑體" panose="020B0604030504040204" pitchFamily="34" charset="-120"/>
+              </a:rPr>
+              <a:t>是試圖要價更</a:t>
+            </a:r>
+            <a:r>
+              <a:rPr lang="zh-TW" altLang="en-US" sz="3200" b="1" dirty="0" smtClean="0">
+                <a:latin typeface="微軟正黑體" panose="020B0604030504040204" pitchFamily="34" charset="-120"/>
+                <a:ea typeface="微軟正黑體" panose="020B0604030504040204" pitchFamily="34" charset="-120"/>
+              </a:rPr>
+              <a:t>高</a:t>
+            </a:r>
+            <a:endParaRPr lang="en-US" altLang="zh-TW" sz="3200" b="1" dirty="0" smtClean="0">
+              <a:latin typeface="微軟正黑體" panose="020B0604030504040204" pitchFamily="34" charset="-120"/>
+              <a:ea typeface="微軟正黑體" panose="020B0604030504040204" pitchFamily="34" charset="-120"/>
+            </a:endParaRPr>
+          </a:p>
+          <a:p>
+            <a:pPr algn="ctr"/>
+            <a:r>
+              <a:rPr lang="zh-TW" altLang="en-US" sz="3200" b="1" dirty="0" smtClean="0">
+                <a:latin typeface="微軟正黑體" panose="020B0604030504040204" pitchFamily="34" charset="-120"/>
+                <a:ea typeface="微軟正黑體" panose="020B0604030504040204" pitchFamily="34" charset="-120"/>
+              </a:rPr>
+              <a:t>另</a:t>
+            </a:r>
+            <a:r>
+              <a:rPr lang="zh-TW" altLang="en-US" sz="3200" b="1" dirty="0">
+                <a:latin typeface="微軟正黑體" panose="020B0604030504040204" pitchFamily="34" charset="-120"/>
+                <a:ea typeface="微軟正黑體" panose="020B0604030504040204" pitchFamily="34" charset="-120"/>
+              </a:rPr>
+              <a:t>一種要價更</a:t>
+            </a:r>
+            <a:r>
+              <a:rPr lang="zh-TW" altLang="en-US" sz="3200" b="1" dirty="0" smtClean="0">
+                <a:latin typeface="微軟正黑體" panose="020B0604030504040204" pitchFamily="34" charset="-120"/>
+                <a:ea typeface="微軟正黑體" panose="020B0604030504040204" pitchFamily="34" charset="-120"/>
+              </a:rPr>
+              <a:t>少</a:t>
+            </a:r>
+            <a:endParaRPr lang="en-US" altLang="zh-TW" sz="3200" b="1" dirty="0" smtClean="0">
+              <a:latin typeface="微軟正黑體" panose="020B0604030504040204" pitchFamily="34" charset="-120"/>
+              <a:ea typeface="微軟正黑體" panose="020B0604030504040204" pitchFamily="34" charset="-120"/>
+            </a:endParaRPr>
+          </a:p>
+          <a:p>
+            <a:pPr algn="ctr"/>
+            <a:r>
+              <a:rPr lang="zh-TW" altLang="en-US" sz="3200" b="1" dirty="0" smtClean="0">
+                <a:latin typeface="微軟正黑體" panose="020B0604030504040204" pitchFamily="34" charset="-120"/>
+                <a:ea typeface="微軟正黑體" panose="020B0604030504040204" pitchFamily="34" charset="-120"/>
+              </a:rPr>
+              <a:t>我們</a:t>
+            </a:r>
+            <a:r>
+              <a:rPr lang="zh-TW" altLang="en-US" sz="3200" b="1" dirty="0">
+                <a:latin typeface="微軟正黑體" panose="020B0604030504040204" pitchFamily="34" charset="-120"/>
+                <a:ea typeface="微軟正黑體" panose="020B0604030504040204" pitchFamily="34" charset="-120"/>
+              </a:rPr>
+              <a:t>會成為後者</a:t>
+            </a:r>
+          </a:p>
+        </p:txBody>
+      </p:sp>
+    </p:spTree>
+    <p:extLst>
+      <p:ext uri="{BB962C8B-B14F-4D97-AF65-F5344CB8AC3E}">
+        <p14:creationId xmlns:p14="http://schemas.microsoft.com/office/powerpoint/2010/main" val="1269028721"/>
+      </p:ext>
+    </p:extLst>
+  </p:cSld>
+  <p:clrMapOvr>
+    <a:masterClrMapping/>
+  </p:clrMapOvr>
+  <p:timing>
+    <p:tnLst>
+      <p:par>
+        <p:cTn id="1" dur="indefinite" restart="never" nodeType="tmRoot"/>
+      </p:par>
+    </p:tnLst>
+  </p:timing>
+</p:sld>
+</file>
+
+<file path=ppt/slides/slide25.xml><?xml version="1.0" encoding="utf-8"?>
+<p:sld xmlns:a="http://schemas.openxmlformats.org/drawingml/2006/main" xmlns:r="http://schemas.openxmlformats.org/officeDocument/2006/relationships" xmlns:p="http://schemas.openxmlformats.org/presentationml/2006/main">
+  <p:cSld>
+    <p:spTree>
+      <p:nvGrpSpPr>
+        <p:cNvPr id="1" name="Shape 66"/>
+        <p:cNvGrpSpPr/>
+        <p:nvPr/>
+      </p:nvGrpSpPr>
+      <p:grpSpPr>
+        <a:xfrm>
+          <a:off x="0" y="0"/>
+          <a:ext cx="0" cy="0"/>
+          <a:chOff x="0" y="0"/>
+          <a:chExt cx="0" cy="0"/>
+        </a:xfrm>
+      </p:grpSpPr>
+      <p:sp>
+        <p:nvSpPr>
+          <p:cNvPr id="67" name="Shape 67"/>
+          <p:cNvSpPr txBox="1">
+            <a:spLocks noGrp="1"/>
+          </p:cNvSpPr>
+          <p:nvPr>
+            <p:ph type="title"/>
+          </p:nvPr>
+        </p:nvSpPr>
+        <p:spPr>
+          <a:xfrm>
+            <a:off x="0" y="1825269"/>
+            <a:ext cx="6858000" cy="859409"/>
+          </a:xfrm>
+          <a:prstGeom prst="rect">
+            <a:avLst/>
+          </a:prstGeom>
+        </p:spPr>
+        <p:txBody>
+          <a:bodyPr lIns="68569" tIns="68569" rIns="68569" bIns="68569" anchor="t" anchorCtr="0">
+            <a:noAutofit/>
+          </a:bodyPr>
+          <a:lstStyle/>
+          <a:p>
+            <a:pPr algn="ctr"/>
+            <a:r>
+              <a:rPr lang="zh-TW" altLang="en-US" sz="6000" b="1" dirty="0" smtClean="0">
+                <a:latin typeface="微軟正黑體" panose="020B0604030504040204" pitchFamily="34" charset="-120"/>
+                <a:ea typeface="微軟正黑體" panose="020B0604030504040204" pitchFamily="34" charset="-120"/>
+              </a:rPr>
+              <a:t>參考資料</a:t>
+            </a:r>
+            <a:endParaRPr sz="6000" b="1" dirty="0">
+              <a:latin typeface="微軟正黑體" panose="020B0604030504040204" pitchFamily="34" charset="-120"/>
+              <a:ea typeface="微軟正黑體" panose="020B0604030504040204" pitchFamily="34" charset="-120"/>
+            </a:endParaRPr>
+          </a:p>
+        </p:txBody>
+      </p:sp>
+      <p:pic>
+        <p:nvPicPr>
+          <p:cNvPr id="4" name="Shape 60" descr="Amazon-logo.png"/>
+          <p:cNvPicPr preferRelativeResize="0"/>
+          <p:nvPr/>
+        </p:nvPicPr>
+        <p:blipFill rotWithShape="1">
+          <a:blip r:embed="rId3">
+            <a:alphaModFix/>
+          </a:blip>
+          <a:srcRect l="20362" t="37377" r="21470" b="37023"/>
+          <a:stretch/>
+        </p:blipFill>
+        <p:spPr>
+          <a:xfrm>
+            <a:off x="4849977" y="4463186"/>
+            <a:ext cx="1931213" cy="680314"/>
+          </a:xfrm>
+          <a:prstGeom prst="rect">
+            <a:avLst/>
+          </a:prstGeom>
+          <a:noFill/>
+          <a:ln>
+            <a:noFill/>
+          </a:ln>
+        </p:spPr>
+      </p:pic>
+    </p:spTree>
+    <p:extLst>
+      <p:ext uri="{BB962C8B-B14F-4D97-AF65-F5344CB8AC3E}">
+        <p14:creationId xmlns:p14="http://schemas.microsoft.com/office/powerpoint/2010/main" val="928570821"/>
+      </p:ext>
+    </p:extLst>
+  </p:cSld>
+  <p:clrMapOvr>
+    <a:masterClrMapping/>
+  </p:clrMapOvr>
+  <p:timing>
+    <p:tnLst>
+      <p:par>
+        <p:cTn id="1" dur="indefinite" restart="never" nodeType="tmRoot"/>
+      </p:par>
+    </p:tnLst>
+  </p:timing>
+</p:sld>
+</file>
+
+<file path=ppt/slides/slide26.xml><?xml version="1.0" encoding="utf-8"?>
+<p:sld xmlns:a="http://schemas.openxmlformats.org/drawingml/2006/main" xmlns:r="http://schemas.openxmlformats.org/officeDocument/2006/relationships" xmlns:p="http://schemas.openxmlformats.org/presentationml/2006/main">
+  <p:cSld>
+    <p:spTree>
+      <p:nvGrpSpPr>
+        <p:cNvPr id="1" name="Shape 66"/>
+        <p:cNvGrpSpPr/>
+        <p:nvPr/>
+      </p:nvGrpSpPr>
+      <p:grpSpPr>
+        <a:xfrm>
+          <a:off x="0" y="0"/>
+          <a:ext cx="0" cy="0"/>
+          <a:chOff x="0" y="0"/>
+          <a:chExt cx="0" cy="0"/>
+        </a:xfrm>
+      </p:grpSpPr>
+      <p:sp>
+        <p:nvSpPr>
+          <p:cNvPr id="67" name="Shape 67"/>
+          <p:cNvSpPr txBox="1">
+            <a:spLocks noGrp="1"/>
+          </p:cNvSpPr>
+          <p:nvPr>
+            <p:ph type="title"/>
+          </p:nvPr>
+        </p:nvSpPr>
+        <p:spPr>
+          <a:xfrm>
+            <a:off x="233775" y="91567"/>
+            <a:ext cx="6390450" cy="429525"/>
+          </a:xfrm>
+          <a:prstGeom prst="rect">
+            <a:avLst/>
+          </a:prstGeom>
+        </p:spPr>
+        <p:txBody>
+          <a:bodyPr lIns="68569" tIns="68569" rIns="68569" bIns="68569" anchor="t" anchorCtr="0">
+            <a:noAutofit/>
+          </a:bodyPr>
+          <a:lstStyle/>
+          <a:p>
+            <a:r>
+              <a:rPr lang="zh-TW" altLang="en-US" sz="3600" b="1" dirty="0" smtClean="0"/>
+              <a:t>參考資料</a:t>
+            </a:r>
+            <a:endParaRPr sz="3600" b="1" dirty="0"/>
+          </a:p>
+        </p:txBody>
+      </p:sp>
+      <p:sp>
+        <p:nvSpPr>
+          <p:cNvPr id="68" name="Shape 68"/>
+          <p:cNvSpPr txBox="1">
+            <a:spLocks noGrp="1"/>
+          </p:cNvSpPr>
+          <p:nvPr>
+            <p:ph type="body" idx="1"/>
+          </p:nvPr>
+        </p:nvSpPr>
+        <p:spPr>
+          <a:xfrm>
+            <a:off x="233775" y="1163117"/>
+            <a:ext cx="6390450" cy="3803903"/>
+          </a:xfrm>
+          <a:prstGeom prst="rect">
+            <a:avLst/>
+          </a:prstGeom>
+        </p:spPr>
+        <p:txBody>
+          <a:bodyPr lIns="68569" tIns="68569" rIns="68569" bIns="68569" anchor="t" anchorCtr="0">
+            <a:noAutofit/>
+          </a:bodyPr>
+          <a:lstStyle/>
+          <a:p>
+            <a:pPr marL="285750" indent="-285750">
+              <a:buFont typeface="Arial" panose="020B0604020202020204" pitchFamily="34" charset="0"/>
+              <a:buChar char="•"/>
+            </a:pPr>
+            <a:r>
+              <a:rPr lang="zh-TW" altLang="en-US" sz="2400" b="1" dirty="0" smtClean="0">
+                <a:latin typeface="微軟正黑體" panose="020B0604030504040204" pitchFamily="34" charset="-120"/>
+                <a:ea typeface="微軟正黑體" panose="020B0604030504040204" pitchFamily="34" charset="-120"/>
+              </a:rPr>
+              <a:t>維基百科</a:t>
+            </a:r>
+            <a:endParaRPr lang="en-US" altLang="zh-TW" sz="2400" b="1" dirty="0" smtClean="0">
+              <a:latin typeface="微軟正黑體" panose="020B0604030504040204" pitchFamily="34" charset="-120"/>
+              <a:ea typeface="微軟正黑體" panose="020B0604030504040204" pitchFamily="34" charset="-120"/>
+            </a:endParaRPr>
+          </a:p>
+          <a:p>
+            <a:pPr marL="285750" indent="-285750">
+              <a:buFont typeface="Arial" panose="020B0604020202020204" pitchFamily="34" charset="0"/>
+              <a:buChar char="•"/>
+            </a:pPr>
+            <a:r>
+              <a:rPr lang="zh-TW" altLang="en-US" sz="2400" b="1" dirty="0">
+                <a:latin typeface="微軟正黑體" panose="020B0604030504040204" pitchFamily="34" charset="-120"/>
+                <a:ea typeface="微軟正黑體" panose="020B0604030504040204" pitchFamily="34" charset="-120"/>
+              </a:rPr>
+              <a:t>亞馬遜執行長的「成功學</a:t>
+            </a:r>
+            <a:r>
+              <a:rPr lang="zh-TW" altLang="en-US" sz="2400" b="1" dirty="0" smtClean="0">
+                <a:latin typeface="微軟正黑體" panose="020B0604030504040204" pitchFamily="34" charset="-120"/>
+                <a:ea typeface="微軟正黑體" panose="020B0604030504040204" pitchFamily="34" charset="-120"/>
+              </a:rPr>
+              <a:t>」</a:t>
+            </a:r>
+            <a:endParaRPr lang="en-US" altLang="zh-TW" sz="2400" b="1" dirty="0" smtClean="0">
+              <a:latin typeface="微軟正黑體" panose="020B0604030504040204" pitchFamily="34" charset="-120"/>
+              <a:ea typeface="微軟正黑體" panose="020B0604030504040204" pitchFamily="34" charset="-120"/>
+            </a:endParaRPr>
+          </a:p>
+          <a:p>
+            <a:pPr marL="285750" indent="-285750">
+              <a:buFont typeface="Arial" panose="020B0604020202020204" pitchFamily="34" charset="0"/>
+              <a:buChar char="•"/>
+            </a:pPr>
+            <a:r>
+              <a:rPr lang="zh-TW" altLang="en-US" sz="2400" b="1" dirty="0">
+                <a:latin typeface="微軟正黑體" panose="020B0604030504040204" pitchFamily="34" charset="-120"/>
+                <a:ea typeface="微軟正黑體" panose="020B0604030504040204" pitchFamily="34" charset="-120"/>
+              </a:rPr>
+              <a:t>亞馬遜</a:t>
+            </a:r>
+            <a:r>
+              <a:rPr lang="en-US" sz="2400" b="1" dirty="0" smtClean="0">
+                <a:latin typeface="微軟正黑體" panose="020B0604030504040204" pitchFamily="34" charset="-120"/>
+                <a:ea typeface="微軟正黑體" panose="020B0604030504040204" pitchFamily="34" charset="-120"/>
+              </a:rPr>
+              <a:t>CEO</a:t>
+            </a:r>
+            <a:r>
+              <a:rPr lang="zh-TW" altLang="en-US" sz="2400" b="1" dirty="0" smtClean="0">
+                <a:latin typeface="微軟正黑體" panose="020B0604030504040204" pitchFamily="34" charset="-120"/>
+                <a:ea typeface="微軟正黑體" panose="020B0604030504040204" pitchFamily="34" charset="-120"/>
+              </a:rPr>
+              <a:t>的</a:t>
+            </a:r>
+            <a:r>
+              <a:rPr lang="en-US" altLang="zh-TW" sz="2400" b="1" dirty="0" smtClean="0">
+                <a:latin typeface="微軟正黑體" panose="020B0604030504040204" pitchFamily="34" charset="-120"/>
+                <a:ea typeface="微軟正黑體" panose="020B0604030504040204" pitchFamily="34" charset="-120"/>
+              </a:rPr>
+              <a:t>14</a:t>
+            </a:r>
+            <a:r>
+              <a:rPr lang="zh-TW" altLang="en-US" sz="2400" b="1" smtClean="0">
+                <a:latin typeface="微軟正黑體" panose="020B0604030504040204" pitchFamily="34" charset="-120"/>
+                <a:ea typeface="微軟正黑體" panose="020B0604030504040204" pitchFamily="34" charset="-120"/>
+              </a:rPr>
+              <a:t>句名言</a:t>
+            </a:r>
+            <a:endParaRPr sz="2400" b="1" dirty="0">
+              <a:latin typeface="微軟正黑體" panose="020B0604030504040204" pitchFamily="34" charset="-120"/>
+              <a:ea typeface="微軟正黑體" panose="020B0604030504040204" pitchFamily="34" charset="-120"/>
+            </a:endParaRPr>
+          </a:p>
+        </p:txBody>
+      </p:sp>
+      <p:pic>
+        <p:nvPicPr>
+          <p:cNvPr id="4" name="Shape 60" descr="Amazon-logo.png"/>
+          <p:cNvPicPr preferRelativeResize="0"/>
+          <p:nvPr/>
+        </p:nvPicPr>
+        <p:blipFill rotWithShape="1">
+          <a:blip r:embed="rId3">
+            <a:alphaModFix/>
+          </a:blip>
+          <a:srcRect l="20362" t="37377" r="21470" b="37023"/>
+          <a:stretch/>
+        </p:blipFill>
+        <p:spPr>
+          <a:xfrm>
+            <a:off x="4849977" y="4463186"/>
+            <a:ext cx="1931213" cy="680314"/>
+          </a:xfrm>
+          <a:prstGeom prst="rect">
+            <a:avLst/>
+          </a:prstGeom>
+          <a:noFill/>
+          <a:ln>
+            <a:noFill/>
+          </a:ln>
+        </p:spPr>
+      </p:pic>
+    </p:spTree>
+    <p:extLst>
+      <p:ext uri="{BB962C8B-B14F-4D97-AF65-F5344CB8AC3E}">
+        <p14:creationId xmlns:p14="http://schemas.microsoft.com/office/powerpoint/2010/main" val="18091971"/>
+      </p:ext>
+    </p:extLst>
+  </p:cSld>
+  <p:clrMapOvr>
+    <a:masterClrMapping/>
+  </p:clrMapOvr>
+  <p:timing>
+    <p:tnLst>
+      <p:par>
+        <p:cTn id="1" dur="indefinite" restart="never" nodeType="tmRoot"/>
+      </p:par>
+    </p:tnLst>
+  </p:timing>
+</p:sld>
+</file>
+
+<file path=ppt/slides/slide27.xml><?xml version="1.0" encoding="utf-8"?>
+<p:sld xmlns:a="http://schemas.openxmlformats.org/drawingml/2006/main" xmlns:r="http://schemas.openxmlformats.org/officeDocument/2006/relationships" xmlns:p="http://schemas.openxmlformats.org/presentationml/2006/main">
+  <p:cSld>
+    <p:spTree>
+      <p:nvGrpSpPr>
+        <p:cNvPr id="1" name="Shape 66"/>
+        <p:cNvGrpSpPr/>
+        <p:nvPr/>
+      </p:nvGrpSpPr>
+      <p:grpSpPr>
+        <a:xfrm>
+          <a:off x="0" y="0"/>
+          <a:ext cx="0" cy="0"/>
+          <a:chOff x="0" y="0"/>
+          <a:chExt cx="0" cy="0"/>
+        </a:xfrm>
+      </p:grpSpPr>
+      <p:sp>
+        <p:nvSpPr>
+          <p:cNvPr id="67" name="Shape 67"/>
+          <p:cNvSpPr txBox="1">
+            <a:spLocks noGrp="1"/>
+          </p:cNvSpPr>
+          <p:nvPr>
+            <p:ph type="title"/>
+          </p:nvPr>
+        </p:nvSpPr>
+        <p:spPr>
+          <a:xfrm>
+            <a:off x="0" y="1825269"/>
+            <a:ext cx="6858000" cy="859409"/>
+          </a:xfrm>
+          <a:prstGeom prst="rect">
+            <a:avLst/>
+          </a:prstGeom>
+        </p:spPr>
+        <p:txBody>
+          <a:bodyPr lIns="68569" tIns="68569" rIns="68569" bIns="68569" anchor="t" anchorCtr="0">
+            <a:noAutofit/>
+          </a:bodyPr>
+          <a:lstStyle/>
+          <a:p>
+            <a:pPr algn="ctr"/>
+            <a:r>
+              <a:rPr lang="en-US" altLang="zh-TW" sz="6000" b="1" dirty="0" smtClean="0">
+                <a:latin typeface="微軟正黑體" panose="020B0604030504040204" pitchFamily="34" charset="-120"/>
+                <a:ea typeface="微軟正黑體" panose="020B0604030504040204" pitchFamily="34" charset="-120"/>
+              </a:rPr>
+              <a:t>THE</a:t>
+            </a:r>
+            <a:r>
+              <a:rPr lang="zh-TW" altLang="en-US" sz="6000" b="1" dirty="0" smtClean="0">
+                <a:latin typeface="微軟正黑體" panose="020B0604030504040204" pitchFamily="34" charset="-120"/>
+                <a:ea typeface="微軟正黑體" panose="020B0604030504040204" pitchFamily="34" charset="-120"/>
+              </a:rPr>
+              <a:t> </a:t>
+            </a:r>
+            <a:r>
+              <a:rPr lang="en-US" altLang="zh-TW" sz="6000" b="1" dirty="0" smtClean="0">
+                <a:latin typeface="微軟正黑體" panose="020B0604030504040204" pitchFamily="34" charset="-120"/>
+                <a:ea typeface="微軟正黑體" panose="020B0604030504040204" pitchFamily="34" charset="-120"/>
+              </a:rPr>
+              <a:t>END</a:t>
+            </a:r>
+            <a:endParaRPr sz="6000" b="1" dirty="0">
+              <a:latin typeface="微軟正黑體" panose="020B0604030504040204" pitchFamily="34" charset="-120"/>
+              <a:ea typeface="微軟正黑體" panose="020B0604030504040204" pitchFamily="34" charset="-120"/>
+            </a:endParaRPr>
+          </a:p>
+        </p:txBody>
+      </p:sp>
+      <p:pic>
+        <p:nvPicPr>
+          <p:cNvPr id="4" name="Shape 60" descr="Amazon-logo.png"/>
+          <p:cNvPicPr preferRelativeResize="0"/>
+          <p:nvPr/>
+        </p:nvPicPr>
+        <p:blipFill rotWithShape="1">
+          <a:blip r:embed="rId3">
+            <a:alphaModFix/>
+          </a:blip>
+          <a:srcRect l="20362" t="37377" r="21470" b="37023"/>
+          <a:stretch/>
+        </p:blipFill>
+        <p:spPr>
+          <a:xfrm>
+            <a:off x="4849977" y="4463186"/>
+            <a:ext cx="1931213" cy="680314"/>
+          </a:xfrm>
+          <a:prstGeom prst="rect">
+            <a:avLst/>
+          </a:prstGeom>
+          <a:noFill/>
+          <a:ln>
+            <a:noFill/>
+          </a:ln>
+        </p:spPr>
+      </p:pic>
+    </p:spTree>
+    <p:extLst>
+      <p:ext uri="{BB962C8B-B14F-4D97-AF65-F5344CB8AC3E}">
+        <p14:creationId xmlns:p14="http://schemas.microsoft.com/office/powerpoint/2010/main" val="740300992"/>
+      </p:ext>
+    </p:extLst>
   </p:cSld>
   <p:clrMapOvr>
     <a:masterClrMapping/>
@@ -8479,37 +13269,7 @@
                 <a:latin typeface="微軟正黑體" panose="020B0604030504040204" pitchFamily="34" charset="-120"/>
                 <a:ea typeface="微軟正黑體" panose="020B0604030504040204" pitchFamily="34" charset="-120"/>
               </a:rPr>
-              <a:t>操</a:t>
-            </a:r>
-            <a:r>
-              <a:rPr lang="zh-TW" altLang="en-US" sz="2400" b="1" dirty="0">
-                <a:solidFill>
-                  <a:schemeClr val="tx1"/>
-                </a:solidFill>
-                <a:latin typeface="微軟正黑體" panose="020B0604030504040204" pitchFamily="34" charset="-120"/>
-                <a:ea typeface="微軟正黑體" panose="020B0604030504040204" pitchFamily="34" charset="-120"/>
-              </a:rPr>
-              <a:t>控電子</a:t>
-            </a:r>
-            <a:r>
-              <a:rPr lang="zh-TW" altLang="en-US" sz="2400" b="1" dirty="0">
-                <a:solidFill>
-                  <a:schemeClr val="tx1"/>
-                </a:solidFill>
-                <a:latin typeface="微軟正黑體" panose="020B0604030504040204" pitchFamily="34" charset="-120"/>
-                <a:ea typeface="微軟正黑體" panose="020B0604030504040204" pitchFamily="34" charset="-120"/>
-              </a:rPr>
-              <a:t>鐘來使他的小表弟被反鎖在房間</a:t>
-            </a:r>
-            <a:r>
-              <a:rPr lang="zh-TW" altLang="en-US" sz="2400" b="1" dirty="0">
-                <a:solidFill>
-                  <a:schemeClr val="tx1"/>
-                </a:solidFill>
-                <a:latin typeface="微軟正黑體" panose="020B0604030504040204" pitchFamily="34" charset="-120"/>
-                <a:ea typeface="微軟正黑體" panose="020B0604030504040204" pitchFamily="34" charset="-120"/>
-              </a:rPr>
-              <a:t>外</a:t>
+              <a:t>操控電子鐘來使他的小表弟被反鎖在房間外</a:t>
             </a:r>
             <a:endParaRPr lang="en-US" altLang="zh-TW" sz="2400" b="1" dirty="0">
               <a:solidFill>
@@ -8835,11 +13595,7 @@
           <a:p>
             <a:r>
               <a:rPr lang="zh-TW" altLang="en-US" sz="3600" b="1" dirty="0" smtClean="0"/>
-              <a:t>成功</a:t>
-            </a:r>
-            <a:r>
-              <a:rPr lang="zh-TW" altLang="en-US" sz="3600" b="1" dirty="0" smtClean="0"/>
-              <a:t>故事</a:t>
+              <a:t>成功故事</a:t>
             </a:r>
             <a:r>
               <a:rPr lang="en-US" altLang="zh-TW" sz="3600" b="1" dirty="0" smtClean="0"/>
@@ -8900,7 +13656,17 @@
                 <a:latin typeface="微軟正黑體" panose="020B0604030504040204" pitchFamily="34" charset="-120"/>
                 <a:ea typeface="微軟正黑體" panose="020B0604030504040204" pitchFamily="34" charset="-120"/>
               </a:rPr>
-              <a:t>年</a:t>
+              <a:t>年，</a:t>
+            </a:r>
+            <a:r>
+              <a:rPr lang="en-US" altLang="zh-TW" sz="2400" b="1" dirty="0">
+                <a:solidFill>
+                  <a:schemeClr val="tx1"/>
+                </a:solidFill>
+                <a:latin typeface="微軟正黑體" panose="020B0604030504040204" pitchFamily="34" charset="-120"/>
+                <a:ea typeface="微軟正黑體" panose="020B0604030504040204" pitchFamily="34" charset="-120"/>
+              </a:rPr>
+              <a:t>Bezos</a:t>
             </a:r>
             <a:r>
               <a:rPr lang="zh-TW" altLang="en-US" sz="2400" b="1" dirty="0">
@@ -8910,7 +13676,7 @@
                 <a:latin typeface="微軟正黑體" panose="020B0604030504040204" pitchFamily="34" charset="-120"/>
                 <a:ea typeface="微軟正黑體" panose="020B0604030504040204" pitchFamily="34" charset="-120"/>
               </a:rPr>
-              <a:t>，</a:t>
+              <a:t>在</a:t>
             </a:r>
             <a:r>
               <a:rPr lang="en-US" altLang="zh-TW" sz="2400" b="1" dirty="0">
@@ -8920,7 +13686,7 @@
                 <a:latin typeface="微軟正黑體" panose="020B0604030504040204" pitchFamily="34" charset="-120"/>
                 <a:ea typeface="微軟正黑體" panose="020B0604030504040204" pitchFamily="34" charset="-120"/>
               </a:rPr>
-              <a:t>Bezos</a:t>
+              <a:t>Internet</a:t>
             </a:r>
             <a:r>
               <a:rPr lang="zh-TW" altLang="en-US" sz="2400" b="1" dirty="0">
@@ -8930,37 +13696,7 @@
                 <a:latin typeface="微軟正黑體" panose="020B0604030504040204" pitchFamily="34" charset="-120"/>
                 <a:ea typeface="微軟正黑體" panose="020B0604030504040204" pitchFamily="34" charset="-120"/>
               </a:rPr>
-              <a:t>在</a:t>
-            </a:r>
-            <a:r>
-              <a:rPr lang="en-US" altLang="zh-TW" sz="2400" b="1" dirty="0">
-                <a:solidFill>
-                  <a:schemeClr val="tx1"/>
-                </a:solidFill>
-                <a:latin typeface="微軟正黑體" panose="020B0604030504040204" pitchFamily="34" charset="-120"/>
-                <a:ea typeface="微軟正黑體" panose="020B0604030504040204" pitchFamily="34" charset="-120"/>
-              </a:rPr>
-              <a:t>Internet</a:t>
-            </a:r>
-            <a:r>
-              <a:rPr lang="zh-TW" altLang="en-US" sz="2400" b="1" dirty="0">
-                <a:solidFill>
-                  <a:schemeClr val="tx1"/>
-                </a:solidFill>
-                <a:latin typeface="微軟正黑體" panose="020B0604030504040204" pitchFamily="34" charset="-120"/>
-                <a:ea typeface="微軟正黑體" panose="020B0604030504040204" pitchFamily="34" charset="-120"/>
-              </a:rPr>
-              <a:t>看到</a:t>
-            </a:r>
-            <a:r>
-              <a:rPr lang="zh-TW" altLang="en-US" sz="2400" b="1" dirty="0">
-                <a:solidFill>
-                  <a:schemeClr val="tx1"/>
-                </a:solidFill>
-                <a:latin typeface="微軟正黑體" panose="020B0604030504040204" pitchFamily="34" charset="-120"/>
-                <a:ea typeface="微軟正黑體" panose="020B0604030504040204" pitchFamily="34" charset="-120"/>
-              </a:rPr>
-              <a:t>了一個數字</a:t>
+              <a:t>看到了一個數字</a:t>
             </a:r>
             <a:r>
               <a:rPr lang="en-US" altLang="zh-TW" sz="2400" b="1" dirty="0">
@@ -9239,11 +13975,7 @@
           <a:p>
             <a:r>
               <a:rPr lang="zh-TW" altLang="en-US" sz="3600" b="1" dirty="0" smtClean="0"/>
-              <a:t>成功</a:t>
-            </a:r>
-            <a:r>
-              <a:rPr lang="zh-TW" altLang="en-US" sz="3600" b="1" dirty="0" smtClean="0"/>
-              <a:t>故事</a:t>
+              <a:t>成功故事</a:t>
             </a:r>
             <a:r>
               <a:rPr lang="en-US" altLang="zh-TW" sz="3600" b="1" dirty="0" smtClean="0"/>
@@ -9563,11 +14295,7 @@
           <a:p>
             <a:r>
               <a:rPr lang="zh-TW" altLang="en-US" sz="3600" b="1" dirty="0" smtClean="0"/>
-              <a:t>成功</a:t>
-            </a:r>
-            <a:r>
-              <a:rPr lang="zh-TW" altLang="en-US" sz="3600" b="1" dirty="0" smtClean="0"/>
-              <a:t>故事</a:t>
+              <a:t>成功故事</a:t>
             </a:r>
             <a:r>
               <a:rPr lang="en-US" altLang="zh-TW" sz="3600" b="1" dirty="0" smtClean="0"/>

--- a/Amazon/Jeff Bezos .pptx
+++ b/Amazon/Jeff Bezos .pptx
@@ -599,7 +599,7 @@
               </a:spcBef>
               <a:buNone/>
             </a:pPr>
-            <a:endParaRPr/>
+            <a:endParaRPr dirty="0"/>
           </a:p>
         </p:txBody>
       </p:sp>
@@ -1765,7 +1765,7 @@
               </a:spcBef>
               <a:buNone/>
             </a:pPr>
-            <a:endParaRPr/>
+            <a:endParaRPr dirty="0"/>
           </a:p>
         </p:txBody>
       </p:sp>
@@ -7320,6 +7320,187 @@
           </a:p>
         </p:txBody>
       </p:sp>
+      <p:sp>
+        <p:nvSpPr>
+          <p:cNvPr id="2" name="文字方塊 1"/>
+          <p:cNvSpPr txBox="1"/>
+          <p:nvPr/>
+        </p:nvSpPr>
+        <p:spPr>
+          <a:xfrm>
+            <a:off x="81246" y="3422024"/>
+            <a:ext cx="2874874" cy="1631216"/>
+          </a:xfrm>
+          <a:prstGeom prst="rect">
+            <a:avLst/>
+          </a:prstGeom>
+          <a:noFill/>
+        </p:spPr>
+        <p:txBody>
+          <a:bodyPr wrap="square" rtlCol="0">
+            <a:spAutoFit/>
+          </a:bodyPr>
+          <a:lstStyle/>
+          <a:p>
+            <a:r>
+              <a:rPr lang="zh-TW" altLang="en-US" sz="2000" b="1" dirty="0" smtClean="0">
+                <a:solidFill>
+                  <a:schemeClr val="bg1"/>
+                </a:solidFill>
+                <a:latin typeface="微軟正黑體" panose="020B0604030504040204" pitchFamily="34" charset="-120"/>
+                <a:ea typeface="微軟正黑體" panose="020B0604030504040204" pitchFamily="34" charset="-120"/>
+              </a:rPr>
+              <a:t>夜二技資二甲</a:t>
+            </a:r>
+            <a:endParaRPr lang="en-US" altLang="zh-TW" sz="2000" b="1" dirty="0" smtClean="0">
+              <a:solidFill>
+                <a:schemeClr val="bg1"/>
+              </a:solidFill>
+              <a:latin typeface="微軟正黑體" panose="020B0604030504040204" pitchFamily="34" charset="-120"/>
+              <a:ea typeface="微軟正黑體" panose="020B0604030504040204" pitchFamily="34" charset="-120"/>
+            </a:endParaRPr>
+          </a:p>
+          <a:p>
+            <a:r>
+              <a:rPr lang="en-US" altLang="zh-TW" sz="2000" b="1" dirty="0" smtClean="0">
+                <a:solidFill>
+                  <a:schemeClr val="bg1"/>
+                </a:solidFill>
+                <a:latin typeface="微軟正黑體" panose="020B0604030504040204" pitchFamily="34" charset="-120"/>
+                <a:ea typeface="微軟正黑體" panose="020B0604030504040204" pitchFamily="34" charset="-120"/>
+              </a:rPr>
+              <a:t>N1046702  </a:t>
+            </a:r>
+            <a:r>
+              <a:rPr lang="zh-TW" altLang="en-US" sz="2000" b="1" dirty="0" smtClean="0">
+                <a:solidFill>
+                  <a:schemeClr val="bg1"/>
+                </a:solidFill>
+                <a:latin typeface="微軟正黑體" panose="020B0604030504040204" pitchFamily="34" charset="-120"/>
+                <a:ea typeface="微軟正黑體" panose="020B0604030504040204" pitchFamily="34" charset="-120"/>
+              </a:rPr>
+              <a:t>黃</a:t>
+            </a:r>
+            <a:r>
+              <a:rPr lang="zh-TW" altLang="en-US" sz="2000" b="1" dirty="0">
+                <a:solidFill>
+                  <a:schemeClr val="bg1"/>
+                </a:solidFill>
+                <a:latin typeface="微軟正黑體" panose="020B0604030504040204" pitchFamily="34" charset="-120"/>
+                <a:ea typeface="微軟正黑體" panose="020B0604030504040204" pitchFamily="34" charset="-120"/>
+              </a:rPr>
+              <a:t>品晟</a:t>
+            </a:r>
+            <a:endParaRPr lang="en-US" altLang="zh-TW" sz="2000" b="1" dirty="0" smtClean="0">
+              <a:solidFill>
+                <a:schemeClr val="bg1"/>
+              </a:solidFill>
+              <a:latin typeface="微軟正黑體" panose="020B0604030504040204" pitchFamily="34" charset="-120"/>
+              <a:ea typeface="微軟正黑體" panose="020B0604030504040204" pitchFamily="34" charset="-120"/>
+            </a:endParaRPr>
+          </a:p>
+          <a:p>
+            <a:r>
+              <a:rPr lang="en-US" altLang="zh-TW" sz="2000" b="1" dirty="0" smtClean="0">
+                <a:solidFill>
+                  <a:schemeClr val="bg1"/>
+                </a:solidFill>
+                <a:latin typeface="微軟正黑體" panose="020B0604030504040204" pitchFamily="34" charset="-120"/>
+                <a:ea typeface="微軟正黑體" panose="020B0604030504040204" pitchFamily="34" charset="-120"/>
+              </a:rPr>
+              <a:t>N1046713  </a:t>
+            </a:r>
+            <a:r>
+              <a:rPr lang="zh-TW" altLang="en-US" sz="2000" b="1" dirty="0" smtClean="0">
+                <a:solidFill>
+                  <a:schemeClr val="bg1"/>
+                </a:solidFill>
+                <a:latin typeface="微軟正黑體" panose="020B0604030504040204" pitchFamily="34" charset="-120"/>
+                <a:ea typeface="微軟正黑體" panose="020B0604030504040204" pitchFamily="34" charset="-120"/>
+              </a:rPr>
+              <a:t>高</a:t>
+            </a:r>
+            <a:r>
+              <a:rPr lang="zh-TW" altLang="en-US" sz="2000" b="1" dirty="0">
+                <a:solidFill>
+                  <a:schemeClr val="bg1"/>
+                </a:solidFill>
+                <a:latin typeface="微軟正黑體" panose="020B0604030504040204" pitchFamily="34" charset="-120"/>
+                <a:ea typeface="微軟正黑體" panose="020B0604030504040204" pitchFamily="34" charset="-120"/>
+              </a:rPr>
+              <a:t>鈴雅</a:t>
+            </a:r>
+            <a:endParaRPr lang="en-US" altLang="zh-TW" sz="2000" b="1" dirty="0" smtClean="0">
+              <a:solidFill>
+                <a:schemeClr val="bg1"/>
+              </a:solidFill>
+              <a:latin typeface="微軟正黑體" panose="020B0604030504040204" pitchFamily="34" charset="-120"/>
+              <a:ea typeface="微軟正黑體" panose="020B0604030504040204" pitchFamily="34" charset="-120"/>
+            </a:endParaRPr>
+          </a:p>
+          <a:p>
+            <a:r>
+              <a:rPr lang="en-US" altLang="zh-TW" sz="2000" b="1" dirty="0" smtClean="0">
+                <a:solidFill>
+                  <a:schemeClr val="bg1"/>
+                </a:solidFill>
+                <a:latin typeface="微軟正黑體" panose="020B0604030504040204" pitchFamily="34" charset="-120"/>
+                <a:ea typeface="微軟正黑體" panose="020B0604030504040204" pitchFamily="34" charset="-120"/>
+              </a:rPr>
+              <a:t>N1046723  </a:t>
+            </a:r>
+            <a:r>
+              <a:rPr lang="zh-TW" altLang="en-US" sz="2000" b="1" dirty="0" smtClean="0">
+                <a:solidFill>
+                  <a:schemeClr val="bg1"/>
+                </a:solidFill>
+                <a:latin typeface="微軟正黑體" panose="020B0604030504040204" pitchFamily="34" charset="-120"/>
+                <a:ea typeface="微軟正黑體" panose="020B0604030504040204" pitchFamily="34" charset="-120"/>
+              </a:rPr>
+              <a:t>王士駿</a:t>
+            </a:r>
+            <a:endParaRPr lang="en-US" altLang="zh-TW" sz="2000" b="1" dirty="0" smtClean="0">
+              <a:solidFill>
+                <a:schemeClr val="bg1"/>
+              </a:solidFill>
+              <a:latin typeface="微軟正黑體" panose="020B0604030504040204" pitchFamily="34" charset="-120"/>
+              <a:ea typeface="微軟正黑體" panose="020B0604030504040204" pitchFamily="34" charset="-120"/>
+            </a:endParaRPr>
+          </a:p>
+          <a:p>
+            <a:r>
+              <a:rPr lang="en-US" altLang="zh-TW" sz="2000" b="1" dirty="0" smtClean="0">
+                <a:solidFill>
+                  <a:schemeClr val="bg1"/>
+                </a:solidFill>
+                <a:latin typeface="微軟正黑體" panose="020B0604030504040204" pitchFamily="34" charset="-120"/>
+                <a:ea typeface="微軟正黑體" panose="020B0604030504040204" pitchFamily="34" charset="-120"/>
+              </a:rPr>
+              <a:t>N1046747  </a:t>
+            </a:r>
+            <a:r>
+              <a:rPr lang="zh-TW" altLang="en-US" sz="2000" b="1" dirty="0" smtClean="0">
+                <a:solidFill>
+                  <a:schemeClr val="bg1"/>
+                </a:solidFill>
+                <a:latin typeface="微軟正黑體" panose="020B0604030504040204" pitchFamily="34" charset="-120"/>
+                <a:ea typeface="微軟正黑體" panose="020B0604030504040204" pitchFamily="34" charset="-120"/>
+              </a:rPr>
+              <a:t>劉</a:t>
+            </a:r>
+            <a:r>
+              <a:rPr lang="zh-TW" altLang="en-US" sz="2000" b="1" dirty="0">
+                <a:solidFill>
+                  <a:schemeClr val="bg1"/>
+                </a:solidFill>
+                <a:latin typeface="微軟正黑體" panose="020B0604030504040204" pitchFamily="34" charset="-120"/>
+                <a:ea typeface="微軟正黑體" panose="020B0604030504040204" pitchFamily="34" charset="-120"/>
+              </a:rPr>
+              <a:t>緯軒</a:t>
+            </a:r>
+          </a:p>
+        </p:txBody>
+      </p:sp>
     </p:spTree>
   </p:cSld>
   <p:clrMapOvr>
@@ -7594,13 +7775,36 @@
               </a:rPr>
               <a:t>中規格手機卻以高價位賣出</a:t>
             </a:r>
-            <a:endParaRPr lang="en-US" altLang="zh-TW" sz="2400" b="1" dirty="0" smtClean="0">
-              <a:solidFill>
-                <a:schemeClr val="tx1"/>
-              </a:solidFill>
-              <a:latin typeface="微軟正黑體" panose="020B0604030504040204" pitchFamily="34" charset="-120"/>
-              <a:ea typeface="微軟正黑體" panose="020B0604030504040204" pitchFamily="34" charset="-120"/>
-            </a:endParaRPr>
+            <a:r>
+              <a:rPr lang="en-US" altLang="zh-TW" sz="2400" b="1" dirty="0" smtClean="0">
+                <a:solidFill>
+                  <a:schemeClr val="tx1"/>
+                </a:solidFill>
+                <a:latin typeface="微軟正黑體" panose="020B0604030504040204" pitchFamily="34" charset="-120"/>
+                <a:ea typeface="微軟正黑體" panose="020B0604030504040204" pitchFamily="34" charset="-120"/>
+              </a:rPr>
+              <a:t>(699</a:t>
+            </a:r>
+            <a:r>
+              <a:rPr lang="zh-TW" altLang="en-US" sz="2400" b="1" dirty="0" smtClean="0">
+                <a:solidFill>
+                  <a:schemeClr val="tx1"/>
+                </a:solidFill>
+                <a:latin typeface="微軟正黑體" panose="020B0604030504040204" pitchFamily="34" charset="-120"/>
+                <a:ea typeface="微軟正黑體" panose="020B0604030504040204" pitchFamily="34" charset="-120"/>
+              </a:rPr>
+              <a:t>美元</a:t>
+            </a:r>
+            <a:r>
+              <a:rPr lang="en-US" altLang="zh-TW" sz="2400" b="1" dirty="0" smtClean="0">
+                <a:solidFill>
+                  <a:schemeClr val="tx1"/>
+                </a:solidFill>
+                <a:latin typeface="微軟正黑體" panose="020B0604030504040204" pitchFamily="34" charset="-120"/>
+                <a:ea typeface="微軟正黑體" panose="020B0604030504040204" pitchFamily="34" charset="-120"/>
+              </a:rPr>
+              <a:t>)</a:t>
+            </a:r>
           </a:p>
           <a:p>
             <a:pPr marL="285750" indent="-285750">
@@ -7743,7 +7947,490 @@
   <p:timing>
     <p:tnLst>
       <p:par>
-        <p:cTn id="1" dur="indefinite" restart="never" nodeType="tmRoot"/>
+        <p:cTn id="1" dur="indefinite" restart="never" nodeType="tmRoot">
+          <p:childTnLst>
+            <p:seq concurrent="1" nextAc="seek">
+              <p:cTn id="2" dur="indefinite" nodeType="mainSeq">
+                <p:childTnLst>
+                  <p:par>
+                    <p:cTn id="3" fill="hold">
+                      <p:stCondLst>
+                        <p:cond delay="indefinite"/>
+                      </p:stCondLst>
+                      <p:childTnLst>
+                        <p:par>
+                          <p:cTn id="4" fill="hold">
+                            <p:stCondLst>
+                              <p:cond delay="0"/>
+                            </p:stCondLst>
+                            <p:childTnLst>
+                              <p:par>
+                                <p:cTn id="5" presetID="42" presetClass="entr" presetSubtype="0" fill="hold" nodeType="clickEffect">
+                                  <p:stCondLst>
+                                    <p:cond delay="0"/>
+                                  </p:stCondLst>
+                                  <p:childTnLst>
+                                    <p:set>
+                                      <p:cBhvr>
+                                        <p:cTn id="6" dur="1" fill="hold">
+                                          <p:stCondLst>
+                                            <p:cond delay="0"/>
+                                          </p:stCondLst>
+                                        </p:cTn>
+                                        <p:tgtEl>
+                                          <p:spTgt spid="68">
+                                            <p:txEl>
+                                              <p:pRg st="0" end="0"/>
+                                            </p:txEl>
+                                          </p:spTgt>
+                                        </p:tgtEl>
+                                        <p:attrNameLst>
+                                          <p:attrName>style.visibility</p:attrName>
+                                        </p:attrNameLst>
+                                      </p:cBhvr>
+                                      <p:to>
+                                        <p:strVal val="visible"/>
+                                      </p:to>
+                                    </p:set>
+                                    <p:animEffect transition="in" filter="fade">
+                                      <p:cBhvr>
+                                        <p:cTn id="7" dur="1000"/>
+                                        <p:tgtEl>
+                                          <p:spTgt spid="68">
+                                            <p:txEl>
+                                              <p:pRg st="0" end="0"/>
+                                            </p:txEl>
+                                          </p:spTgt>
+                                        </p:tgtEl>
+                                      </p:cBhvr>
+                                    </p:animEffect>
+                                    <p:anim calcmode="lin" valueType="num">
+                                      <p:cBhvr>
+                                        <p:cTn id="8" dur="1000" fill="hold"/>
+                                        <p:tgtEl>
+                                          <p:spTgt spid="68">
+                                            <p:txEl>
+                                              <p:pRg st="0" end="0"/>
+                                            </p:txEl>
+                                          </p:spTgt>
+                                        </p:tgtEl>
+                                        <p:attrNameLst>
+                                          <p:attrName>ppt_x</p:attrName>
+                                        </p:attrNameLst>
+                                      </p:cBhvr>
+                                      <p:tavLst>
+                                        <p:tav tm="0">
+                                          <p:val>
+                                            <p:strVal val="#ppt_x"/>
+                                          </p:val>
+                                        </p:tav>
+                                        <p:tav tm="100000">
+                                          <p:val>
+                                            <p:strVal val="#ppt_x"/>
+                                          </p:val>
+                                        </p:tav>
+                                      </p:tavLst>
+                                    </p:anim>
+                                    <p:anim calcmode="lin" valueType="num">
+                                      <p:cBhvr>
+                                        <p:cTn id="9" dur="1000" fill="hold"/>
+                                        <p:tgtEl>
+                                          <p:spTgt spid="68">
+                                            <p:txEl>
+                                              <p:pRg st="0" end="0"/>
+                                            </p:txEl>
+                                          </p:spTgt>
+                                        </p:tgtEl>
+                                        <p:attrNameLst>
+                                          <p:attrName>ppt_y</p:attrName>
+                                        </p:attrNameLst>
+                                      </p:cBhvr>
+                                      <p:tavLst>
+                                        <p:tav tm="0">
+                                          <p:val>
+                                            <p:strVal val="#ppt_y+.1"/>
+                                          </p:val>
+                                        </p:tav>
+                                        <p:tav tm="100000">
+                                          <p:val>
+                                            <p:strVal val="#ppt_y"/>
+                                          </p:val>
+                                        </p:tav>
+                                      </p:tavLst>
+                                    </p:anim>
+                                  </p:childTnLst>
+                                </p:cTn>
+                              </p:par>
+                            </p:childTnLst>
+                          </p:cTn>
+                        </p:par>
+                      </p:childTnLst>
+                    </p:cTn>
+                  </p:par>
+                  <p:par>
+                    <p:cTn id="10" fill="hold">
+                      <p:stCondLst>
+                        <p:cond delay="indefinite"/>
+                      </p:stCondLst>
+                      <p:childTnLst>
+                        <p:par>
+                          <p:cTn id="11" fill="hold">
+                            <p:stCondLst>
+                              <p:cond delay="0"/>
+                            </p:stCondLst>
+                            <p:childTnLst>
+                              <p:par>
+                                <p:cTn id="12" presetID="42" presetClass="entr" presetSubtype="0" fill="hold" nodeType="clickEffect">
+                                  <p:stCondLst>
+                                    <p:cond delay="0"/>
+                                  </p:stCondLst>
+                                  <p:childTnLst>
+                                    <p:set>
+                                      <p:cBhvr>
+                                        <p:cTn id="13" dur="1" fill="hold">
+                                          <p:stCondLst>
+                                            <p:cond delay="0"/>
+                                          </p:stCondLst>
+                                        </p:cTn>
+                                        <p:tgtEl>
+                                          <p:spTgt spid="68">
+                                            <p:txEl>
+                                              <p:pRg st="1" end="1"/>
+                                            </p:txEl>
+                                          </p:spTgt>
+                                        </p:tgtEl>
+                                        <p:attrNameLst>
+                                          <p:attrName>style.visibility</p:attrName>
+                                        </p:attrNameLst>
+                                      </p:cBhvr>
+                                      <p:to>
+                                        <p:strVal val="visible"/>
+                                      </p:to>
+                                    </p:set>
+                                    <p:animEffect transition="in" filter="fade">
+                                      <p:cBhvr>
+                                        <p:cTn id="14" dur="1000"/>
+                                        <p:tgtEl>
+                                          <p:spTgt spid="68">
+                                            <p:txEl>
+                                              <p:pRg st="1" end="1"/>
+                                            </p:txEl>
+                                          </p:spTgt>
+                                        </p:tgtEl>
+                                      </p:cBhvr>
+                                    </p:animEffect>
+                                    <p:anim calcmode="lin" valueType="num">
+                                      <p:cBhvr>
+                                        <p:cTn id="15" dur="1000" fill="hold"/>
+                                        <p:tgtEl>
+                                          <p:spTgt spid="68">
+                                            <p:txEl>
+                                              <p:pRg st="1" end="1"/>
+                                            </p:txEl>
+                                          </p:spTgt>
+                                        </p:tgtEl>
+                                        <p:attrNameLst>
+                                          <p:attrName>ppt_x</p:attrName>
+                                        </p:attrNameLst>
+                                      </p:cBhvr>
+                                      <p:tavLst>
+                                        <p:tav tm="0">
+                                          <p:val>
+                                            <p:strVal val="#ppt_x"/>
+                                          </p:val>
+                                        </p:tav>
+                                        <p:tav tm="100000">
+                                          <p:val>
+                                            <p:strVal val="#ppt_x"/>
+                                          </p:val>
+                                        </p:tav>
+                                      </p:tavLst>
+                                    </p:anim>
+                                    <p:anim calcmode="lin" valueType="num">
+                                      <p:cBhvr>
+                                        <p:cTn id="16" dur="1000" fill="hold"/>
+                                        <p:tgtEl>
+                                          <p:spTgt spid="68">
+                                            <p:txEl>
+                                              <p:pRg st="1" end="1"/>
+                                            </p:txEl>
+                                          </p:spTgt>
+                                        </p:tgtEl>
+                                        <p:attrNameLst>
+                                          <p:attrName>ppt_y</p:attrName>
+                                        </p:attrNameLst>
+                                      </p:cBhvr>
+                                      <p:tavLst>
+                                        <p:tav tm="0">
+                                          <p:val>
+                                            <p:strVal val="#ppt_y+.1"/>
+                                          </p:val>
+                                        </p:tav>
+                                        <p:tav tm="100000">
+                                          <p:val>
+                                            <p:strVal val="#ppt_y"/>
+                                          </p:val>
+                                        </p:tav>
+                                      </p:tavLst>
+                                    </p:anim>
+                                  </p:childTnLst>
+                                </p:cTn>
+                              </p:par>
+                            </p:childTnLst>
+                          </p:cTn>
+                        </p:par>
+                      </p:childTnLst>
+                    </p:cTn>
+                  </p:par>
+                  <p:par>
+                    <p:cTn id="17" fill="hold">
+                      <p:stCondLst>
+                        <p:cond delay="indefinite"/>
+                      </p:stCondLst>
+                      <p:childTnLst>
+                        <p:par>
+                          <p:cTn id="18" fill="hold">
+                            <p:stCondLst>
+                              <p:cond delay="0"/>
+                            </p:stCondLst>
+                            <p:childTnLst>
+                              <p:par>
+                                <p:cTn id="19" presetID="42" presetClass="entr" presetSubtype="0" fill="hold" nodeType="clickEffect">
+                                  <p:stCondLst>
+                                    <p:cond delay="0"/>
+                                  </p:stCondLst>
+                                  <p:childTnLst>
+                                    <p:set>
+                                      <p:cBhvr>
+                                        <p:cTn id="20" dur="1" fill="hold">
+                                          <p:stCondLst>
+                                            <p:cond delay="0"/>
+                                          </p:stCondLst>
+                                        </p:cTn>
+                                        <p:tgtEl>
+                                          <p:spTgt spid="68">
+                                            <p:txEl>
+                                              <p:pRg st="2" end="2"/>
+                                            </p:txEl>
+                                          </p:spTgt>
+                                        </p:tgtEl>
+                                        <p:attrNameLst>
+                                          <p:attrName>style.visibility</p:attrName>
+                                        </p:attrNameLst>
+                                      </p:cBhvr>
+                                      <p:to>
+                                        <p:strVal val="visible"/>
+                                      </p:to>
+                                    </p:set>
+                                    <p:animEffect transition="in" filter="fade">
+                                      <p:cBhvr>
+                                        <p:cTn id="21" dur="1000"/>
+                                        <p:tgtEl>
+                                          <p:spTgt spid="68">
+                                            <p:txEl>
+                                              <p:pRg st="2" end="2"/>
+                                            </p:txEl>
+                                          </p:spTgt>
+                                        </p:tgtEl>
+                                      </p:cBhvr>
+                                    </p:animEffect>
+                                    <p:anim calcmode="lin" valueType="num">
+                                      <p:cBhvr>
+                                        <p:cTn id="22" dur="1000" fill="hold"/>
+                                        <p:tgtEl>
+                                          <p:spTgt spid="68">
+                                            <p:txEl>
+                                              <p:pRg st="2" end="2"/>
+                                            </p:txEl>
+                                          </p:spTgt>
+                                        </p:tgtEl>
+                                        <p:attrNameLst>
+                                          <p:attrName>ppt_x</p:attrName>
+                                        </p:attrNameLst>
+                                      </p:cBhvr>
+                                      <p:tavLst>
+                                        <p:tav tm="0">
+                                          <p:val>
+                                            <p:strVal val="#ppt_x"/>
+                                          </p:val>
+                                        </p:tav>
+                                        <p:tav tm="100000">
+                                          <p:val>
+                                            <p:strVal val="#ppt_x"/>
+                                          </p:val>
+                                        </p:tav>
+                                      </p:tavLst>
+                                    </p:anim>
+                                    <p:anim calcmode="lin" valueType="num">
+                                      <p:cBhvr>
+                                        <p:cTn id="23" dur="1000" fill="hold"/>
+                                        <p:tgtEl>
+                                          <p:spTgt spid="68">
+                                            <p:txEl>
+                                              <p:pRg st="2" end="2"/>
+                                            </p:txEl>
+                                          </p:spTgt>
+                                        </p:tgtEl>
+                                        <p:attrNameLst>
+                                          <p:attrName>ppt_y</p:attrName>
+                                        </p:attrNameLst>
+                                      </p:cBhvr>
+                                      <p:tavLst>
+                                        <p:tav tm="0">
+                                          <p:val>
+                                            <p:strVal val="#ppt_y+.1"/>
+                                          </p:val>
+                                        </p:tav>
+                                        <p:tav tm="100000">
+                                          <p:val>
+                                            <p:strVal val="#ppt_y"/>
+                                          </p:val>
+                                        </p:tav>
+                                      </p:tavLst>
+                                    </p:anim>
+                                  </p:childTnLst>
+                                </p:cTn>
+                              </p:par>
+                            </p:childTnLst>
+                          </p:cTn>
+                        </p:par>
+                      </p:childTnLst>
+                    </p:cTn>
+                  </p:par>
+                  <p:par>
+                    <p:cTn id="24" fill="hold">
+                      <p:stCondLst>
+                        <p:cond delay="indefinite"/>
+                      </p:stCondLst>
+                      <p:childTnLst>
+                        <p:par>
+                          <p:cTn id="25" fill="hold">
+                            <p:stCondLst>
+                              <p:cond delay="0"/>
+                            </p:stCondLst>
+                            <p:childTnLst>
+                              <p:par>
+                                <p:cTn id="26" presetID="42" presetClass="entr" presetSubtype="0" fill="hold" nodeType="clickEffect">
+                                  <p:stCondLst>
+                                    <p:cond delay="0"/>
+                                  </p:stCondLst>
+                                  <p:childTnLst>
+                                    <p:set>
+                                      <p:cBhvr>
+                                        <p:cTn id="27" dur="1" fill="hold">
+                                          <p:stCondLst>
+                                            <p:cond delay="0"/>
+                                          </p:stCondLst>
+                                        </p:cTn>
+                                        <p:tgtEl>
+                                          <p:spTgt spid="68">
+                                            <p:txEl>
+                                              <p:pRg st="3" end="3"/>
+                                            </p:txEl>
+                                          </p:spTgt>
+                                        </p:tgtEl>
+                                        <p:attrNameLst>
+                                          <p:attrName>style.visibility</p:attrName>
+                                        </p:attrNameLst>
+                                      </p:cBhvr>
+                                      <p:to>
+                                        <p:strVal val="visible"/>
+                                      </p:to>
+                                    </p:set>
+                                    <p:animEffect transition="in" filter="fade">
+                                      <p:cBhvr>
+                                        <p:cTn id="28" dur="1000"/>
+                                        <p:tgtEl>
+                                          <p:spTgt spid="68">
+                                            <p:txEl>
+                                              <p:pRg st="3" end="3"/>
+                                            </p:txEl>
+                                          </p:spTgt>
+                                        </p:tgtEl>
+                                      </p:cBhvr>
+                                    </p:animEffect>
+                                    <p:anim calcmode="lin" valueType="num">
+                                      <p:cBhvr>
+                                        <p:cTn id="29" dur="1000" fill="hold"/>
+                                        <p:tgtEl>
+                                          <p:spTgt spid="68">
+                                            <p:txEl>
+                                              <p:pRg st="3" end="3"/>
+                                            </p:txEl>
+                                          </p:spTgt>
+                                        </p:tgtEl>
+                                        <p:attrNameLst>
+                                          <p:attrName>ppt_x</p:attrName>
+                                        </p:attrNameLst>
+                                      </p:cBhvr>
+                                      <p:tavLst>
+                                        <p:tav tm="0">
+                                          <p:val>
+                                            <p:strVal val="#ppt_x"/>
+                                          </p:val>
+                                        </p:tav>
+                                        <p:tav tm="100000">
+                                          <p:val>
+                                            <p:strVal val="#ppt_x"/>
+                                          </p:val>
+                                        </p:tav>
+                                      </p:tavLst>
+                                    </p:anim>
+                                    <p:anim calcmode="lin" valueType="num">
+                                      <p:cBhvr>
+                                        <p:cTn id="30" dur="1000" fill="hold"/>
+                                        <p:tgtEl>
+                                          <p:spTgt spid="68">
+                                            <p:txEl>
+                                              <p:pRg st="3" end="3"/>
+                                            </p:txEl>
+                                          </p:spTgt>
+                                        </p:tgtEl>
+                                        <p:attrNameLst>
+                                          <p:attrName>ppt_y</p:attrName>
+                                        </p:attrNameLst>
+                                      </p:cBhvr>
+                                      <p:tavLst>
+                                        <p:tav tm="0">
+                                          <p:val>
+                                            <p:strVal val="#ppt_y+.1"/>
+                                          </p:val>
+                                        </p:tav>
+                                        <p:tav tm="100000">
+                                          <p:val>
+                                            <p:strVal val="#ppt_y"/>
+                                          </p:val>
+                                        </p:tav>
+                                      </p:tavLst>
+                                    </p:anim>
+                                  </p:childTnLst>
+                                </p:cTn>
+                              </p:par>
+                            </p:childTnLst>
+                          </p:cTn>
+                        </p:par>
+                      </p:childTnLst>
+                    </p:cTn>
+                  </p:par>
+                </p:childTnLst>
+              </p:cTn>
+              <p:prevCondLst>
+                <p:cond evt="onPrev" delay="0">
+                  <p:tgtEl>
+                    <p:sldTgt/>
+                  </p:tgtEl>
+                </p:cond>
+              </p:prevCondLst>
+              <p:nextCondLst>
+                <p:cond evt="onNext" delay="0">
+                  <p:tgtEl>
+                    <p:sldTgt/>
+                  </p:tgtEl>
+                </p:cond>
+              </p:nextCondLst>
+            </p:seq>
+          </p:childTnLst>
+        </p:cTn>
       </p:par>
     </p:tnLst>
   </p:timing>
@@ -7975,7 +8662,375 @@
   <p:timing>
     <p:tnLst>
       <p:par>
-        <p:cTn id="1" dur="indefinite" restart="never" nodeType="tmRoot"/>
+        <p:cTn id="1" dur="indefinite" restart="never" nodeType="tmRoot">
+          <p:childTnLst>
+            <p:seq concurrent="1" nextAc="seek">
+              <p:cTn id="2" dur="indefinite" nodeType="mainSeq">
+                <p:childTnLst>
+                  <p:par>
+                    <p:cTn id="3" fill="hold">
+                      <p:stCondLst>
+                        <p:cond delay="indefinite"/>
+                      </p:stCondLst>
+                      <p:childTnLst>
+                        <p:par>
+                          <p:cTn id="4" fill="hold">
+                            <p:stCondLst>
+                              <p:cond delay="0"/>
+                            </p:stCondLst>
+                            <p:childTnLst>
+                              <p:par>
+                                <p:cTn id="5" presetID="42" presetClass="entr" presetSubtype="0" fill="hold" nodeType="clickEffect">
+                                  <p:stCondLst>
+                                    <p:cond delay="0"/>
+                                  </p:stCondLst>
+                                  <p:childTnLst>
+                                    <p:set>
+                                      <p:cBhvr>
+                                        <p:cTn id="6" dur="1" fill="hold">
+                                          <p:stCondLst>
+                                            <p:cond delay="0"/>
+                                          </p:stCondLst>
+                                        </p:cTn>
+                                        <p:tgtEl>
+                                          <p:spTgt spid="68">
+                                            <p:txEl>
+                                              <p:pRg st="0" end="0"/>
+                                            </p:txEl>
+                                          </p:spTgt>
+                                        </p:tgtEl>
+                                        <p:attrNameLst>
+                                          <p:attrName>style.visibility</p:attrName>
+                                        </p:attrNameLst>
+                                      </p:cBhvr>
+                                      <p:to>
+                                        <p:strVal val="visible"/>
+                                      </p:to>
+                                    </p:set>
+                                    <p:animEffect transition="in" filter="fade">
+                                      <p:cBhvr>
+                                        <p:cTn id="7" dur="1000"/>
+                                        <p:tgtEl>
+                                          <p:spTgt spid="68">
+                                            <p:txEl>
+                                              <p:pRg st="0" end="0"/>
+                                            </p:txEl>
+                                          </p:spTgt>
+                                        </p:tgtEl>
+                                      </p:cBhvr>
+                                    </p:animEffect>
+                                    <p:anim calcmode="lin" valueType="num">
+                                      <p:cBhvr>
+                                        <p:cTn id="8" dur="1000" fill="hold"/>
+                                        <p:tgtEl>
+                                          <p:spTgt spid="68">
+                                            <p:txEl>
+                                              <p:pRg st="0" end="0"/>
+                                            </p:txEl>
+                                          </p:spTgt>
+                                        </p:tgtEl>
+                                        <p:attrNameLst>
+                                          <p:attrName>ppt_x</p:attrName>
+                                        </p:attrNameLst>
+                                      </p:cBhvr>
+                                      <p:tavLst>
+                                        <p:tav tm="0">
+                                          <p:val>
+                                            <p:strVal val="#ppt_x"/>
+                                          </p:val>
+                                        </p:tav>
+                                        <p:tav tm="100000">
+                                          <p:val>
+                                            <p:strVal val="#ppt_x"/>
+                                          </p:val>
+                                        </p:tav>
+                                      </p:tavLst>
+                                    </p:anim>
+                                    <p:anim calcmode="lin" valueType="num">
+                                      <p:cBhvr>
+                                        <p:cTn id="9" dur="1000" fill="hold"/>
+                                        <p:tgtEl>
+                                          <p:spTgt spid="68">
+                                            <p:txEl>
+                                              <p:pRg st="0" end="0"/>
+                                            </p:txEl>
+                                          </p:spTgt>
+                                        </p:tgtEl>
+                                        <p:attrNameLst>
+                                          <p:attrName>ppt_y</p:attrName>
+                                        </p:attrNameLst>
+                                      </p:cBhvr>
+                                      <p:tavLst>
+                                        <p:tav tm="0">
+                                          <p:val>
+                                            <p:strVal val="#ppt_y+.1"/>
+                                          </p:val>
+                                        </p:tav>
+                                        <p:tav tm="100000">
+                                          <p:val>
+                                            <p:strVal val="#ppt_y"/>
+                                          </p:val>
+                                        </p:tav>
+                                      </p:tavLst>
+                                    </p:anim>
+                                  </p:childTnLst>
+                                </p:cTn>
+                              </p:par>
+                            </p:childTnLst>
+                          </p:cTn>
+                        </p:par>
+                      </p:childTnLst>
+                    </p:cTn>
+                  </p:par>
+                  <p:par>
+                    <p:cTn id="10" fill="hold">
+                      <p:stCondLst>
+                        <p:cond delay="indefinite"/>
+                      </p:stCondLst>
+                      <p:childTnLst>
+                        <p:par>
+                          <p:cTn id="11" fill="hold">
+                            <p:stCondLst>
+                              <p:cond delay="0"/>
+                            </p:stCondLst>
+                            <p:childTnLst>
+                              <p:par>
+                                <p:cTn id="12" presetID="42" presetClass="entr" presetSubtype="0" fill="hold" nodeType="clickEffect">
+                                  <p:stCondLst>
+                                    <p:cond delay="0"/>
+                                  </p:stCondLst>
+                                  <p:childTnLst>
+                                    <p:set>
+                                      <p:cBhvr>
+                                        <p:cTn id="13" dur="1" fill="hold">
+                                          <p:stCondLst>
+                                            <p:cond delay="0"/>
+                                          </p:stCondLst>
+                                        </p:cTn>
+                                        <p:tgtEl>
+                                          <p:spTgt spid="68">
+                                            <p:txEl>
+                                              <p:pRg st="1" end="1"/>
+                                            </p:txEl>
+                                          </p:spTgt>
+                                        </p:tgtEl>
+                                        <p:attrNameLst>
+                                          <p:attrName>style.visibility</p:attrName>
+                                        </p:attrNameLst>
+                                      </p:cBhvr>
+                                      <p:to>
+                                        <p:strVal val="visible"/>
+                                      </p:to>
+                                    </p:set>
+                                    <p:animEffect transition="in" filter="fade">
+                                      <p:cBhvr>
+                                        <p:cTn id="14" dur="1000"/>
+                                        <p:tgtEl>
+                                          <p:spTgt spid="68">
+                                            <p:txEl>
+                                              <p:pRg st="1" end="1"/>
+                                            </p:txEl>
+                                          </p:spTgt>
+                                        </p:tgtEl>
+                                      </p:cBhvr>
+                                    </p:animEffect>
+                                    <p:anim calcmode="lin" valueType="num">
+                                      <p:cBhvr>
+                                        <p:cTn id="15" dur="1000" fill="hold"/>
+                                        <p:tgtEl>
+                                          <p:spTgt spid="68">
+                                            <p:txEl>
+                                              <p:pRg st="1" end="1"/>
+                                            </p:txEl>
+                                          </p:spTgt>
+                                        </p:tgtEl>
+                                        <p:attrNameLst>
+                                          <p:attrName>ppt_x</p:attrName>
+                                        </p:attrNameLst>
+                                      </p:cBhvr>
+                                      <p:tavLst>
+                                        <p:tav tm="0">
+                                          <p:val>
+                                            <p:strVal val="#ppt_x"/>
+                                          </p:val>
+                                        </p:tav>
+                                        <p:tav tm="100000">
+                                          <p:val>
+                                            <p:strVal val="#ppt_x"/>
+                                          </p:val>
+                                        </p:tav>
+                                      </p:tavLst>
+                                    </p:anim>
+                                    <p:anim calcmode="lin" valueType="num">
+                                      <p:cBhvr>
+                                        <p:cTn id="16" dur="1000" fill="hold"/>
+                                        <p:tgtEl>
+                                          <p:spTgt spid="68">
+                                            <p:txEl>
+                                              <p:pRg st="1" end="1"/>
+                                            </p:txEl>
+                                          </p:spTgt>
+                                        </p:tgtEl>
+                                        <p:attrNameLst>
+                                          <p:attrName>ppt_y</p:attrName>
+                                        </p:attrNameLst>
+                                      </p:cBhvr>
+                                      <p:tavLst>
+                                        <p:tav tm="0">
+                                          <p:val>
+                                            <p:strVal val="#ppt_y+.1"/>
+                                          </p:val>
+                                        </p:tav>
+                                        <p:tav tm="100000">
+                                          <p:val>
+                                            <p:strVal val="#ppt_y"/>
+                                          </p:val>
+                                        </p:tav>
+                                      </p:tavLst>
+                                    </p:anim>
+                                  </p:childTnLst>
+                                </p:cTn>
+                              </p:par>
+                            </p:childTnLst>
+                          </p:cTn>
+                        </p:par>
+                      </p:childTnLst>
+                    </p:cTn>
+                  </p:par>
+                  <p:par>
+                    <p:cTn id="17" fill="hold">
+                      <p:stCondLst>
+                        <p:cond delay="indefinite"/>
+                      </p:stCondLst>
+                      <p:childTnLst>
+                        <p:par>
+                          <p:cTn id="18" fill="hold">
+                            <p:stCondLst>
+                              <p:cond delay="0"/>
+                            </p:stCondLst>
+                            <p:childTnLst>
+                              <p:par>
+                                <p:cTn id="19" presetID="42" presetClass="entr" presetSubtype="0" fill="hold" nodeType="clickEffect">
+                                  <p:stCondLst>
+                                    <p:cond delay="0"/>
+                                  </p:stCondLst>
+                                  <p:childTnLst>
+                                    <p:set>
+                                      <p:cBhvr>
+                                        <p:cTn id="20" dur="1" fill="hold">
+                                          <p:stCondLst>
+                                            <p:cond delay="0"/>
+                                          </p:stCondLst>
+                                        </p:cTn>
+                                        <p:tgtEl>
+                                          <p:spTgt spid="68">
+                                            <p:txEl>
+                                              <p:pRg st="2" end="2"/>
+                                            </p:txEl>
+                                          </p:spTgt>
+                                        </p:tgtEl>
+                                        <p:attrNameLst>
+                                          <p:attrName>style.visibility</p:attrName>
+                                        </p:attrNameLst>
+                                      </p:cBhvr>
+                                      <p:to>
+                                        <p:strVal val="visible"/>
+                                      </p:to>
+                                    </p:set>
+                                    <p:animEffect transition="in" filter="fade">
+                                      <p:cBhvr>
+                                        <p:cTn id="21" dur="1000"/>
+                                        <p:tgtEl>
+                                          <p:spTgt spid="68">
+                                            <p:txEl>
+                                              <p:pRg st="2" end="2"/>
+                                            </p:txEl>
+                                          </p:spTgt>
+                                        </p:tgtEl>
+                                      </p:cBhvr>
+                                    </p:animEffect>
+                                    <p:anim calcmode="lin" valueType="num">
+                                      <p:cBhvr>
+                                        <p:cTn id="22" dur="1000" fill="hold"/>
+                                        <p:tgtEl>
+                                          <p:spTgt spid="68">
+                                            <p:txEl>
+                                              <p:pRg st="2" end="2"/>
+                                            </p:txEl>
+                                          </p:spTgt>
+                                        </p:tgtEl>
+                                        <p:attrNameLst>
+                                          <p:attrName>ppt_x</p:attrName>
+                                        </p:attrNameLst>
+                                      </p:cBhvr>
+                                      <p:tavLst>
+                                        <p:tav tm="0">
+                                          <p:val>
+                                            <p:strVal val="#ppt_x"/>
+                                          </p:val>
+                                        </p:tav>
+                                        <p:tav tm="100000">
+                                          <p:val>
+                                            <p:strVal val="#ppt_x"/>
+                                          </p:val>
+                                        </p:tav>
+                                      </p:tavLst>
+                                    </p:anim>
+                                    <p:anim calcmode="lin" valueType="num">
+                                      <p:cBhvr>
+                                        <p:cTn id="23" dur="1000" fill="hold"/>
+                                        <p:tgtEl>
+                                          <p:spTgt spid="68">
+                                            <p:txEl>
+                                              <p:pRg st="2" end="2"/>
+                                            </p:txEl>
+                                          </p:spTgt>
+                                        </p:tgtEl>
+                                        <p:attrNameLst>
+                                          <p:attrName>ppt_y</p:attrName>
+                                        </p:attrNameLst>
+                                      </p:cBhvr>
+                                      <p:tavLst>
+                                        <p:tav tm="0">
+                                          <p:val>
+                                            <p:strVal val="#ppt_y+.1"/>
+                                          </p:val>
+                                        </p:tav>
+                                        <p:tav tm="100000">
+                                          <p:val>
+                                            <p:strVal val="#ppt_y"/>
+                                          </p:val>
+                                        </p:tav>
+                                      </p:tavLst>
+                                    </p:anim>
+                                  </p:childTnLst>
+                                </p:cTn>
+                              </p:par>
+                            </p:childTnLst>
+                          </p:cTn>
+                        </p:par>
+                      </p:childTnLst>
+                    </p:cTn>
+                  </p:par>
+                </p:childTnLst>
+              </p:cTn>
+              <p:prevCondLst>
+                <p:cond evt="onPrev" delay="0">
+                  <p:tgtEl>
+                    <p:sldTgt/>
+                  </p:tgtEl>
+                </p:cond>
+              </p:prevCondLst>
+              <p:nextCondLst>
+                <p:cond evt="onNext" delay="0">
+                  <p:tgtEl>
+                    <p:sldTgt/>
+                  </p:tgtEl>
+                </p:cond>
+              </p:nextCondLst>
+            </p:seq>
+          </p:childTnLst>
+        </p:cTn>
       </p:par>
     </p:tnLst>
   </p:timing>
@@ -10206,7 +11261,7 @@
                 <a:latin typeface="微軟正黑體" panose="020B0604030504040204" pitchFamily="34" charset="-120"/>
                 <a:ea typeface="微軟正黑體" panose="020B0604030504040204" pitchFamily="34" charset="-120"/>
               </a:rPr>
-              <a:t>成功事蹟</a:t>
+              <a:t>成功故事</a:t>
             </a:r>
             <a:endParaRPr lang="en-US" altLang="zh-TW" sz="2400" b="1" dirty="0" smtClean="0">
               <a:solidFill>
@@ -10332,7 +11387,545 @@
   <p:timing>
     <p:tnLst>
       <p:par>
-        <p:cTn id="1" dur="indefinite" restart="never" nodeType="tmRoot"/>
+        <p:cTn id="1" dur="indefinite" restart="never" nodeType="tmRoot">
+          <p:childTnLst>
+            <p:seq concurrent="1" nextAc="seek">
+              <p:cTn id="2" dur="indefinite" nodeType="mainSeq">
+                <p:childTnLst>
+                  <p:par>
+                    <p:cTn id="3" fill="hold">
+                      <p:stCondLst>
+                        <p:cond delay="indefinite"/>
+                      </p:stCondLst>
+                      <p:childTnLst>
+                        <p:par>
+                          <p:cTn id="4" fill="hold">
+                            <p:stCondLst>
+                              <p:cond delay="0"/>
+                            </p:stCondLst>
+                            <p:childTnLst>
+                              <p:par>
+                                <p:cTn id="5" presetID="2" presetClass="entr" presetSubtype="4" fill="hold" nodeType="clickEffect">
+                                  <p:stCondLst>
+                                    <p:cond delay="0"/>
+                                  </p:stCondLst>
+                                  <p:childTnLst>
+                                    <p:set>
+                                      <p:cBhvr>
+                                        <p:cTn id="6" dur="1" fill="hold">
+                                          <p:stCondLst>
+                                            <p:cond delay="0"/>
+                                          </p:stCondLst>
+                                        </p:cTn>
+                                        <p:tgtEl>
+                                          <p:spTgt spid="68">
+                                            <p:txEl>
+                                              <p:pRg st="0" end="0"/>
+                                            </p:txEl>
+                                          </p:spTgt>
+                                        </p:tgtEl>
+                                        <p:attrNameLst>
+                                          <p:attrName>style.visibility</p:attrName>
+                                        </p:attrNameLst>
+                                      </p:cBhvr>
+                                      <p:to>
+                                        <p:strVal val="visible"/>
+                                      </p:to>
+                                    </p:set>
+                                    <p:anim calcmode="lin" valueType="num">
+                                      <p:cBhvr additive="base">
+                                        <p:cTn id="7" dur="500" fill="hold"/>
+                                        <p:tgtEl>
+                                          <p:spTgt spid="68">
+                                            <p:txEl>
+                                              <p:pRg st="0" end="0"/>
+                                            </p:txEl>
+                                          </p:spTgt>
+                                        </p:tgtEl>
+                                        <p:attrNameLst>
+                                          <p:attrName>ppt_x</p:attrName>
+                                        </p:attrNameLst>
+                                      </p:cBhvr>
+                                      <p:tavLst>
+                                        <p:tav tm="0">
+                                          <p:val>
+                                            <p:strVal val="#ppt_x"/>
+                                          </p:val>
+                                        </p:tav>
+                                        <p:tav tm="100000">
+                                          <p:val>
+                                            <p:strVal val="#ppt_x"/>
+                                          </p:val>
+                                        </p:tav>
+                                      </p:tavLst>
+                                    </p:anim>
+                                    <p:anim calcmode="lin" valueType="num">
+                                      <p:cBhvr additive="base">
+                                        <p:cTn id="8" dur="500" fill="hold"/>
+                                        <p:tgtEl>
+                                          <p:spTgt spid="68">
+                                            <p:txEl>
+                                              <p:pRg st="0" end="0"/>
+                                            </p:txEl>
+                                          </p:spTgt>
+                                        </p:tgtEl>
+                                        <p:attrNameLst>
+                                          <p:attrName>ppt_y</p:attrName>
+                                        </p:attrNameLst>
+                                      </p:cBhvr>
+                                      <p:tavLst>
+                                        <p:tav tm="0">
+                                          <p:val>
+                                            <p:strVal val="1+#ppt_h/2"/>
+                                          </p:val>
+                                        </p:tav>
+                                        <p:tav tm="100000">
+                                          <p:val>
+                                            <p:strVal val="#ppt_y"/>
+                                          </p:val>
+                                        </p:tav>
+                                      </p:tavLst>
+                                    </p:anim>
+                                  </p:childTnLst>
+                                </p:cTn>
+                              </p:par>
+                            </p:childTnLst>
+                          </p:cTn>
+                        </p:par>
+                      </p:childTnLst>
+                    </p:cTn>
+                  </p:par>
+                  <p:par>
+                    <p:cTn id="9" fill="hold">
+                      <p:stCondLst>
+                        <p:cond delay="indefinite"/>
+                      </p:stCondLst>
+                      <p:childTnLst>
+                        <p:par>
+                          <p:cTn id="10" fill="hold">
+                            <p:stCondLst>
+                              <p:cond delay="0"/>
+                            </p:stCondLst>
+                            <p:childTnLst>
+                              <p:par>
+                                <p:cTn id="11" presetID="2" presetClass="entr" presetSubtype="4" fill="hold" nodeType="clickEffect">
+                                  <p:stCondLst>
+                                    <p:cond delay="0"/>
+                                  </p:stCondLst>
+                                  <p:childTnLst>
+                                    <p:set>
+                                      <p:cBhvr>
+                                        <p:cTn id="12" dur="1" fill="hold">
+                                          <p:stCondLst>
+                                            <p:cond delay="0"/>
+                                          </p:stCondLst>
+                                        </p:cTn>
+                                        <p:tgtEl>
+                                          <p:spTgt spid="68">
+                                            <p:txEl>
+                                              <p:pRg st="1" end="1"/>
+                                            </p:txEl>
+                                          </p:spTgt>
+                                        </p:tgtEl>
+                                        <p:attrNameLst>
+                                          <p:attrName>style.visibility</p:attrName>
+                                        </p:attrNameLst>
+                                      </p:cBhvr>
+                                      <p:to>
+                                        <p:strVal val="visible"/>
+                                      </p:to>
+                                    </p:set>
+                                    <p:anim calcmode="lin" valueType="num">
+                                      <p:cBhvr additive="base">
+                                        <p:cTn id="13" dur="500" fill="hold"/>
+                                        <p:tgtEl>
+                                          <p:spTgt spid="68">
+                                            <p:txEl>
+                                              <p:pRg st="1" end="1"/>
+                                            </p:txEl>
+                                          </p:spTgt>
+                                        </p:tgtEl>
+                                        <p:attrNameLst>
+                                          <p:attrName>ppt_x</p:attrName>
+                                        </p:attrNameLst>
+                                      </p:cBhvr>
+                                      <p:tavLst>
+                                        <p:tav tm="0">
+                                          <p:val>
+                                            <p:strVal val="#ppt_x"/>
+                                          </p:val>
+                                        </p:tav>
+                                        <p:tav tm="100000">
+                                          <p:val>
+                                            <p:strVal val="#ppt_x"/>
+                                          </p:val>
+                                        </p:tav>
+                                      </p:tavLst>
+                                    </p:anim>
+                                    <p:anim calcmode="lin" valueType="num">
+                                      <p:cBhvr additive="base">
+                                        <p:cTn id="14" dur="500" fill="hold"/>
+                                        <p:tgtEl>
+                                          <p:spTgt spid="68">
+                                            <p:txEl>
+                                              <p:pRg st="1" end="1"/>
+                                            </p:txEl>
+                                          </p:spTgt>
+                                        </p:tgtEl>
+                                        <p:attrNameLst>
+                                          <p:attrName>ppt_y</p:attrName>
+                                        </p:attrNameLst>
+                                      </p:cBhvr>
+                                      <p:tavLst>
+                                        <p:tav tm="0">
+                                          <p:val>
+                                            <p:strVal val="1+#ppt_h/2"/>
+                                          </p:val>
+                                        </p:tav>
+                                        <p:tav tm="100000">
+                                          <p:val>
+                                            <p:strVal val="#ppt_y"/>
+                                          </p:val>
+                                        </p:tav>
+                                      </p:tavLst>
+                                    </p:anim>
+                                  </p:childTnLst>
+                                </p:cTn>
+                              </p:par>
+                            </p:childTnLst>
+                          </p:cTn>
+                        </p:par>
+                      </p:childTnLst>
+                    </p:cTn>
+                  </p:par>
+                  <p:par>
+                    <p:cTn id="15" fill="hold">
+                      <p:stCondLst>
+                        <p:cond delay="indefinite"/>
+                      </p:stCondLst>
+                      <p:childTnLst>
+                        <p:par>
+                          <p:cTn id="16" fill="hold">
+                            <p:stCondLst>
+                              <p:cond delay="0"/>
+                            </p:stCondLst>
+                            <p:childTnLst>
+                              <p:par>
+                                <p:cTn id="17" presetID="2" presetClass="entr" presetSubtype="4" fill="hold" nodeType="clickEffect">
+                                  <p:stCondLst>
+                                    <p:cond delay="0"/>
+                                  </p:stCondLst>
+                                  <p:childTnLst>
+                                    <p:set>
+                                      <p:cBhvr>
+                                        <p:cTn id="18" dur="1" fill="hold">
+                                          <p:stCondLst>
+                                            <p:cond delay="0"/>
+                                          </p:stCondLst>
+                                        </p:cTn>
+                                        <p:tgtEl>
+                                          <p:spTgt spid="68">
+                                            <p:txEl>
+                                              <p:pRg st="2" end="2"/>
+                                            </p:txEl>
+                                          </p:spTgt>
+                                        </p:tgtEl>
+                                        <p:attrNameLst>
+                                          <p:attrName>style.visibility</p:attrName>
+                                        </p:attrNameLst>
+                                      </p:cBhvr>
+                                      <p:to>
+                                        <p:strVal val="visible"/>
+                                      </p:to>
+                                    </p:set>
+                                    <p:anim calcmode="lin" valueType="num">
+                                      <p:cBhvr additive="base">
+                                        <p:cTn id="19" dur="500" fill="hold"/>
+                                        <p:tgtEl>
+                                          <p:spTgt spid="68">
+                                            <p:txEl>
+                                              <p:pRg st="2" end="2"/>
+                                            </p:txEl>
+                                          </p:spTgt>
+                                        </p:tgtEl>
+                                        <p:attrNameLst>
+                                          <p:attrName>ppt_x</p:attrName>
+                                        </p:attrNameLst>
+                                      </p:cBhvr>
+                                      <p:tavLst>
+                                        <p:tav tm="0">
+                                          <p:val>
+                                            <p:strVal val="#ppt_x"/>
+                                          </p:val>
+                                        </p:tav>
+                                        <p:tav tm="100000">
+                                          <p:val>
+                                            <p:strVal val="#ppt_x"/>
+                                          </p:val>
+                                        </p:tav>
+                                      </p:tavLst>
+                                    </p:anim>
+                                    <p:anim calcmode="lin" valueType="num">
+                                      <p:cBhvr additive="base">
+                                        <p:cTn id="20" dur="500" fill="hold"/>
+                                        <p:tgtEl>
+                                          <p:spTgt spid="68">
+                                            <p:txEl>
+                                              <p:pRg st="2" end="2"/>
+                                            </p:txEl>
+                                          </p:spTgt>
+                                        </p:tgtEl>
+                                        <p:attrNameLst>
+                                          <p:attrName>ppt_y</p:attrName>
+                                        </p:attrNameLst>
+                                      </p:cBhvr>
+                                      <p:tavLst>
+                                        <p:tav tm="0">
+                                          <p:val>
+                                            <p:strVal val="1+#ppt_h/2"/>
+                                          </p:val>
+                                        </p:tav>
+                                        <p:tav tm="100000">
+                                          <p:val>
+                                            <p:strVal val="#ppt_y"/>
+                                          </p:val>
+                                        </p:tav>
+                                      </p:tavLst>
+                                    </p:anim>
+                                  </p:childTnLst>
+                                </p:cTn>
+                              </p:par>
+                            </p:childTnLst>
+                          </p:cTn>
+                        </p:par>
+                      </p:childTnLst>
+                    </p:cTn>
+                  </p:par>
+                  <p:par>
+                    <p:cTn id="21" fill="hold">
+                      <p:stCondLst>
+                        <p:cond delay="indefinite"/>
+                      </p:stCondLst>
+                      <p:childTnLst>
+                        <p:par>
+                          <p:cTn id="22" fill="hold">
+                            <p:stCondLst>
+                              <p:cond delay="0"/>
+                            </p:stCondLst>
+                            <p:childTnLst>
+                              <p:par>
+                                <p:cTn id="23" presetID="2" presetClass="entr" presetSubtype="4" fill="hold" nodeType="clickEffect">
+                                  <p:stCondLst>
+                                    <p:cond delay="0"/>
+                                  </p:stCondLst>
+                                  <p:childTnLst>
+                                    <p:set>
+                                      <p:cBhvr>
+                                        <p:cTn id="24" dur="1" fill="hold">
+                                          <p:stCondLst>
+                                            <p:cond delay="0"/>
+                                          </p:stCondLst>
+                                        </p:cTn>
+                                        <p:tgtEl>
+                                          <p:spTgt spid="68">
+                                            <p:txEl>
+                                              <p:pRg st="3" end="3"/>
+                                            </p:txEl>
+                                          </p:spTgt>
+                                        </p:tgtEl>
+                                        <p:attrNameLst>
+                                          <p:attrName>style.visibility</p:attrName>
+                                        </p:attrNameLst>
+                                      </p:cBhvr>
+                                      <p:to>
+                                        <p:strVal val="visible"/>
+                                      </p:to>
+                                    </p:set>
+                                    <p:anim calcmode="lin" valueType="num">
+                                      <p:cBhvr additive="base">
+                                        <p:cTn id="25" dur="500" fill="hold"/>
+                                        <p:tgtEl>
+                                          <p:spTgt spid="68">
+                                            <p:txEl>
+                                              <p:pRg st="3" end="3"/>
+                                            </p:txEl>
+                                          </p:spTgt>
+                                        </p:tgtEl>
+                                        <p:attrNameLst>
+                                          <p:attrName>ppt_x</p:attrName>
+                                        </p:attrNameLst>
+                                      </p:cBhvr>
+                                      <p:tavLst>
+                                        <p:tav tm="0">
+                                          <p:val>
+                                            <p:strVal val="#ppt_x"/>
+                                          </p:val>
+                                        </p:tav>
+                                        <p:tav tm="100000">
+                                          <p:val>
+                                            <p:strVal val="#ppt_x"/>
+                                          </p:val>
+                                        </p:tav>
+                                      </p:tavLst>
+                                    </p:anim>
+                                    <p:anim calcmode="lin" valueType="num">
+                                      <p:cBhvr additive="base">
+                                        <p:cTn id="26" dur="500" fill="hold"/>
+                                        <p:tgtEl>
+                                          <p:spTgt spid="68">
+                                            <p:txEl>
+                                              <p:pRg st="3" end="3"/>
+                                            </p:txEl>
+                                          </p:spTgt>
+                                        </p:tgtEl>
+                                        <p:attrNameLst>
+                                          <p:attrName>ppt_y</p:attrName>
+                                        </p:attrNameLst>
+                                      </p:cBhvr>
+                                      <p:tavLst>
+                                        <p:tav tm="0">
+                                          <p:val>
+                                            <p:strVal val="1+#ppt_h/2"/>
+                                          </p:val>
+                                        </p:tav>
+                                        <p:tav tm="100000">
+                                          <p:val>
+                                            <p:strVal val="#ppt_y"/>
+                                          </p:val>
+                                        </p:tav>
+                                      </p:tavLst>
+                                    </p:anim>
+                                  </p:childTnLst>
+                                </p:cTn>
+                              </p:par>
+                            </p:childTnLst>
+                          </p:cTn>
+                        </p:par>
+                      </p:childTnLst>
+                    </p:cTn>
+                  </p:par>
+                  <p:par>
+                    <p:cTn id="27" fill="hold">
+                      <p:stCondLst>
+                        <p:cond delay="indefinite"/>
+                      </p:stCondLst>
+                      <p:childTnLst>
+                        <p:par>
+                          <p:cTn id="28" fill="hold">
+                            <p:stCondLst>
+                              <p:cond delay="0"/>
+                            </p:stCondLst>
+                            <p:childTnLst>
+                              <p:par>
+                                <p:cTn id="29" presetID="2" presetClass="entr" presetSubtype="4" fill="hold" nodeType="clickEffect">
+                                  <p:stCondLst>
+                                    <p:cond delay="0"/>
+                                  </p:stCondLst>
+                                  <p:childTnLst>
+                                    <p:set>
+                                      <p:cBhvr>
+                                        <p:cTn id="30" dur="1" fill="hold">
+                                          <p:stCondLst>
+                                            <p:cond delay="0"/>
+                                          </p:stCondLst>
+                                        </p:cTn>
+                                        <p:tgtEl>
+                                          <p:spTgt spid="68">
+                                            <p:txEl>
+                                              <p:pRg st="4" end="4"/>
+                                            </p:txEl>
+                                          </p:spTgt>
+                                        </p:tgtEl>
+                                        <p:attrNameLst>
+                                          <p:attrName>style.visibility</p:attrName>
+                                        </p:attrNameLst>
+                                      </p:cBhvr>
+                                      <p:to>
+                                        <p:strVal val="visible"/>
+                                      </p:to>
+                                    </p:set>
+                                    <p:anim calcmode="lin" valueType="num">
+                                      <p:cBhvr additive="base">
+                                        <p:cTn id="31" dur="500" fill="hold"/>
+                                        <p:tgtEl>
+                                          <p:spTgt spid="68">
+                                            <p:txEl>
+                                              <p:pRg st="4" end="4"/>
+                                            </p:txEl>
+                                          </p:spTgt>
+                                        </p:tgtEl>
+                                        <p:attrNameLst>
+                                          <p:attrName>ppt_x</p:attrName>
+                                        </p:attrNameLst>
+                                      </p:cBhvr>
+                                      <p:tavLst>
+                                        <p:tav tm="0">
+                                          <p:val>
+                                            <p:strVal val="#ppt_x"/>
+                                          </p:val>
+                                        </p:tav>
+                                        <p:tav tm="100000">
+                                          <p:val>
+                                            <p:strVal val="#ppt_x"/>
+                                          </p:val>
+                                        </p:tav>
+                                      </p:tavLst>
+                                    </p:anim>
+                                    <p:anim calcmode="lin" valueType="num">
+                                      <p:cBhvr additive="base">
+                                        <p:cTn id="32" dur="500" fill="hold"/>
+                                        <p:tgtEl>
+                                          <p:spTgt spid="68">
+                                            <p:txEl>
+                                              <p:pRg st="4" end="4"/>
+                                            </p:txEl>
+                                          </p:spTgt>
+                                        </p:tgtEl>
+                                        <p:attrNameLst>
+                                          <p:attrName>ppt_y</p:attrName>
+                                        </p:attrNameLst>
+                                      </p:cBhvr>
+                                      <p:tavLst>
+                                        <p:tav tm="0">
+                                          <p:val>
+                                            <p:strVal val="1+#ppt_h/2"/>
+                                          </p:val>
+                                        </p:tav>
+                                        <p:tav tm="100000">
+                                          <p:val>
+                                            <p:strVal val="#ppt_y"/>
+                                          </p:val>
+                                        </p:tav>
+                                      </p:tavLst>
+                                    </p:anim>
+                                  </p:childTnLst>
+                                </p:cTn>
+                              </p:par>
+                            </p:childTnLst>
+                          </p:cTn>
+                        </p:par>
+                      </p:childTnLst>
+                    </p:cTn>
+                  </p:par>
+                </p:childTnLst>
+              </p:cTn>
+              <p:prevCondLst>
+                <p:cond evt="onPrev" delay="0">
+                  <p:tgtEl>
+                    <p:sldTgt/>
+                  </p:tgtEl>
+                </p:cond>
+              </p:prevCondLst>
+              <p:nextCondLst>
+                <p:cond evt="onNext" delay="0">
+                  <p:tgtEl>
+                    <p:sldTgt/>
+                  </p:tgtEl>
+                </p:cond>
+              </p:nextCondLst>
+            </p:seq>
+          </p:childTnLst>
+        </p:cTn>
       </p:par>
     </p:tnLst>
   </p:timing>
@@ -12367,12 +13960,46 @@
             </a:pPr>
             <a:r>
               <a:rPr lang="zh-TW" altLang="en-US" sz="2400" b="1" dirty="0" smtClean="0">
+                <a:solidFill>
+                  <a:schemeClr val="tx1"/>
+                </a:solidFill>
                 <a:latin typeface="微軟正黑體" panose="020B0604030504040204" pitchFamily="34" charset="-120"/>
                 <a:ea typeface="微軟正黑體" panose="020B0604030504040204" pitchFamily="34" charset="-120"/>
               </a:rPr>
               <a:t>維基百科</a:t>
             </a:r>
+            <a:r>
+              <a:rPr lang="en-US" altLang="zh-TW" sz="2400" b="1" dirty="0" smtClean="0">
+                <a:solidFill>
+                  <a:schemeClr val="tx1"/>
+                </a:solidFill>
+                <a:latin typeface="微軟正黑體" panose="020B0604030504040204" pitchFamily="34" charset="-120"/>
+                <a:ea typeface="微軟正黑體" panose="020B0604030504040204" pitchFamily="34" charset="-120"/>
+              </a:rPr>
+              <a:t>		        </a:t>
+            </a:r>
+            <a:r>
+              <a:rPr lang="en-US" altLang="zh-TW" sz="2400" dirty="0" smtClean="0">
+                <a:hlinkClick r:id="rId3"/>
+              </a:rPr>
+              <a:t>https</a:t>
+            </a:r>
+            <a:r>
+              <a:rPr lang="en-US" altLang="zh-TW" sz="2400" dirty="0">
+                <a:hlinkClick r:id="rId3"/>
+              </a:rPr>
+              <a:t>://</a:t>
+            </a:r>
+            <a:r>
+              <a:rPr lang="en-US" altLang="zh-TW" sz="2400" dirty="0" smtClean="0">
+                <a:hlinkClick r:id="rId3"/>
+              </a:rPr>
+              <a:t>goo.gl/NxA6cE</a:t>
+            </a:r>
             <a:endParaRPr lang="en-US" altLang="zh-TW" sz="2400" b="1" dirty="0" smtClean="0">
+              <a:solidFill>
+                <a:schemeClr val="tx1"/>
+              </a:solidFill>
               <a:latin typeface="微軟正黑體" panose="020B0604030504040204" pitchFamily="34" charset="-120"/>
               <a:ea typeface="微軟正黑體" panose="020B0604030504040204" pitchFamily="34" charset="-120"/>
             </a:endParaRPr>
@@ -12384,6 +14011,9 @@
             </a:pPr>
             <a:r>
               <a:rPr lang="zh-TW" altLang="en-US" sz="2400" b="1" dirty="0">
+                <a:solidFill>
+                  <a:schemeClr val="tx1"/>
+                </a:solidFill>
                 <a:latin typeface="微軟正黑體" panose="020B0604030504040204" pitchFamily="34" charset="-120"/>
                 <a:ea typeface="微軟正黑體" panose="020B0604030504040204" pitchFamily="34" charset="-120"/>
               </a:rPr>
@@ -12391,12 +14021,30 @@
             </a:r>
             <a:r>
               <a:rPr lang="zh-TW" altLang="en-US" sz="2400" b="1" dirty="0" smtClean="0">
+                <a:solidFill>
+                  <a:schemeClr val="tx1"/>
+                </a:solidFill>
                 <a:latin typeface="微軟正黑體" panose="020B0604030504040204" pitchFamily="34" charset="-120"/>
                 <a:ea typeface="微軟正黑體" panose="020B0604030504040204" pitchFamily="34" charset="-120"/>
               </a:rPr>
               <a:t>」</a:t>
             </a:r>
+            <a:r>
+              <a:rPr lang="en-US" altLang="zh-TW" sz="2400" dirty="0">
+                <a:hlinkClick r:id="rId4"/>
+              </a:rPr>
+              <a:t>https://</a:t>
+            </a:r>
+            <a:r>
+              <a:rPr lang="en-US" altLang="zh-TW" sz="2400" dirty="0" smtClean="0">
+                <a:hlinkClick r:id="rId4"/>
+              </a:rPr>
+              <a:t>goo.gl/n71kHn</a:t>
+            </a:r>
             <a:endParaRPr lang="en-US" altLang="zh-TW" sz="2400" b="1" dirty="0" smtClean="0">
+              <a:solidFill>
+                <a:schemeClr val="tx1"/>
+              </a:solidFill>
               <a:latin typeface="微軟正黑體" panose="020B0604030504040204" pitchFamily="34" charset="-120"/>
               <a:ea typeface="微軟正黑體" panose="020B0604030504040204" pitchFamily="34" charset="-120"/>
             </a:endParaRPr>
@@ -12408,6 +14056,9 @@
             </a:pPr>
             <a:r>
               <a:rPr lang="zh-TW" altLang="en-US" sz="2400" b="1" dirty="0">
+                <a:solidFill>
+                  <a:schemeClr val="tx1"/>
+                </a:solidFill>
                 <a:latin typeface="微軟正黑體" panose="020B0604030504040204" pitchFamily="34" charset="-120"/>
                 <a:ea typeface="微軟正黑體" panose="020B0604030504040204" pitchFamily="34" charset="-120"/>
               </a:rPr>
@@ -12415,6 +14066,9 @@
             </a:r>
             <a:r>
               <a:rPr lang="en-US" sz="2400" b="1" dirty="0" smtClean="0">
+                <a:solidFill>
+                  <a:schemeClr val="tx1"/>
+                </a:solidFill>
                 <a:latin typeface="微軟正黑體" panose="020B0604030504040204" pitchFamily="34" charset="-120"/>
                 <a:ea typeface="微軟正黑體" panose="020B0604030504040204" pitchFamily="34" charset="-120"/>
               </a:rPr>
@@ -12422,6 +14076,9 @@
             </a:r>
             <a:r>
               <a:rPr lang="zh-TW" altLang="en-US" sz="2400" b="1" dirty="0" smtClean="0">
+                <a:solidFill>
+                  <a:schemeClr val="tx1"/>
+                </a:solidFill>
                 <a:latin typeface="微軟正黑體" panose="020B0604030504040204" pitchFamily="34" charset="-120"/>
                 <a:ea typeface="微軟正黑體" panose="020B0604030504040204" pitchFamily="34" charset="-120"/>
               </a:rPr>
@@ -12429,22 +14086,43 @@
             </a:r>
             <a:r>
               <a:rPr lang="en-US" altLang="zh-TW" sz="2400" b="1" dirty="0" smtClean="0">
+                <a:solidFill>
+                  <a:schemeClr val="tx1"/>
+                </a:solidFill>
                 <a:latin typeface="微軟正黑體" panose="020B0604030504040204" pitchFamily="34" charset="-120"/>
                 <a:ea typeface="微軟正黑體" panose="020B0604030504040204" pitchFamily="34" charset="-120"/>
               </a:rPr>
               <a:t>14</a:t>
             </a:r>
             <a:r>
-              <a:rPr lang="zh-TW" altLang="en-US" sz="2400" b="1" smtClean="0">
-                <a:latin typeface="微軟正黑體" panose="020B0604030504040204" pitchFamily="34" charset="-120"/>
-                <a:ea typeface="微軟正黑體" panose="020B0604030504040204" pitchFamily="34" charset="-120"/>
-              </a:rPr>
-              <a:t>句名言</a:t>
-            </a:r>
-            <a:endParaRPr sz="2400" b="1" dirty="0">
-              <a:latin typeface="微軟正黑體" panose="020B0604030504040204" pitchFamily="34" charset="-120"/>
-              <a:ea typeface="微軟正黑體" panose="020B0604030504040204" pitchFamily="34" charset="-120"/>
-            </a:endParaRPr>
+              <a:rPr lang="zh-TW" altLang="en-US" sz="2400" b="1" dirty="0" smtClean="0">
+                <a:solidFill>
+                  <a:schemeClr val="tx1"/>
+                </a:solidFill>
+                <a:latin typeface="微軟正黑體" panose="020B0604030504040204" pitchFamily="34" charset="-120"/>
+                <a:ea typeface="微軟正黑體" panose="020B0604030504040204" pitchFamily="34" charset="-120"/>
+              </a:rPr>
+              <a:t>句名言  </a:t>
+            </a:r>
+            <a:r>
+              <a:rPr lang="en-US" altLang="zh-TW" sz="2400" dirty="0" smtClean="0">
+                <a:hlinkClick r:id="rId5"/>
+              </a:rPr>
+              <a:t>https</a:t>
+            </a:r>
+            <a:r>
+              <a:rPr lang="en-US" altLang="zh-TW" sz="2400" dirty="0">
+                <a:hlinkClick r:id="rId5"/>
+              </a:rPr>
+              <a:t>://</a:t>
+            </a:r>
+            <a:r>
+              <a:rPr lang="en-US" altLang="zh-TW" sz="2400" dirty="0" smtClean="0">
+                <a:hlinkClick r:id="rId5"/>
+              </a:rPr>
+              <a:t>goo.gl/Cvkt6v</a:t>
+            </a:r>
+            <a:endParaRPr lang="en-US" altLang="zh-TW" sz="2400" dirty="0" smtClean="0"/>
           </a:p>
         </p:txBody>
       </p:sp>
@@ -12455,7 +14133,7 @@
           <p:nvPr/>
         </p:nvPicPr>
         <p:blipFill rotWithShape="1">
-          <a:blip r:embed="rId3">
+          <a:blip r:embed="rId6">
             <a:alphaModFix/>
           </a:blip>
           <a:srcRect l="20362" t="37377" r="21470" b="37023"/>
@@ -13146,7 +14824,442 @@
   <p:timing>
     <p:tnLst>
       <p:par>
-        <p:cTn id="1" dur="indefinite" restart="never" nodeType="tmRoot"/>
+        <p:cTn id="1" dur="indefinite" restart="never" nodeType="tmRoot">
+          <p:childTnLst>
+            <p:seq concurrent="1" nextAc="seek">
+              <p:cTn id="2" dur="indefinite" nodeType="mainSeq">
+                <p:childTnLst>
+                  <p:par>
+                    <p:cTn id="3" fill="hold">
+                      <p:stCondLst>
+                        <p:cond delay="indefinite"/>
+                      </p:stCondLst>
+                      <p:childTnLst>
+                        <p:par>
+                          <p:cTn id="4" fill="hold">
+                            <p:stCondLst>
+                              <p:cond delay="0"/>
+                            </p:stCondLst>
+                            <p:childTnLst>
+                              <p:par>
+                                <p:cTn id="5" presetID="2" presetClass="entr" presetSubtype="4" fill="hold" nodeType="clickEffect">
+                                  <p:stCondLst>
+                                    <p:cond delay="0"/>
+                                  </p:stCondLst>
+                                  <p:childTnLst>
+                                    <p:set>
+                                      <p:cBhvr>
+                                        <p:cTn id="6" dur="1" fill="hold">
+                                          <p:stCondLst>
+                                            <p:cond delay="0"/>
+                                          </p:stCondLst>
+                                        </p:cTn>
+                                        <p:tgtEl>
+                                          <p:spTgt spid="68">
+                                            <p:txEl>
+                                              <p:pRg st="0" end="0"/>
+                                            </p:txEl>
+                                          </p:spTgt>
+                                        </p:tgtEl>
+                                        <p:attrNameLst>
+                                          <p:attrName>style.visibility</p:attrName>
+                                        </p:attrNameLst>
+                                      </p:cBhvr>
+                                      <p:to>
+                                        <p:strVal val="visible"/>
+                                      </p:to>
+                                    </p:set>
+                                    <p:anim calcmode="lin" valueType="num">
+                                      <p:cBhvr additive="base">
+                                        <p:cTn id="7" dur="500" fill="hold"/>
+                                        <p:tgtEl>
+                                          <p:spTgt spid="68">
+                                            <p:txEl>
+                                              <p:pRg st="0" end="0"/>
+                                            </p:txEl>
+                                          </p:spTgt>
+                                        </p:tgtEl>
+                                        <p:attrNameLst>
+                                          <p:attrName>ppt_x</p:attrName>
+                                        </p:attrNameLst>
+                                      </p:cBhvr>
+                                      <p:tavLst>
+                                        <p:tav tm="0">
+                                          <p:val>
+                                            <p:strVal val="#ppt_x"/>
+                                          </p:val>
+                                        </p:tav>
+                                        <p:tav tm="100000">
+                                          <p:val>
+                                            <p:strVal val="#ppt_x"/>
+                                          </p:val>
+                                        </p:tav>
+                                      </p:tavLst>
+                                    </p:anim>
+                                    <p:anim calcmode="lin" valueType="num">
+                                      <p:cBhvr additive="base">
+                                        <p:cTn id="8" dur="500" fill="hold"/>
+                                        <p:tgtEl>
+                                          <p:spTgt spid="68">
+                                            <p:txEl>
+                                              <p:pRg st="0" end="0"/>
+                                            </p:txEl>
+                                          </p:spTgt>
+                                        </p:tgtEl>
+                                        <p:attrNameLst>
+                                          <p:attrName>ppt_y</p:attrName>
+                                        </p:attrNameLst>
+                                      </p:cBhvr>
+                                      <p:tavLst>
+                                        <p:tav tm="0">
+                                          <p:val>
+                                            <p:strVal val="1+#ppt_h/2"/>
+                                          </p:val>
+                                        </p:tav>
+                                        <p:tav tm="100000">
+                                          <p:val>
+                                            <p:strVal val="#ppt_y"/>
+                                          </p:val>
+                                        </p:tav>
+                                      </p:tavLst>
+                                    </p:anim>
+                                  </p:childTnLst>
+                                </p:cTn>
+                              </p:par>
+                            </p:childTnLst>
+                          </p:cTn>
+                        </p:par>
+                      </p:childTnLst>
+                    </p:cTn>
+                  </p:par>
+                  <p:par>
+                    <p:cTn id="9" fill="hold">
+                      <p:stCondLst>
+                        <p:cond delay="indefinite"/>
+                      </p:stCondLst>
+                      <p:childTnLst>
+                        <p:par>
+                          <p:cTn id="10" fill="hold">
+                            <p:stCondLst>
+                              <p:cond delay="0"/>
+                            </p:stCondLst>
+                            <p:childTnLst>
+                              <p:par>
+                                <p:cTn id="11" presetID="2" presetClass="entr" presetSubtype="4" fill="hold" nodeType="clickEffect">
+                                  <p:stCondLst>
+                                    <p:cond delay="0"/>
+                                  </p:stCondLst>
+                                  <p:childTnLst>
+                                    <p:set>
+                                      <p:cBhvr>
+                                        <p:cTn id="12" dur="1" fill="hold">
+                                          <p:stCondLst>
+                                            <p:cond delay="0"/>
+                                          </p:stCondLst>
+                                        </p:cTn>
+                                        <p:tgtEl>
+                                          <p:spTgt spid="68">
+                                            <p:txEl>
+                                              <p:pRg st="1" end="1"/>
+                                            </p:txEl>
+                                          </p:spTgt>
+                                        </p:tgtEl>
+                                        <p:attrNameLst>
+                                          <p:attrName>style.visibility</p:attrName>
+                                        </p:attrNameLst>
+                                      </p:cBhvr>
+                                      <p:to>
+                                        <p:strVal val="visible"/>
+                                      </p:to>
+                                    </p:set>
+                                    <p:anim calcmode="lin" valueType="num">
+                                      <p:cBhvr additive="base">
+                                        <p:cTn id="13" dur="500" fill="hold"/>
+                                        <p:tgtEl>
+                                          <p:spTgt spid="68">
+                                            <p:txEl>
+                                              <p:pRg st="1" end="1"/>
+                                            </p:txEl>
+                                          </p:spTgt>
+                                        </p:tgtEl>
+                                        <p:attrNameLst>
+                                          <p:attrName>ppt_x</p:attrName>
+                                        </p:attrNameLst>
+                                      </p:cBhvr>
+                                      <p:tavLst>
+                                        <p:tav tm="0">
+                                          <p:val>
+                                            <p:strVal val="#ppt_x"/>
+                                          </p:val>
+                                        </p:tav>
+                                        <p:tav tm="100000">
+                                          <p:val>
+                                            <p:strVal val="#ppt_x"/>
+                                          </p:val>
+                                        </p:tav>
+                                      </p:tavLst>
+                                    </p:anim>
+                                    <p:anim calcmode="lin" valueType="num">
+                                      <p:cBhvr additive="base">
+                                        <p:cTn id="14" dur="500" fill="hold"/>
+                                        <p:tgtEl>
+                                          <p:spTgt spid="68">
+                                            <p:txEl>
+                                              <p:pRg st="1" end="1"/>
+                                            </p:txEl>
+                                          </p:spTgt>
+                                        </p:tgtEl>
+                                        <p:attrNameLst>
+                                          <p:attrName>ppt_y</p:attrName>
+                                        </p:attrNameLst>
+                                      </p:cBhvr>
+                                      <p:tavLst>
+                                        <p:tav tm="0">
+                                          <p:val>
+                                            <p:strVal val="1+#ppt_h/2"/>
+                                          </p:val>
+                                        </p:tav>
+                                        <p:tav tm="100000">
+                                          <p:val>
+                                            <p:strVal val="#ppt_y"/>
+                                          </p:val>
+                                        </p:tav>
+                                      </p:tavLst>
+                                    </p:anim>
+                                  </p:childTnLst>
+                                </p:cTn>
+                              </p:par>
+                            </p:childTnLst>
+                          </p:cTn>
+                        </p:par>
+                      </p:childTnLst>
+                    </p:cTn>
+                  </p:par>
+                  <p:par>
+                    <p:cTn id="15" fill="hold">
+                      <p:stCondLst>
+                        <p:cond delay="indefinite"/>
+                      </p:stCondLst>
+                      <p:childTnLst>
+                        <p:par>
+                          <p:cTn id="16" fill="hold">
+                            <p:stCondLst>
+                              <p:cond delay="0"/>
+                            </p:stCondLst>
+                            <p:childTnLst>
+                              <p:par>
+                                <p:cTn id="17" presetID="2" presetClass="entr" presetSubtype="4" fill="hold" nodeType="clickEffect">
+                                  <p:stCondLst>
+                                    <p:cond delay="0"/>
+                                  </p:stCondLst>
+                                  <p:childTnLst>
+                                    <p:set>
+                                      <p:cBhvr>
+                                        <p:cTn id="18" dur="1" fill="hold">
+                                          <p:stCondLst>
+                                            <p:cond delay="0"/>
+                                          </p:stCondLst>
+                                        </p:cTn>
+                                        <p:tgtEl>
+                                          <p:spTgt spid="68">
+                                            <p:txEl>
+                                              <p:pRg st="2" end="2"/>
+                                            </p:txEl>
+                                          </p:spTgt>
+                                        </p:tgtEl>
+                                        <p:attrNameLst>
+                                          <p:attrName>style.visibility</p:attrName>
+                                        </p:attrNameLst>
+                                      </p:cBhvr>
+                                      <p:to>
+                                        <p:strVal val="visible"/>
+                                      </p:to>
+                                    </p:set>
+                                    <p:anim calcmode="lin" valueType="num">
+                                      <p:cBhvr additive="base">
+                                        <p:cTn id="19" dur="500" fill="hold"/>
+                                        <p:tgtEl>
+                                          <p:spTgt spid="68">
+                                            <p:txEl>
+                                              <p:pRg st="2" end="2"/>
+                                            </p:txEl>
+                                          </p:spTgt>
+                                        </p:tgtEl>
+                                        <p:attrNameLst>
+                                          <p:attrName>ppt_x</p:attrName>
+                                        </p:attrNameLst>
+                                      </p:cBhvr>
+                                      <p:tavLst>
+                                        <p:tav tm="0">
+                                          <p:val>
+                                            <p:strVal val="#ppt_x"/>
+                                          </p:val>
+                                        </p:tav>
+                                        <p:tav tm="100000">
+                                          <p:val>
+                                            <p:strVal val="#ppt_x"/>
+                                          </p:val>
+                                        </p:tav>
+                                      </p:tavLst>
+                                    </p:anim>
+                                    <p:anim calcmode="lin" valueType="num">
+                                      <p:cBhvr additive="base">
+                                        <p:cTn id="20" dur="500" fill="hold"/>
+                                        <p:tgtEl>
+                                          <p:spTgt spid="68">
+                                            <p:txEl>
+                                              <p:pRg st="2" end="2"/>
+                                            </p:txEl>
+                                          </p:spTgt>
+                                        </p:tgtEl>
+                                        <p:attrNameLst>
+                                          <p:attrName>ppt_y</p:attrName>
+                                        </p:attrNameLst>
+                                      </p:cBhvr>
+                                      <p:tavLst>
+                                        <p:tav tm="0">
+                                          <p:val>
+                                            <p:strVal val="1+#ppt_h/2"/>
+                                          </p:val>
+                                        </p:tav>
+                                        <p:tav tm="100000">
+                                          <p:val>
+                                            <p:strVal val="#ppt_y"/>
+                                          </p:val>
+                                        </p:tav>
+                                      </p:tavLst>
+                                    </p:anim>
+                                  </p:childTnLst>
+                                </p:cTn>
+                              </p:par>
+                            </p:childTnLst>
+                          </p:cTn>
+                        </p:par>
+                      </p:childTnLst>
+                    </p:cTn>
+                  </p:par>
+                  <p:par>
+                    <p:cTn id="21" fill="hold">
+                      <p:stCondLst>
+                        <p:cond delay="indefinite"/>
+                      </p:stCondLst>
+                      <p:childTnLst>
+                        <p:par>
+                          <p:cTn id="22" fill="hold">
+                            <p:stCondLst>
+                              <p:cond delay="0"/>
+                            </p:stCondLst>
+                            <p:childTnLst>
+                              <p:par>
+                                <p:cTn id="23" presetID="2" presetClass="entr" presetSubtype="4" fill="hold" nodeType="clickEffect">
+                                  <p:stCondLst>
+                                    <p:cond delay="0"/>
+                                  </p:stCondLst>
+                                  <p:childTnLst>
+                                    <p:set>
+                                      <p:cBhvr>
+                                        <p:cTn id="24" dur="1" fill="hold">
+                                          <p:stCondLst>
+                                            <p:cond delay="0"/>
+                                          </p:stCondLst>
+                                        </p:cTn>
+                                        <p:tgtEl>
+                                          <p:spTgt spid="68">
+                                            <p:txEl>
+                                              <p:pRg st="3" end="3"/>
+                                            </p:txEl>
+                                          </p:spTgt>
+                                        </p:tgtEl>
+                                        <p:attrNameLst>
+                                          <p:attrName>style.visibility</p:attrName>
+                                        </p:attrNameLst>
+                                      </p:cBhvr>
+                                      <p:to>
+                                        <p:strVal val="visible"/>
+                                      </p:to>
+                                    </p:set>
+                                    <p:anim calcmode="lin" valueType="num">
+                                      <p:cBhvr additive="base">
+                                        <p:cTn id="25" dur="500" fill="hold"/>
+                                        <p:tgtEl>
+                                          <p:spTgt spid="68">
+                                            <p:txEl>
+                                              <p:pRg st="3" end="3"/>
+                                            </p:txEl>
+                                          </p:spTgt>
+                                        </p:tgtEl>
+                                        <p:attrNameLst>
+                                          <p:attrName>ppt_x</p:attrName>
+                                        </p:attrNameLst>
+                                      </p:cBhvr>
+                                      <p:tavLst>
+                                        <p:tav tm="0">
+                                          <p:val>
+                                            <p:strVal val="#ppt_x"/>
+                                          </p:val>
+                                        </p:tav>
+                                        <p:tav tm="100000">
+                                          <p:val>
+                                            <p:strVal val="#ppt_x"/>
+                                          </p:val>
+                                        </p:tav>
+                                      </p:tavLst>
+                                    </p:anim>
+                                    <p:anim calcmode="lin" valueType="num">
+                                      <p:cBhvr additive="base">
+                                        <p:cTn id="26" dur="500" fill="hold"/>
+                                        <p:tgtEl>
+                                          <p:spTgt spid="68">
+                                            <p:txEl>
+                                              <p:pRg st="3" end="3"/>
+                                            </p:txEl>
+                                          </p:spTgt>
+                                        </p:tgtEl>
+                                        <p:attrNameLst>
+                                          <p:attrName>ppt_y</p:attrName>
+                                        </p:attrNameLst>
+                                      </p:cBhvr>
+                                      <p:tavLst>
+                                        <p:tav tm="0">
+                                          <p:val>
+                                            <p:strVal val="1+#ppt_h/2"/>
+                                          </p:val>
+                                        </p:tav>
+                                        <p:tav tm="100000">
+                                          <p:val>
+                                            <p:strVal val="#ppt_y"/>
+                                          </p:val>
+                                        </p:tav>
+                                      </p:tavLst>
+                                    </p:anim>
+                                  </p:childTnLst>
+                                </p:cTn>
+                              </p:par>
+                            </p:childTnLst>
+                          </p:cTn>
+                        </p:par>
+                      </p:childTnLst>
+                    </p:cTn>
+                  </p:par>
+                </p:childTnLst>
+              </p:cTn>
+              <p:prevCondLst>
+                <p:cond evt="onPrev" delay="0">
+                  <p:tgtEl>
+                    <p:sldTgt/>
+                  </p:tgtEl>
+                </p:cond>
+              </p:prevCondLst>
+              <p:nextCondLst>
+                <p:cond evt="onNext" delay="0">
+                  <p:tgtEl>
+                    <p:sldTgt/>
+                  </p:tgtEl>
+                </p:cond>
+              </p:nextCondLst>
+            </p:seq>
+          </p:childTnLst>
+        </p:cTn>
       </p:par>
     </p:tnLst>
   </p:timing>
@@ -13440,7 +15553,545 @@
   <p:timing>
     <p:tnLst>
       <p:par>
-        <p:cTn id="1" dur="indefinite" restart="never" nodeType="tmRoot"/>
+        <p:cTn id="1" dur="indefinite" restart="never" nodeType="tmRoot">
+          <p:childTnLst>
+            <p:seq concurrent="1" nextAc="seek">
+              <p:cTn id="2" dur="indefinite" nodeType="mainSeq">
+                <p:childTnLst>
+                  <p:par>
+                    <p:cTn id="3" fill="hold">
+                      <p:stCondLst>
+                        <p:cond delay="indefinite"/>
+                      </p:stCondLst>
+                      <p:childTnLst>
+                        <p:par>
+                          <p:cTn id="4" fill="hold">
+                            <p:stCondLst>
+                              <p:cond delay="0"/>
+                            </p:stCondLst>
+                            <p:childTnLst>
+                              <p:par>
+                                <p:cTn id="5" presetID="2" presetClass="entr" presetSubtype="4" fill="hold" nodeType="clickEffect">
+                                  <p:stCondLst>
+                                    <p:cond delay="0"/>
+                                  </p:stCondLst>
+                                  <p:childTnLst>
+                                    <p:set>
+                                      <p:cBhvr>
+                                        <p:cTn id="6" dur="1" fill="hold">
+                                          <p:stCondLst>
+                                            <p:cond delay="0"/>
+                                          </p:stCondLst>
+                                        </p:cTn>
+                                        <p:tgtEl>
+                                          <p:spTgt spid="68">
+                                            <p:txEl>
+                                              <p:pRg st="0" end="0"/>
+                                            </p:txEl>
+                                          </p:spTgt>
+                                        </p:tgtEl>
+                                        <p:attrNameLst>
+                                          <p:attrName>style.visibility</p:attrName>
+                                        </p:attrNameLst>
+                                      </p:cBhvr>
+                                      <p:to>
+                                        <p:strVal val="visible"/>
+                                      </p:to>
+                                    </p:set>
+                                    <p:anim calcmode="lin" valueType="num">
+                                      <p:cBhvr additive="base">
+                                        <p:cTn id="7" dur="500" fill="hold"/>
+                                        <p:tgtEl>
+                                          <p:spTgt spid="68">
+                                            <p:txEl>
+                                              <p:pRg st="0" end="0"/>
+                                            </p:txEl>
+                                          </p:spTgt>
+                                        </p:tgtEl>
+                                        <p:attrNameLst>
+                                          <p:attrName>ppt_x</p:attrName>
+                                        </p:attrNameLst>
+                                      </p:cBhvr>
+                                      <p:tavLst>
+                                        <p:tav tm="0">
+                                          <p:val>
+                                            <p:strVal val="#ppt_x"/>
+                                          </p:val>
+                                        </p:tav>
+                                        <p:tav tm="100000">
+                                          <p:val>
+                                            <p:strVal val="#ppt_x"/>
+                                          </p:val>
+                                        </p:tav>
+                                      </p:tavLst>
+                                    </p:anim>
+                                    <p:anim calcmode="lin" valueType="num">
+                                      <p:cBhvr additive="base">
+                                        <p:cTn id="8" dur="500" fill="hold"/>
+                                        <p:tgtEl>
+                                          <p:spTgt spid="68">
+                                            <p:txEl>
+                                              <p:pRg st="0" end="0"/>
+                                            </p:txEl>
+                                          </p:spTgt>
+                                        </p:tgtEl>
+                                        <p:attrNameLst>
+                                          <p:attrName>ppt_y</p:attrName>
+                                        </p:attrNameLst>
+                                      </p:cBhvr>
+                                      <p:tavLst>
+                                        <p:tav tm="0">
+                                          <p:val>
+                                            <p:strVal val="1+#ppt_h/2"/>
+                                          </p:val>
+                                        </p:tav>
+                                        <p:tav tm="100000">
+                                          <p:val>
+                                            <p:strVal val="#ppt_y"/>
+                                          </p:val>
+                                        </p:tav>
+                                      </p:tavLst>
+                                    </p:anim>
+                                  </p:childTnLst>
+                                </p:cTn>
+                              </p:par>
+                            </p:childTnLst>
+                          </p:cTn>
+                        </p:par>
+                      </p:childTnLst>
+                    </p:cTn>
+                  </p:par>
+                  <p:par>
+                    <p:cTn id="9" fill="hold">
+                      <p:stCondLst>
+                        <p:cond delay="indefinite"/>
+                      </p:stCondLst>
+                      <p:childTnLst>
+                        <p:par>
+                          <p:cTn id="10" fill="hold">
+                            <p:stCondLst>
+                              <p:cond delay="0"/>
+                            </p:stCondLst>
+                            <p:childTnLst>
+                              <p:par>
+                                <p:cTn id="11" presetID="2" presetClass="entr" presetSubtype="4" fill="hold" nodeType="clickEffect">
+                                  <p:stCondLst>
+                                    <p:cond delay="0"/>
+                                  </p:stCondLst>
+                                  <p:childTnLst>
+                                    <p:set>
+                                      <p:cBhvr>
+                                        <p:cTn id="12" dur="1" fill="hold">
+                                          <p:stCondLst>
+                                            <p:cond delay="0"/>
+                                          </p:stCondLst>
+                                        </p:cTn>
+                                        <p:tgtEl>
+                                          <p:spTgt spid="68">
+                                            <p:txEl>
+                                              <p:pRg st="1" end="1"/>
+                                            </p:txEl>
+                                          </p:spTgt>
+                                        </p:tgtEl>
+                                        <p:attrNameLst>
+                                          <p:attrName>style.visibility</p:attrName>
+                                        </p:attrNameLst>
+                                      </p:cBhvr>
+                                      <p:to>
+                                        <p:strVal val="visible"/>
+                                      </p:to>
+                                    </p:set>
+                                    <p:anim calcmode="lin" valueType="num">
+                                      <p:cBhvr additive="base">
+                                        <p:cTn id="13" dur="500" fill="hold"/>
+                                        <p:tgtEl>
+                                          <p:spTgt spid="68">
+                                            <p:txEl>
+                                              <p:pRg st="1" end="1"/>
+                                            </p:txEl>
+                                          </p:spTgt>
+                                        </p:tgtEl>
+                                        <p:attrNameLst>
+                                          <p:attrName>ppt_x</p:attrName>
+                                        </p:attrNameLst>
+                                      </p:cBhvr>
+                                      <p:tavLst>
+                                        <p:tav tm="0">
+                                          <p:val>
+                                            <p:strVal val="#ppt_x"/>
+                                          </p:val>
+                                        </p:tav>
+                                        <p:tav tm="100000">
+                                          <p:val>
+                                            <p:strVal val="#ppt_x"/>
+                                          </p:val>
+                                        </p:tav>
+                                      </p:tavLst>
+                                    </p:anim>
+                                    <p:anim calcmode="lin" valueType="num">
+                                      <p:cBhvr additive="base">
+                                        <p:cTn id="14" dur="500" fill="hold"/>
+                                        <p:tgtEl>
+                                          <p:spTgt spid="68">
+                                            <p:txEl>
+                                              <p:pRg st="1" end="1"/>
+                                            </p:txEl>
+                                          </p:spTgt>
+                                        </p:tgtEl>
+                                        <p:attrNameLst>
+                                          <p:attrName>ppt_y</p:attrName>
+                                        </p:attrNameLst>
+                                      </p:cBhvr>
+                                      <p:tavLst>
+                                        <p:tav tm="0">
+                                          <p:val>
+                                            <p:strVal val="1+#ppt_h/2"/>
+                                          </p:val>
+                                        </p:tav>
+                                        <p:tav tm="100000">
+                                          <p:val>
+                                            <p:strVal val="#ppt_y"/>
+                                          </p:val>
+                                        </p:tav>
+                                      </p:tavLst>
+                                    </p:anim>
+                                  </p:childTnLst>
+                                </p:cTn>
+                              </p:par>
+                            </p:childTnLst>
+                          </p:cTn>
+                        </p:par>
+                      </p:childTnLst>
+                    </p:cTn>
+                  </p:par>
+                  <p:par>
+                    <p:cTn id="15" fill="hold">
+                      <p:stCondLst>
+                        <p:cond delay="indefinite"/>
+                      </p:stCondLst>
+                      <p:childTnLst>
+                        <p:par>
+                          <p:cTn id="16" fill="hold">
+                            <p:stCondLst>
+                              <p:cond delay="0"/>
+                            </p:stCondLst>
+                            <p:childTnLst>
+                              <p:par>
+                                <p:cTn id="17" presetID="2" presetClass="entr" presetSubtype="4" fill="hold" nodeType="clickEffect">
+                                  <p:stCondLst>
+                                    <p:cond delay="0"/>
+                                  </p:stCondLst>
+                                  <p:childTnLst>
+                                    <p:set>
+                                      <p:cBhvr>
+                                        <p:cTn id="18" dur="1" fill="hold">
+                                          <p:stCondLst>
+                                            <p:cond delay="0"/>
+                                          </p:stCondLst>
+                                        </p:cTn>
+                                        <p:tgtEl>
+                                          <p:spTgt spid="68">
+                                            <p:txEl>
+                                              <p:pRg st="2" end="2"/>
+                                            </p:txEl>
+                                          </p:spTgt>
+                                        </p:tgtEl>
+                                        <p:attrNameLst>
+                                          <p:attrName>style.visibility</p:attrName>
+                                        </p:attrNameLst>
+                                      </p:cBhvr>
+                                      <p:to>
+                                        <p:strVal val="visible"/>
+                                      </p:to>
+                                    </p:set>
+                                    <p:anim calcmode="lin" valueType="num">
+                                      <p:cBhvr additive="base">
+                                        <p:cTn id="19" dur="500" fill="hold"/>
+                                        <p:tgtEl>
+                                          <p:spTgt spid="68">
+                                            <p:txEl>
+                                              <p:pRg st="2" end="2"/>
+                                            </p:txEl>
+                                          </p:spTgt>
+                                        </p:tgtEl>
+                                        <p:attrNameLst>
+                                          <p:attrName>ppt_x</p:attrName>
+                                        </p:attrNameLst>
+                                      </p:cBhvr>
+                                      <p:tavLst>
+                                        <p:tav tm="0">
+                                          <p:val>
+                                            <p:strVal val="#ppt_x"/>
+                                          </p:val>
+                                        </p:tav>
+                                        <p:tav tm="100000">
+                                          <p:val>
+                                            <p:strVal val="#ppt_x"/>
+                                          </p:val>
+                                        </p:tav>
+                                      </p:tavLst>
+                                    </p:anim>
+                                    <p:anim calcmode="lin" valueType="num">
+                                      <p:cBhvr additive="base">
+                                        <p:cTn id="20" dur="500" fill="hold"/>
+                                        <p:tgtEl>
+                                          <p:spTgt spid="68">
+                                            <p:txEl>
+                                              <p:pRg st="2" end="2"/>
+                                            </p:txEl>
+                                          </p:spTgt>
+                                        </p:tgtEl>
+                                        <p:attrNameLst>
+                                          <p:attrName>ppt_y</p:attrName>
+                                        </p:attrNameLst>
+                                      </p:cBhvr>
+                                      <p:tavLst>
+                                        <p:tav tm="0">
+                                          <p:val>
+                                            <p:strVal val="1+#ppt_h/2"/>
+                                          </p:val>
+                                        </p:tav>
+                                        <p:tav tm="100000">
+                                          <p:val>
+                                            <p:strVal val="#ppt_y"/>
+                                          </p:val>
+                                        </p:tav>
+                                      </p:tavLst>
+                                    </p:anim>
+                                  </p:childTnLst>
+                                </p:cTn>
+                              </p:par>
+                            </p:childTnLst>
+                          </p:cTn>
+                        </p:par>
+                      </p:childTnLst>
+                    </p:cTn>
+                  </p:par>
+                  <p:par>
+                    <p:cTn id="21" fill="hold">
+                      <p:stCondLst>
+                        <p:cond delay="indefinite"/>
+                      </p:stCondLst>
+                      <p:childTnLst>
+                        <p:par>
+                          <p:cTn id="22" fill="hold">
+                            <p:stCondLst>
+                              <p:cond delay="0"/>
+                            </p:stCondLst>
+                            <p:childTnLst>
+                              <p:par>
+                                <p:cTn id="23" presetID="2" presetClass="entr" presetSubtype="4" fill="hold" nodeType="clickEffect">
+                                  <p:stCondLst>
+                                    <p:cond delay="0"/>
+                                  </p:stCondLst>
+                                  <p:childTnLst>
+                                    <p:set>
+                                      <p:cBhvr>
+                                        <p:cTn id="24" dur="1" fill="hold">
+                                          <p:stCondLst>
+                                            <p:cond delay="0"/>
+                                          </p:stCondLst>
+                                        </p:cTn>
+                                        <p:tgtEl>
+                                          <p:spTgt spid="68">
+                                            <p:txEl>
+                                              <p:pRg st="3" end="3"/>
+                                            </p:txEl>
+                                          </p:spTgt>
+                                        </p:tgtEl>
+                                        <p:attrNameLst>
+                                          <p:attrName>style.visibility</p:attrName>
+                                        </p:attrNameLst>
+                                      </p:cBhvr>
+                                      <p:to>
+                                        <p:strVal val="visible"/>
+                                      </p:to>
+                                    </p:set>
+                                    <p:anim calcmode="lin" valueType="num">
+                                      <p:cBhvr additive="base">
+                                        <p:cTn id="25" dur="500" fill="hold"/>
+                                        <p:tgtEl>
+                                          <p:spTgt spid="68">
+                                            <p:txEl>
+                                              <p:pRg st="3" end="3"/>
+                                            </p:txEl>
+                                          </p:spTgt>
+                                        </p:tgtEl>
+                                        <p:attrNameLst>
+                                          <p:attrName>ppt_x</p:attrName>
+                                        </p:attrNameLst>
+                                      </p:cBhvr>
+                                      <p:tavLst>
+                                        <p:tav tm="0">
+                                          <p:val>
+                                            <p:strVal val="#ppt_x"/>
+                                          </p:val>
+                                        </p:tav>
+                                        <p:tav tm="100000">
+                                          <p:val>
+                                            <p:strVal val="#ppt_x"/>
+                                          </p:val>
+                                        </p:tav>
+                                      </p:tavLst>
+                                    </p:anim>
+                                    <p:anim calcmode="lin" valueType="num">
+                                      <p:cBhvr additive="base">
+                                        <p:cTn id="26" dur="500" fill="hold"/>
+                                        <p:tgtEl>
+                                          <p:spTgt spid="68">
+                                            <p:txEl>
+                                              <p:pRg st="3" end="3"/>
+                                            </p:txEl>
+                                          </p:spTgt>
+                                        </p:tgtEl>
+                                        <p:attrNameLst>
+                                          <p:attrName>ppt_y</p:attrName>
+                                        </p:attrNameLst>
+                                      </p:cBhvr>
+                                      <p:tavLst>
+                                        <p:tav tm="0">
+                                          <p:val>
+                                            <p:strVal val="1+#ppt_h/2"/>
+                                          </p:val>
+                                        </p:tav>
+                                        <p:tav tm="100000">
+                                          <p:val>
+                                            <p:strVal val="#ppt_y"/>
+                                          </p:val>
+                                        </p:tav>
+                                      </p:tavLst>
+                                    </p:anim>
+                                  </p:childTnLst>
+                                </p:cTn>
+                              </p:par>
+                            </p:childTnLst>
+                          </p:cTn>
+                        </p:par>
+                      </p:childTnLst>
+                    </p:cTn>
+                  </p:par>
+                  <p:par>
+                    <p:cTn id="27" fill="hold">
+                      <p:stCondLst>
+                        <p:cond delay="indefinite"/>
+                      </p:stCondLst>
+                      <p:childTnLst>
+                        <p:par>
+                          <p:cTn id="28" fill="hold">
+                            <p:stCondLst>
+                              <p:cond delay="0"/>
+                            </p:stCondLst>
+                            <p:childTnLst>
+                              <p:par>
+                                <p:cTn id="29" presetID="2" presetClass="entr" presetSubtype="4" fill="hold" nodeType="clickEffect">
+                                  <p:stCondLst>
+                                    <p:cond delay="0"/>
+                                  </p:stCondLst>
+                                  <p:childTnLst>
+                                    <p:set>
+                                      <p:cBhvr>
+                                        <p:cTn id="30" dur="1" fill="hold">
+                                          <p:stCondLst>
+                                            <p:cond delay="0"/>
+                                          </p:stCondLst>
+                                        </p:cTn>
+                                        <p:tgtEl>
+                                          <p:spTgt spid="68">
+                                            <p:txEl>
+                                              <p:pRg st="4" end="4"/>
+                                            </p:txEl>
+                                          </p:spTgt>
+                                        </p:tgtEl>
+                                        <p:attrNameLst>
+                                          <p:attrName>style.visibility</p:attrName>
+                                        </p:attrNameLst>
+                                      </p:cBhvr>
+                                      <p:to>
+                                        <p:strVal val="visible"/>
+                                      </p:to>
+                                    </p:set>
+                                    <p:anim calcmode="lin" valueType="num">
+                                      <p:cBhvr additive="base">
+                                        <p:cTn id="31" dur="500" fill="hold"/>
+                                        <p:tgtEl>
+                                          <p:spTgt spid="68">
+                                            <p:txEl>
+                                              <p:pRg st="4" end="4"/>
+                                            </p:txEl>
+                                          </p:spTgt>
+                                        </p:tgtEl>
+                                        <p:attrNameLst>
+                                          <p:attrName>ppt_x</p:attrName>
+                                        </p:attrNameLst>
+                                      </p:cBhvr>
+                                      <p:tavLst>
+                                        <p:tav tm="0">
+                                          <p:val>
+                                            <p:strVal val="#ppt_x"/>
+                                          </p:val>
+                                        </p:tav>
+                                        <p:tav tm="100000">
+                                          <p:val>
+                                            <p:strVal val="#ppt_x"/>
+                                          </p:val>
+                                        </p:tav>
+                                      </p:tavLst>
+                                    </p:anim>
+                                    <p:anim calcmode="lin" valueType="num">
+                                      <p:cBhvr additive="base">
+                                        <p:cTn id="32" dur="500" fill="hold"/>
+                                        <p:tgtEl>
+                                          <p:spTgt spid="68">
+                                            <p:txEl>
+                                              <p:pRg st="4" end="4"/>
+                                            </p:txEl>
+                                          </p:spTgt>
+                                        </p:tgtEl>
+                                        <p:attrNameLst>
+                                          <p:attrName>ppt_y</p:attrName>
+                                        </p:attrNameLst>
+                                      </p:cBhvr>
+                                      <p:tavLst>
+                                        <p:tav tm="0">
+                                          <p:val>
+                                            <p:strVal val="1+#ppt_h/2"/>
+                                          </p:val>
+                                        </p:tav>
+                                        <p:tav tm="100000">
+                                          <p:val>
+                                            <p:strVal val="#ppt_y"/>
+                                          </p:val>
+                                        </p:tav>
+                                      </p:tavLst>
+                                    </p:anim>
+                                  </p:childTnLst>
+                                </p:cTn>
+                              </p:par>
+                            </p:childTnLst>
+                          </p:cTn>
+                        </p:par>
+                      </p:childTnLst>
+                    </p:cTn>
+                  </p:par>
+                </p:childTnLst>
+              </p:cTn>
+              <p:prevCondLst>
+                <p:cond evt="onPrev" delay="0">
+                  <p:tgtEl>
+                    <p:sldTgt/>
+                  </p:tgtEl>
+                </p:cond>
+              </p:prevCondLst>
+              <p:nextCondLst>
+                <p:cond evt="onNext" delay="0">
+                  <p:tgtEl>
+                    <p:sldTgt/>
+                  </p:tgtEl>
+                </p:cond>
+              </p:nextCondLst>
+            </p:seq>
+          </p:childTnLst>
+        </p:cTn>
       </p:par>
     </p:tnLst>
   </p:timing>
@@ -13924,7 +16575,375 @@
   <p:timing>
     <p:tnLst>
       <p:par>
-        <p:cTn id="1" dur="indefinite" restart="never" nodeType="tmRoot"/>
+        <p:cTn id="1" dur="indefinite" restart="never" nodeType="tmRoot">
+          <p:childTnLst>
+            <p:seq concurrent="1" nextAc="seek">
+              <p:cTn id="2" dur="indefinite" nodeType="mainSeq">
+                <p:childTnLst>
+                  <p:par>
+                    <p:cTn id="3" fill="hold">
+                      <p:stCondLst>
+                        <p:cond delay="indefinite"/>
+                      </p:stCondLst>
+                      <p:childTnLst>
+                        <p:par>
+                          <p:cTn id="4" fill="hold">
+                            <p:stCondLst>
+                              <p:cond delay="0"/>
+                            </p:stCondLst>
+                            <p:childTnLst>
+                              <p:par>
+                                <p:cTn id="5" presetID="42" presetClass="entr" presetSubtype="0" fill="hold" nodeType="clickEffect">
+                                  <p:stCondLst>
+                                    <p:cond delay="0"/>
+                                  </p:stCondLst>
+                                  <p:childTnLst>
+                                    <p:set>
+                                      <p:cBhvr>
+                                        <p:cTn id="6" dur="1" fill="hold">
+                                          <p:stCondLst>
+                                            <p:cond delay="0"/>
+                                          </p:stCondLst>
+                                        </p:cTn>
+                                        <p:tgtEl>
+                                          <p:spTgt spid="68">
+                                            <p:txEl>
+                                              <p:pRg st="0" end="0"/>
+                                            </p:txEl>
+                                          </p:spTgt>
+                                        </p:tgtEl>
+                                        <p:attrNameLst>
+                                          <p:attrName>style.visibility</p:attrName>
+                                        </p:attrNameLst>
+                                      </p:cBhvr>
+                                      <p:to>
+                                        <p:strVal val="visible"/>
+                                      </p:to>
+                                    </p:set>
+                                    <p:animEffect transition="in" filter="fade">
+                                      <p:cBhvr>
+                                        <p:cTn id="7" dur="1000"/>
+                                        <p:tgtEl>
+                                          <p:spTgt spid="68">
+                                            <p:txEl>
+                                              <p:pRg st="0" end="0"/>
+                                            </p:txEl>
+                                          </p:spTgt>
+                                        </p:tgtEl>
+                                      </p:cBhvr>
+                                    </p:animEffect>
+                                    <p:anim calcmode="lin" valueType="num">
+                                      <p:cBhvr>
+                                        <p:cTn id="8" dur="1000" fill="hold"/>
+                                        <p:tgtEl>
+                                          <p:spTgt spid="68">
+                                            <p:txEl>
+                                              <p:pRg st="0" end="0"/>
+                                            </p:txEl>
+                                          </p:spTgt>
+                                        </p:tgtEl>
+                                        <p:attrNameLst>
+                                          <p:attrName>ppt_x</p:attrName>
+                                        </p:attrNameLst>
+                                      </p:cBhvr>
+                                      <p:tavLst>
+                                        <p:tav tm="0">
+                                          <p:val>
+                                            <p:strVal val="#ppt_x"/>
+                                          </p:val>
+                                        </p:tav>
+                                        <p:tav tm="100000">
+                                          <p:val>
+                                            <p:strVal val="#ppt_x"/>
+                                          </p:val>
+                                        </p:tav>
+                                      </p:tavLst>
+                                    </p:anim>
+                                    <p:anim calcmode="lin" valueType="num">
+                                      <p:cBhvr>
+                                        <p:cTn id="9" dur="1000" fill="hold"/>
+                                        <p:tgtEl>
+                                          <p:spTgt spid="68">
+                                            <p:txEl>
+                                              <p:pRg st="0" end="0"/>
+                                            </p:txEl>
+                                          </p:spTgt>
+                                        </p:tgtEl>
+                                        <p:attrNameLst>
+                                          <p:attrName>ppt_y</p:attrName>
+                                        </p:attrNameLst>
+                                      </p:cBhvr>
+                                      <p:tavLst>
+                                        <p:tav tm="0">
+                                          <p:val>
+                                            <p:strVal val="#ppt_y+.1"/>
+                                          </p:val>
+                                        </p:tav>
+                                        <p:tav tm="100000">
+                                          <p:val>
+                                            <p:strVal val="#ppt_y"/>
+                                          </p:val>
+                                        </p:tav>
+                                      </p:tavLst>
+                                    </p:anim>
+                                  </p:childTnLst>
+                                </p:cTn>
+                              </p:par>
+                            </p:childTnLst>
+                          </p:cTn>
+                        </p:par>
+                      </p:childTnLst>
+                    </p:cTn>
+                  </p:par>
+                  <p:par>
+                    <p:cTn id="10" fill="hold">
+                      <p:stCondLst>
+                        <p:cond delay="indefinite"/>
+                      </p:stCondLst>
+                      <p:childTnLst>
+                        <p:par>
+                          <p:cTn id="11" fill="hold">
+                            <p:stCondLst>
+                              <p:cond delay="0"/>
+                            </p:stCondLst>
+                            <p:childTnLst>
+                              <p:par>
+                                <p:cTn id="12" presetID="42" presetClass="entr" presetSubtype="0" fill="hold" nodeType="clickEffect">
+                                  <p:stCondLst>
+                                    <p:cond delay="0"/>
+                                  </p:stCondLst>
+                                  <p:childTnLst>
+                                    <p:set>
+                                      <p:cBhvr>
+                                        <p:cTn id="13" dur="1" fill="hold">
+                                          <p:stCondLst>
+                                            <p:cond delay="0"/>
+                                          </p:stCondLst>
+                                        </p:cTn>
+                                        <p:tgtEl>
+                                          <p:spTgt spid="68">
+                                            <p:txEl>
+                                              <p:pRg st="1" end="1"/>
+                                            </p:txEl>
+                                          </p:spTgt>
+                                        </p:tgtEl>
+                                        <p:attrNameLst>
+                                          <p:attrName>style.visibility</p:attrName>
+                                        </p:attrNameLst>
+                                      </p:cBhvr>
+                                      <p:to>
+                                        <p:strVal val="visible"/>
+                                      </p:to>
+                                    </p:set>
+                                    <p:animEffect transition="in" filter="fade">
+                                      <p:cBhvr>
+                                        <p:cTn id="14" dur="1000"/>
+                                        <p:tgtEl>
+                                          <p:spTgt spid="68">
+                                            <p:txEl>
+                                              <p:pRg st="1" end="1"/>
+                                            </p:txEl>
+                                          </p:spTgt>
+                                        </p:tgtEl>
+                                      </p:cBhvr>
+                                    </p:animEffect>
+                                    <p:anim calcmode="lin" valueType="num">
+                                      <p:cBhvr>
+                                        <p:cTn id="15" dur="1000" fill="hold"/>
+                                        <p:tgtEl>
+                                          <p:spTgt spid="68">
+                                            <p:txEl>
+                                              <p:pRg st="1" end="1"/>
+                                            </p:txEl>
+                                          </p:spTgt>
+                                        </p:tgtEl>
+                                        <p:attrNameLst>
+                                          <p:attrName>ppt_x</p:attrName>
+                                        </p:attrNameLst>
+                                      </p:cBhvr>
+                                      <p:tavLst>
+                                        <p:tav tm="0">
+                                          <p:val>
+                                            <p:strVal val="#ppt_x"/>
+                                          </p:val>
+                                        </p:tav>
+                                        <p:tav tm="100000">
+                                          <p:val>
+                                            <p:strVal val="#ppt_x"/>
+                                          </p:val>
+                                        </p:tav>
+                                      </p:tavLst>
+                                    </p:anim>
+                                    <p:anim calcmode="lin" valueType="num">
+                                      <p:cBhvr>
+                                        <p:cTn id="16" dur="1000" fill="hold"/>
+                                        <p:tgtEl>
+                                          <p:spTgt spid="68">
+                                            <p:txEl>
+                                              <p:pRg st="1" end="1"/>
+                                            </p:txEl>
+                                          </p:spTgt>
+                                        </p:tgtEl>
+                                        <p:attrNameLst>
+                                          <p:attrName>ppt_y</p:attrName>
+                                        </p:attrNameLst>
+                                      </p:cBhvr>
+                                      <p:tavLst>
+                                        <p:tav tm="0">
+                                          <p:val>
+                                            <p:strVal val="#ppt_y+.1"/>
+                                          </p:val>
+                                        </p:tav>
+                                        <p:tav tm="100000">
+                                          <p:val>
+                                            <p:strVal val="#ppt_y"/>
+                                          </p:val>
+                                        </p:tav>
+                                      </p:tavLst>
+                                    </p:anim>
+                                  </p:childTnLst>
+                                </p:cTn>
+                              </p:par>
+                            </p:childTnLst>
+                          </p:cTn>
+                        </p:par>
+                      </p:childTnLst>
+                    </p:cTn>
+                  </p:par>
+                  <p:par>
+                    <p:cTn id="17" fill="hold">
+                      <p:stCondLst>
+                        <p:cond delay="indefinite"/>
+                      </p:stCondLst>
+                      <p:childTnLst>
+                        <p:par>
+                          <p:cTn id="18" fill="hold">
+                            <p:stCondLst>
+                              <p:cond delay="0"/>
+                            </p:stCondLst>
+                            <p:childTnLst>
+                              <p:par>
+                                <p:cTn id="19" presetID="42" presetClass="entr" presetSubtype="0" fill="hold" nodeType="clickEffect">
+                                  <p:stCondLst>
+                                    <p:cond delay="0"/>
+                                  </p:stCondLst>
+                                  <p:childTnLst>
+                                    <p:set>
+                                      <p:cBhvr>
+                                        <p:cTn id="20" dur="1" fill="hold">
+                                          <p:stCondLst>
+                                            <p:cond delay="0"/>
+                                          </p:stCondLst>
+                                        </p:cTn>
+                                        <p:tgtEl>
+                                          <p:spTgt spid="68">
+                                            <p:txEl>
+                                              <p:pRg st="2" end="2"/>
+                                            </p:txEl>
+                                          </p:spTgt>
+                                        </p:tgtEl>
+                                        <p:attrNameLst>
+                                          <p:attrName>style.visibility</p:attrName>
+                                        </p:attrNameLst>
+                                      </p:cBhvr>
+                                      <p:to>
+                                        <p:strVal val="visible"/>
+                                      </p:to>
+                                    </p:set>
+                                    <p:animEffect transition="in" filter="fade">
+                                      <p:cBhvr>
+                                        <p:cTn id="21" dur="1000"/>
+                                        <p:tgtEl>
+                                          <p:spTgt spid="68">
+                                            <p:txEl>
+                                              <p:pRg st="2" end="2"/>
+                                            </p:txEl>
+                                          </p:spTgt>
+                                        </p:tgtEl>
+                                      </p:cBhvr>
+                                    </p:animEffect>
+                                    <p:anim calcmode="lin" valueType="num">
+                                      <p:cBhvr>
+                                        <p:cTn id="22" dur="1000" fill="hold"/>
+                                        <p:tgtEl>
+                                          <p:spTgt spid="68">
+                                            <p:txEl>
+                                              <p:pRg st="2" end="2"/>
+                                            </p:txEl>
+                                          </p:spTgt>
+                                        </p:tgtEl>
+                                        <p:attrNameLst>
+                                          <p:attrName>ppt_x</p:attrName>
+                                        </p:attrNameLst>
+                                      </p:cBhvr>
+                                      <p:tavLst>
+                                        <p:tav tm="0">
+                                          <p:val>
+                                            <p:strVal val="#ppt_x"/>
+                                          </p:val>
+                                        </p:tav>
+                                        <p:tav tm="100000">
+                                          <p:val>
+                                            <p:strVal val="#ppt_x"/>
+                                          </p:val>
+                                        </p:tav>
+                                      </p:tavLst>
+                                    </p:anim>
+                                    <p:anim calcmode="lin" valueType="num">
+                                      <p:cBhvr>
+                                        <p:cTn id="23" dur="1000" fill="hold"/>
+                                        <p:tgtEl>
+                                          <p:spTgt spid="68">
+                                            <p:txEl>
+                                              <p:pRg st="2" end="2"/>
+                                            </p:txEl>
+                                          </p:spTgt>
+                                        </p:tgtEl>
+                                        <p:attrNameLst>
+                                          <p:attrName>ppt_y</p:attrName>
+                                        </p:attrNameLst>
+                                      </p:cBhvr>
+                                      <p:tavLst>
+                                        <p:tav tm="0">
+                                          <p:val>
+                                            <p:strVal val="#ppt_y+.1"/>
+                                          </p:val>
+                                        </p:tav>
+                                        <p:tav tm="100000">
+                                          <p:val>
+                                            <p:strVal val="#ppt_y"/>
+                                          </p:val>
+                                        </p:tav>
+                                      </p:tavLst>
+                                    </p:anim>
+                                  </p:childTnLst>
+                                </p:cTn>
+                              </p:par>
+                            </p:childTnLst>
+                          </p:cTn>
+                        </p:par>
+                      </p:childTnLst>
+                    </p:cTn>
+                  </p:par>
+                </p:childTnLst>
+              </p:cTn>
+              <p:prevCondLst>
+                <p:cond evt="onPrev" delay="0">
+                  <p:tgtEl>
+                    <p:sldTgt/>
+                  </p:tgtEl>
+                </p:cond>
+              </p:prevCondLst>
+              <p:nextCondLst>
+                <p:cond evt="onNext" delay="0">
+                  <p:tgtEl>
+                    <p:sldTgt/>
+                  </p:tgtEl>
+                </p:cond>
+              </p:nextCondLst>
+            </p:seq>
+          </p:childTnLst>
+        </p:cTn>
       </p:par>
     </p:tnLst>
   </p:timing>
@@ -14244,7 +17263,375 @@
   <p:timing>
     <p:tnLst>
       <p:par>
-        <p:cTn id="1" dur="indefinite" restart="never" nodeType="tmRoot"/>
+        <p:cTn id="1" dur="indefinite" restart="never" nodeType="tmRoot">
+          <p:childTnLst>
+            <p:seq concurrent="1" nextAc="seek">
+              <p:cTn id="2" dur="indefinite" nodeType="mainSeq">
+                <p:childTnLst>
+                  <p:par>
+                    <p:cTn id="3" fill="hold">
+                      <p:stCondLst>
+                        <p:cond delay="indefinite"/>
+                      </p:stCondLst>
+                      <p:childTnLst>
+                        <p:par>
+                          <p:cTn id="4" fill="hold">
+                            <p:stCondLst>
+                              <p:cond delay="0"/>
+                            </p:stCondLst>
+                            <p:childTnLst>
+                              <p:par>
+                                <p:cTn id="5" presetID="42" presetClass="entr" presetSubtype="0" fill="hold" nodeType="clickEffect">
+                                  <p:stCondLst>
+                                    <p:cond delay="0"/>
+                                  </p:stCondLst>
+                                  <p:childTnLst>
+                                    <p:set>
+                                      <p:cBhvr>
+                                        <p:cTn id="6" dur="1" fill="hold">
+                                          <p:stCondLst>
+                                            <p:cond delay="0"/>
+                                          </p:stCondLst>
+                                        </p:cTn>
+                                        <p:tgtEl>
+                                          <p:spTgt spid="68">
+                                            <p:txEl>
+                                              <p:pRg st="0" end="0"/>
+                                            </p:txEl>
+                                          </p:spTgt>
+                                        </p:tgtEl>
+                                        <p:attrNameLst>
+                                          <p:attrName>style.visibility</p:attrName>
+                                        </p:attrNameLst>
+                                      </p:cBhvr>
+                                      <p:to>
+                                        <p:strVal val="visible"/>
+                                      </p:to>
+                                    </p:set>
+                                    <p:animEffect transition="in" filter="fade">
+                                      <p:cBhvr>
+                                        <p:cTn id="7" dur="1000"/>
+                                        <p:tgtEl>
+                                          <p:spTgt spid="68">
+                                            <p:txEl>
+                                              <p:pRg st="0" end="0"/>
+                                            </p:txEl>
+                                          </p:spTgt>
+                                        </p:tgtEl>
+                                      </p:cBhvr>
+                                    </p:animEffect>
+                                    <p:anim calcmode="lin" valueType="num">
+                                      <p:cBhvr>
+                                        <p:cTn id="8" dur="1000" fill="hold"/>
+                                        <p:tgtEl>
+                                          <p:spTgt spid="68">
+                                            <p:txEl>
+                                              <p:pRg st="0" end="0"/>
+                                            </p:txEl>
+                                          </p:spTgt>
+                                        </p:tgtEl>
+                                        <p:attrNameLst>
+                                          <p:attrName>ppt_x</p:attrName>
+                                        </p:attrNameLst>
+                                      </p:cBhvr>
+                                      <p:tavLst>
+                                        <p:tav tm="0">
+                                          <p:val>
+                                            <p:strVal val="#ppt_x"/>
+                                          </p:val>
+                                        </p:tav>
+                                        <p:tav tm="100000">
+                                          <p:val>
+                                            <p:strVal val="#ppt_x"/>
+                                          </p:val>
+                                        </p:tav>
+                                      </p:tavLst>
+                                    </p:anim>
+                                    <p:anim calcmode="lin" valueType="num">
+                                      <p:cBhvr>
+                                        <p:cTn id="9" dur="1000" fill="hold"/>
+                                        <p:tgtEl>
+                                          <p:spTgt spid="68">
+                                            <p:txEl>
+                                              <p:pRg st="0" end="0"/>
+                                            </p:txEl>
+                                          </p:spTgt>
+                                        </p:tgtEl>
+                                        <p:attrNameLst>
+                                          <p:attrName>ppt_y</p:attrName>
+                                        </p:attrNameLst>
+                                      </p:cBhvr>
+                                      <p:tavLst>
+                                        <p:tav tm="0">
+                                          <p:val>
+                                            <p:strVal val="#ppt_y+.1"/>
+                                          </p:val>
+                                        </p:tav>
+                                        <p:tav tm="100000">
+                                          <p:val>
+                                            <p:strVal val="#ppt_y"/>
+                                          </p:val>
+                                        </p:tav>
+                                      </p:tavLst>
+                                    </p:anim>
+                                  </p:childTnLst>
+                                </p:cTn>
+                              </p:par>
+                            </p:childTnLst>
+                          </p:cTn>
+                        </p:par>
+                      </p:childTnLst>
+                    </p:cTn>
+                  </p:par>
+                  <p:par>
+                    <p:cTn id="10" fill="hold">
+                      <p:stCondLst>
+                        <p:cond delay="indefinite"/>
+                      </p:stCondLst>
+                      <p:childTnLst>
+                        <p:par>
+                          <p:cTn id="11" fill="hold">
+                            <p:stCondLst>
+                              <p:cond delay="0"/>
+                            </p:stCondLst>
+                            <p:childTnLst>
+                              <p:par>
+                                <p:cTn id="12" presetID="42" presetClass="entr" presetSubtype="0" fill="hold" nodeType="clickEffect">
+                                  <p:stCondLst>
+                                    <p:cond delay="0"/>
+                                  </p:stCondLst>
+                                  <p:childTnLst>
+                                    <p:set>
+                                      <p:cBhvr>
+                                        <p:cTn id="13" dur="1" fill="hold">
+                                          <p:stCondLst>
+                                            <p:cond delay="0"/>
+                                          </p:stCondLst>
+                                        </p:cTn>
+                                        <p:tgtEl>
+                                          <p:spTgt spid="68">
+                                            <p:txEl>
+                                              <p:pRg st="1" end="1"/>
+                                            </p:txEl>
+                                          </p:spTgt>
+                                        </p:tgtEl>
+                                        <p:attrNameLst>
+                                          <p:attrName>style.visibility</p:attrName>
+                                        </p:attrNameLst>
+                                      </p:cBhvr>
+                                      <p:to>
+                                        <p:strVal val="visible"/>
+                                      </p:to>
+                                    </p:set>
+                                    <p:animEffect transition="in" filter="fade">
+                                      <p:cBhvr>
+                                        <p:cTn id="14" dur="1000"/>
+                                        <p:tgtEl>
+                                          <p:spTgt spid="68">
+                                            <p:txEl>
+                                              <p:pRg st="1" end="1"/>
+                                            </p:txEl>
+                                          </p:spTgt>
+                                        </p:tgtEl>
+                                      </p:cBhvr>
+                                    </p:animEffect>
+                                    <p:anim calcmode="lin" valueType="num">
+                                      <p:cBhvr>
+                                        <p:cTn id="15" dur="1000" fill="hold"/>
+                                        <p:tgtEl>
+                                          <p:spTgt spid="68">
+                                            <p:txEl>
+                                              <p:pRg st="1" end="1"/>
+                                            </p:txEl>
+                                          </p:spTgt>
+                                        </p:tgtEl>
+                                        <p:attrNameLst>
+                                          <p:attrName>ppt_x</p:attrName>
+                                        </p:attrNameLst>
+                                      </p:cBhvr>
+                                      <p:tavLst>
+                                        <p:tav tm="0">
+                                          <p:val>
+                                            <p:strVal val="#ppt_x"/>
+                                          </p:val>
+                                        </p:tav>
+                                        <p:tav tm="100000">
+                                          <p:val>
+                                            <p:strVal val="#ppt_x"/>
+                                          </p:val>
+                                        </p:tav>
+                                      </p:tavLst>
+                                    </p:anim>
+                                    <p:anim calcmode="lin" valueType="num">
+                                      <p:cBhvr>
+                                        <p:cTn id="16" dur="1000" fill="hold"/>
+                                        <p:tgtEl>
+                                          <p:spTgt spid="68">
+                                            <p:txEl>
+                                              <p:pRg st="1" end="1"/>
+                                            </p:txEl>
+                                          </p:spTgt>
+                                        </p:tgtEl>
+                                        <p:attrNameLst>
+                                          <p:attrName>ppt_y</p:attrName>
+                                        </p:attrNameLst>
+                                      </p:cBhvr>
+                                      <p:tavLst>
+                                        <p:tav tm="0">
+                                          <p:val>
+                                            <p:strVal val="#ppt_y+.1"/>
+                                          </p:val>
+                                        </p:tav>
+                                        <p:tav tm="100000">
+                                          <p:val>
+                                            <p:strVal val="#ppt_y"/>
+                                          </p:val>
+                                        </p:tav>
+                                      </p:tavLst>
+                                    </p:anim>
+                                  </p:childTnLst>
+                                </p:cTn>
+                              </p:par>
+                            </p:childTnLst>
+                          </p:cTn>
+                        </p:par>
+                      </p:childTnLst>
+                    </p:cTn>
+                  </p:par>
+                  <p:par>
+                    <p:cTn id="17" fill="hold">
+                      <p:stCondLst>
+                        <p:cond delay="indefinite"/>
+                      </p:stCondLst>
+                      <p:childTnLst>
+                        <p:par>
+                          <p:cTn id="18" fill="hold">
+                            <p:stCondLst>
+                              <p:cond delay="0"/>
+                            </p:stCondLst>
+                            <p:childTnLst>
+                              <p:par>
+                                <p:cTn id="19" presetID="42" presetClass="entr" presetSubtype="0" fill="hold" nodeType="clickEffect">
+                                  <p:stCondLst>
+                                    <p:cond delay="0"/>
+                                  </p:stCondLst>
+                                  <p:childTnLst>
+                                    <p:set>
+                                      <p:cBhvr>
+                                        <p:cTn id="20" dur="1" fill="hold">
+                                          <p:stCondLst>
+                                            <p:cond delay="0"/>
+                                          </p:stCondLst>
+                                        </p:cTn>
+                                        <p:tgtEl>
+                                          <p:spTgt spid="68">
+                                            <p:txEl>
+                                              <p:pRg st="2" end="2"/>
+                                            </p:txEl>
+                                          </p:spTgt>
+                                        </p:tgtEl>
+                                        <p:attrNameLst>
+                                          <p:attrName>style.visibility</p:attrName>
+                                        </p:attrNameLst>
+                                      </p:cBhvr>
+                                      <p:to>
+                                        <p:strVal val="visible"/>
+                                      </p:to>
+                                    </p:set>
+                                    <p:animEffect transition="in" filter="fade">
+                                      <p:cBhvr>
+                                        <p:cTn id="21" dur="1000"/>
+                                        <p:tgtEl>
+                                          <p:spTgt spid="68">
+                                            <p:txEl>
+                                              <p:pRg st="2" end="2"/>
+                                            </p:txEl>
+                                          </p:spTgt>
+                                        </p:tgtEl>
+                                      </p:cBhvr>
+                                    </p:animEffect>
+                                    <p:anim calcmode="lin" valueType="num">
+                                      <p:cBhvr>
+                                        <p:cTn id="22" dur="1000" fill="hold"/>
+                                        <p:tgtEl>
+                                          <p:spTgt spid="68">
+                                            <p:txEl>
+                                              <p:pRg st="2" end="2"/>
+                                            </p:txEl>
+                                          </p:spTgt>
+                                        </p:tgtEl>
+                                        <p:attrNameLst>
+                                          <p:attrName>ppt_x</p:attrName>
+                                        </p:attrNameLst>
+                                      </p:cBhvr>
+                                      <p:tavLst>
+                                        <p:tav tm="0">
+                                          <p:val>
+                                            <p:strVal val="#ppt_x"/>
+                                          </p:val>
+                                        </p:tav>
+                                        <p:tav tm="100000">
+                                          <p:val>
+                                            <p:strVal val="#ppt_x"/>
+                                          </p:val>
+                                        </p:tav>
+                                      </p:tavLst>
+                                    </p:anim>
+                                    <p:anim calcmode="lin" valueType="num">
+                                      <p:cBhvr>
+                                        <p:cTn id="23" dur="1000" fill="hold"/>
+                                        <p:tgtEl>
+                                          <p:spTgt spid="68">
+                                            <p:txEl>
+                                              <p:pRg st="2" end="2"/>
+                                            </p:txEl>
+                                          </p:spTgt>
+                                        </p:tgtEl>
+                                        <p:attrNameLst>
+                                          <p:attrName>ppt_y</p:attrName>
+                                        </p:attrNameLst>
+                                      </p:cBhvr>
+                                      <p:tavLst>
+                                        <p:tav tm="0">
+                                          <p:val>
+                                            <p:strVal val="#ppt_y+.1"/>
+                                          </p:val>
+                                        </p:tav>
+                                        <p:tav tm="100000">
+                                          <p:val>
+                                            <p:strVal val="#ppt_y"/>
+                                          </p:val>
+                                        </p:tav>
+                                      </p:tavLst>
+                                    </p:anim>
+                                  </p:childTnLst>
+                                </p:cTn>
+                              </p:par>
+                            </p:childTnLst>
+                          </p:cTn>
+                        </p:par>
+                      </p:childTnLst>
+                    </p:cTn>
+                  </p:par>
+                </p:childTnLst>
+              </p:cTn>
+              <p:prevCondLst>
+                <p:cond evt="onPrev" delay="0">
+                  <p:tgtEl>
+                    <p:sldTgt/>
+                  </p:tgtEl>
+                </p:cond>
+              </p:prevCondLst>
+              <p:nextCondLst>
+                <p:cond evt="onNext" delay="0">
+                  <p:tgtEl>
+                    <p:sldTgt/>
+                  </p:tgtEl>
+                </p:cond>
+              </p:nextCondLst>
+            </p:seq>
+          </p:childTnLst>
+        </p:cTn>
       </p:par>
     </p:tnLst>
   </p:timing>
@@ -14303,7 +17690,7 @@
             </a:r>
             <a:r>
               <a:rPr lang="zh-TW" altLang="en-US" sz="3600" b="1" dirty="0" smtClean="0"/>
-              <a:t>想法</a:t>
+              <a:t>行為模式</a:t>
             </a:r>
             <a:endParaRPr sz="3600" b="1" dirty="0"/>
           </a:p>
@@ -14580,7 +17967,605 @@
   <p:timing>
     <p:tnLst>
       <p:par>
-        <p:cTn id="1" dur="indefinite" restart="never" nodeType="tmRoot"/>
+        <p:cTn id="1" dur="indefinite" restart="never" nodeType="tmRoot">
+          <p:childTnLst>
+            <p:seq concurrent="1" nextAc="seek">
+              <p:cTn id="2" dur="indefinite" nodeType="mainSeq">
+                <p:childTnLst>
+                  <p:par>
+                    <p:cTn id="3" fill="hold">
+                      <p:stCondLst>
+                        <p:cond delay="indefinite"/>
+                      </p:stCondLst>
+                      <p:childTnLst>
+                        <p:par>
+                          <p:cTn id="4" fill="hold">
+                            <p:stCondLst>
+                              <p:cond delay="0"/>
+                            </p:stCondLst>
+                            <p:childTnLst>
+                              <p:par>
+                                <p:cTn id="5" presetID="42" presetClass="entr" presetSubtype="0" fill="hold" nodeType="clickEffect">
+                                  <p:stCondLst>
+                                    <p:cond delay="0"/>
+                                  </p:stCondLst>
+                                  <p:childTnLst>
+                                    <p:set>
+                                      <p:cBhvr>
+                                        <p:cTn id="6" dur="1" fill="hold">
+                                          <p:stCondLst>
+                                            <p:cond delay="0"/>
+                                          </p:stCondLst>
+                                        </p:cTn>
+                                        <p:tgtEl>
+                                          <p:spTgt spid="68">
+                                            <p:txEl>
+                                              <p:pRg st="0" end="0"/>
+                                            </p:txEl>
+                                          </p:spTgt>
+                                        </p:tgtEl>
+                                        <p:attrNameLst>
+                                          <p:attrName>style.visibility</p:attrName>
+                                        </p:attrNameLst>
+                                      </p:cBhvr>
+                                      <p:to>
+                                        <p:strVal val="visible"/>
+                                      </p:to>
+                                    </p:set>
+                                    <p:animEffect transition="in" filter="fade">
+                                      <p:cBhvr>
+                                        <p:cTn id="7" dur="1000"/>
+                                        <p:tgtEl>
+                                          <p:spTgt spid="68">
+                                            <p:txEl>
+                                              <p:pRg st="0" end="0"/>
+                                            </p:txEl>
+                                          </p:spTgt>
+                                        </p:tgtEl>
+                                      </p:cBhvr>
+                                    </p:animEffect>
+                                    <p:anim calcmode="lin" valueType="num">
+                                      <p:cBhvr>
+                                        <p:cTn id="8" dur="1000" fill="hold"/>
+                                        <p:tgtEl>
+                                          <p:spTgt spid="68">
+                                            <p:txEl>
+                                              <p:pRg st="0" end="0"/>
+                                            </p:txEl>
+                                          </p:spTgt>
+                                        </p:tgtEl>
+                                        <p:attrNameLst>
+                                          <p:attrName>ppt_x</p:attrName>
+                                        </p:attrNameLst>
+                                      </p:cBhvr>
+                                      <p:tavLst>
+                                        <p:tav tm="0">
+                                          <p:val>
+                                            <p:strVal val="#ppt_x"/>
+                                          </p:val>
+                                        </p:tav>
+                                        <p:tav tm="100000">
+                                          <p:val>
+                                            <p:strVal val="#ppt_x"/>
+                                          </p:val>
+                                        </p:tav>
+                                      </p:tavLst>
+                                    </p:anim>
+                                    <p:anim calcmode="lin" valueType="num">
+                                      <p:cBhvr>
+                                        <p:cTn id="9" dur="1000" fill="hold"/>
+                                        <p:tgtEl>
+                                          <p:spTgt spid="68">
+                                            <p:txEl>
+                                              <p:pRg st="0" end="0"/>
+                                            </p:txEl>
+                                          </p:spTgt>
+                                        </p:tgtEl>
+                                        <p:attrNameLst>
+                                          <p:attrName>ppt_y</p:attrName>
+                                        </p:attrNameLst>
+                                      </p:cBhvr>
+                                      <p:tavLst>
+                                        <p:tav tm="0">
+                                          <p:val>
+                                            <p:strVal val="#ppt_y+.1"/>
+                                          </p:val>
+                                        </p:tav>
+                                        <p:tav tm="100000">
+                                          <p:val>
+                                            <p:strVal val="#ppt_y"/>
+                                          </p:val>
+                                        </p:tav>
+                                      </p:tavLst>
+                                    </p:anim>
+                                  </p:childTnLst>
+                                </p:cTn>
+                              </p:par>
+                            </p:childTnLst>
+                          </p:cTn>
+                        </p:par>
+                      </p:childTnLst>
+                    </p:cTn>
+                  </p:par>
+                  <p:par>
+                    <p:cTn id="10" fill="hold">
+                      <p:stCondLst>
+                        <p:cond delay="indefinite"/>
+                      </p:stCondLst>
+                      <p:childTnLst>
+                        <p:par>
+                          <p:cTn id="11" fill="hold">
+                            <p:stCondLst>
+                              <p:cond delay="0"/>
+                            </p:stCondLst>
+                            <p:childTnLst>
+                              <p:par>
+                                <p:cTn id="12" presetID="42" presetClass="entr" presetSubtype="0" fill="hold" nodeType="clickEffect">
+                                  <p:stCondLst>
+                                    <p:cond delay="0"/>
+                                  </p:stCondLst>
+                                  <p:childTnLst>
+                                    <p:set>
+                                      <p:cBhvr>
+                                        <p:cTn id="13" dur="1" fill="hold">
+                                          <p:stCondLst>
+                                            <p:cond delay="0"/>
+                                          </p:stCondLst>
+                                        </p:cTn>
+                                        <p:tgtEl>
+                                          <p:spTgt spid="68">
+                                            <p:txEl>
+                                              <p:pRg st="1" end="1"/>
+                                            </p:txEl>
+                                          </p:spTgt>
+                                        </p:tgtEl>
+                                        <p:attrNameLst>
+                                          <p:attrName>style.visibility</p:attrName>
+                                        </p:attrNameLst>
+                                      </p:cBhvr>
+                                      <p:to>
+                                        <p:strVal val="visible"/>
+                                      </p:to>
+                                    </p:set>
+                                    <p:animEffect transition="in" filter="fade">
+                                      <p:cBhvr>
+                                        <p:cTn id="14" dur="1000"/>
+                                        <p:tgtEl>
+                                          <p:spTgt spid="68">
+                                            <p:txEl>
+                                              <p:pRg st="1" end="1"/>
+                                            </p:txEl>
+                                          </p:spTgt>
+                                        </p:tgtEl>
+                                      </p:cBhvr>
+                                    </p:animEffect>
+                                    <p:anim calcmode="lin" valueType="num">
+                                      <p:cBhvr>
+                                        <p:cTn id="15" dur="1000" fill="hold"/>
+                                        <p:tgtEl>
+                                          <p:spTgt spid="68">
+                                            <p:txEl>
+                                              <p:pRg st="1" end="1"/>
+                                            </p:txEl>
+                                          </p:spTgt>
+                                        </p:tgtEl>
+                                        <p:attrNameLst>
+                                          <p:attrName>ppt_x</p:attrName>
+                                        </p:attrNameLst>
+                                      </p:cBhvr>
+                                      <p:tavLst>
+                                        <p:tav tm="0">
+                                          <p:val>
+                                            <p:strVal val="#ppt_x"/>
+                                          </p:val>
+                                        </p:tav>
+                                        <p:tav tm="100000">
+                                          <p:val>
+                                            <p:strVal val="#ppt_x"/>
+                                          </p:val>
+                                        </p:tav>
+                                      </p:tavLst>
+                                    </p:anim>
+                                    <p:anim calcmode="lin" valueType="num">
+                                      <p:cBhvr>
+                                        <p:cTn id="16" dur="1000" fill="hold"/>
+                                        <p:tgtEl>
+                                          <p:spTgt spid="68">
+                                            <p:txEl>
+                                              <p:pRg st="1" end="1"/>
+                                            </p:txEl>
+                                          </p:spTgt>
+                                        </p:tgtEl>
+                                        <p:attrNameLst>
+                                          <p:attrName>ppt_y</p:attrName>
+                                        </p:attrNameLst>
+                                      </p:cBhvr>
+                                      <p:tavLst>
+                                        <p:tav tm="0">
+                                          <p:val>
+                                            <p:strVal val="#ppt_y+.1"/>
+                                          </p:val>
+                                        </p:tav>
+                                        <p:tav tm="100000">
+                                          <p:val>
+                                            <p:strVal val="#ppt_y"/>
+                                          </p:val>
+                                        </p:tav>
+                                      </p:tavLst>
+                                    </p:anim>
+                                  </p:childTnLst>
+                                </p:cTn>
+                              </p:par>
+                            </p:childTnLst>
+                          </p:cTn>
+                        </p:par>
+                      </p:childTnLst>
+                    </p:cTn>
+                  </p:par>
+                  <p:par>
+                    <p:cTn id="17" fill="hold">
+                      <p:stCondLst>
+                        <p:cond delay="indefinite"/>
+                      </p:stCondLst>
+                      <p:childTnLst>
+                        <p:par>
+                          <p:cTn id="18" fill="hold">
+                            <p:stCondLst>
+                              <p:cond delay="0"/>
+                            </p:stCondLst>
+                            <p:childTnLst>
+                              <p:par>
+                                <p:cTn id="19" presetID="42" presetClass="entr" presetSubtype="0" fill="hold" nodeType="clickEffect">
+                                  <p:stCondLst>
+                                    <p:cond delay="0"/>
+                                  </p:stCondLst>
+                                  <p:childTnLst>
+                                    <p:set>
+                                      <p:cBhvr>
+                                        <p:cTn id="20" dur="1" fill="hold">
+                                          <p:stCondLst>
+                                            <p:cond delay="0"/>
+                                          </p:stCondLst>
+                                        </p:cTn>
+                                        <p:tgtEl>
+                                          <p:spTgt spid="68">
+                                            <p:txEl>
+                                              <p:pRg st="2" end="2"/>
+                                            </p:txEl>
+                                          </p:spTgt>
+                                        </p:tgtEl>
+                                        <p:attrNameLst>
+                                          <p:attrName>style.visibility</p:attrName>
+                                        </p:attrNameLst>
+                                      </p:cBhvr>
+                                      <p:to>
+                                        <p:strVal val="visible"/>
+                                      </p:to>
+                                    </p:set>
+                                    <p:animEffect transition="in" filter="fade">
+                                      <p:cBhvr>
+                                        <p:cTn id="21" dur="1000"/>
+                                        <p:tgtEl>
+                                          <p:spTgt spid="68">
+                                            <p:txEl>
+                                              <p:pRg st="2" end="2"/>
+                                            </p:txEl>
+                                          </p:spTgt>
+                                        </p:tgtEl>
+                                      </p:cBhvr>
+                                    </p:animEffect>
+                                    <p:anim calcmode="lin" valueType="num">
+                                      <p:cBhvr>
+                                        <p:cTn id="22" dur="1000" fill="hold"/>
+                                        <p:tgtEl>
+                                          <p:spTgt spid="68">
+                                            <p:txEl>
+                                              <p:pRg st="2" end="2"/>
+                                            </p:txEl>
+                                          </p:spTgt>
+                                        </p:tgtEl>
+                                        <p:attrNameLst>
+                                          <p:attrName>ppt_x</p:attrName>
+                                        </p:attrNameLst>
+                                      </p:cBhvr>
+                                      <p:tavLst>
+                                        <p:tav tm="0">
+                                          <p:val>
+                                            <p:strVal val="#ppt_x"/>
+                                          </p:val>
+                                        </p:tav>
+                                        <p:tav tm="100000">
+                                          <p:val>
+                                            <p:strVal val="#ppt_x"/>
+                                          </p:val>
+                                        </p:tav>
+                                      </p:tavLst>
+                                    </p:anim>
+                                    <p:anim calcmode="lin" valueType="num">
+                                      <p:cBhvr>
+                                        <p:cTn id="23" dur="1000" fill="hold"/>
+                                        <p:tgtEl>
+                                          <p:spTgt spid="68">
+                                            <p:txEl>
+                                              <p:pRg st="2" end="2"/>
+                                            </p:txEl>
+                                          </p:spTgt>
+                                        </p:tgtEl>
+                                        <p:attrNameLst>
+                                          <p:attrName>ppt_y</p:attrName>
+                                        </p:attrNameLst>
+                                      </p:cBhvr>
+                                      <p:tavLst>
+                                        <p:tav tm="0">
+                                          <p:val>
+                                            <p:strVal val="#ppt_y+.1"/>
+                                          </p:val>
+                                        </p:tav>
+                                        <p:tav tm="100000">
+                                          <p:val>
+                                            <p:strVal val="#ppt_y"/>
+                                          </p:val>
+                                        </p:tav>
+                                      </p:tavLst>
+                                    </p:anim>
+                                  </p:childTnLst>
+                                </p:cTn>
+                              </p:par>
+                            </p:childTnLst>
+                          </p:cTn>
+                        </p:par>
+                      </p:childTnLst>
+                    </p:cTn>
+                  </p:par>
+                  <p:par>
+                    <p:cTn id="24" fill="hold">
+                      <p:stCondLst>
+                        <p:cond delay="indefinite"/>
+                      </p:stCondLst>
+                      <p:childTnLst>
+                        <p:par>
+                          <p:cTn id="25" fill="hold">
+                            <p:stCondLst>
+                              <p:cond delay="0"/>
+                            </p:stCondLst>
+                            <p:childTnLst>
+                              <p:par>
+                                <p:cTn id="26" presetID="42" presetClass="entr" presetSubtype="0" fill="hold" nodeType="clickEffect">
+                                  <p:stCondLst>
+                                    <p:cond delay="0"/>
+                                  </p:stCondLst>
+                                  <p:childTnLst>
+                                    <p:set>
+                                      <p:cBhvr>
+                                        <p:cTn id="27" dur="1" fill="hold">
+                                          <p:stCondLst>
+                                            <p:cond delay="0"/>
+                                          </p:stCondLst>
+                                        </p:cTn>
+                                        <p:tgtEl>
+                                          <p:spTgt spid="68">
+                                            <p:txEl>
+                                              <p:pRg st="3" end="3"/>
+                                            </p:txEl>
+                                          </p:spTgt>
+                                        </p:tgtEl>
+                                        <p:attrNameLst>
+                                          <p:attrName>style.visibility</p:attrName>
+                                        </p:attrNameLst>
+                                      </p:cBhvr>
+                                      <p:to>
+                                        <p:strVal val="visible"/>
+                                      </p:to>
+                                    </p:set>
+                                    <p:animEffect transition="in" filter="fade">
+                                      <p:cBhvr>
+                                        <p:cTn id="28" dur="1000"/>
+                                        <p:tgtEl>
+                                          <p:spTgt spid="68">
+                                            <p:txEl>
+                                              <p:pRg st="3" end="3"/>
+                                            </p:txEl>
+                                          </p:spTgt>
+                                        </p:tgtEl>
+                                      </p:cBhvr>
+                                    </p:animEffect>
+                                    <p:anim calcmode="lin" valueType="num">
+                                      <p:cBhvr>
+                                        <p:cTn id="29" dur="1000" fill="hold"/>
+                                        <p:tgtEl>
+                                          <p:spTgt spid="68">
+                                            <p:txEl>
+                                              <p:pRg st="3" end="3"/>
+                                            </p:txEl>
+                                          </p:spTgt>
+                                        </p:tgtEl>
+                                        <p:attrNameLst>
+                                          <p:attrName>ppt_x</p:attrName>
+                                        </p:attrNameLst>
+                                      </p:cBhvr>
+                                      <p:tavLst>
+                                        <p:tav tm="0">
+                                          <p:val>
+                                            <p:strVal val="#ppt_x"/>
+                                          </p:val>
+                                        </p:tav>
+                                        <p:tav tm="100000">
+                                          <p:val>
+                                            <p:strVal val="#ppt_x"/>
+                                          </p:val>
+                                        </p:tav>
+                                      </p:tavLst>
+                                    </p:anim>
+                                    <p:anim calcmode="lin" valueType="num">
+                                      <p:cBhvr>
+                                        <p:cTn id="30" dur="1000" fill="hold"/>
+                                        <p:tgtEl>
+                                          <p:spTgt spid="68">
+                                            <p:txEl>
+                                              <p:pRg st="3" end="3"/>
+                                            </p:txEl>
+                                          </p:spTgt>
+                                        </p:tgtEl>
+                                        <p:attrNameLst>
+                                          <p:attrName>ppt_y</p:attrName>
+                                        </p:attrNameLst>
+                                      </p:cBhvr>
+                                      <p:tavLst>
+                                        <p:tav tm="0">
+                                          <p:val>
+                                            <p:strVal val="#ppt_y+.1"/>
+                                          </p:val>
+                                        </p:tav>
+                                        <p:tav tm="100000">
+                                          <p:val>
+                                            <p:strVal val="#ppt_y"/>
+                                          </p:val>
+                                        </p:tav>
+                                      </p:tavLst>
+                                    </p:anim>
+                                  </p:childTnLst>
+                                </p:cTn>
+                              </p:par>
+                            </p:childTnLst>
+                          </p:cTn>
+                        </p:par>
+                      </p:childTnLst>
+                    </p:cTn>
+                  </p:par>
+                  <p:par>
+                    <p:cTn id="31" fill="hold">
+                      <p:stCondLst>
+                        <p:cond delay="indefinite"/>
+                      </p:stCondLst>
+                      <p:childTnLst>
+                        <p:par>
+                          <p:cTn id="32" fill="hold">
+                            <p:stCondLst>
+                              <p:cond delay="0"/>
+                            </p:stCondLst>
+                            <p:childTnLst>
+                              <p:par>
+                                <p:cTn id="33" presetID="42" presetClass="entr" presetSubtype="0" fill="hold" nodeType="clickEffect">
+                                  <p:stCondLst>
+                                    <p:cond delay="0"/>
+                                  </p:stCondLst>
+                                  <p:childTnLst>
+                                    <p:set>
+                                      <p:cBhvr>
+                                        <p:cTn id="34" dur="1" fill="hold">
+                                          <p:stCondLst>
+                                            <p:cond delay="0"/>
+                                          </p:stCondLst>
+                                        </p:cTn>
+                                        <p:tgtEl>
+                                          <p:spTgt spid="68">
+                                            <p:txEl>
+                                              <p:pRg st="4" end="4"/>
+                                            </p:txEl>
+                                          </p:spTgt>
+                                        </p:tgtEl>
+                                        <p:attrNameLst>
+                                          <p:attrName>style.visibility</p:attrName>
+                                        </p:attrNameLst>
+                                      </p:cBhvr>
+                                      <p:to>
+                                        <p:strVal val="visible"/>
+                                      </p:to>
+                                    </p:set>
+                                    <p:animEffect transition="in" filter="fade">
+                                      <p:cBhvr>
+                                        <p:cTn id="35" dur="1000"/>
+                                        <p:tgtEl>
+                                          <p:spTgt spid="68">
+                                            <p:txEl>
+                                              <p:pRg st="4" end="4"/>
+                                            </p:txEl>
+                                          </p:spTgt>
+                                        </p:tgtEl>
+                                      </p:cBhvr>
+                                    </p:animEffect>
+                                    <p:anim calcmode="lin" valueType="num">
+                                      <p:cBhvr>
+                                        <p:cTn id="36" dur="1000" fill="hold"/>
+                                        <p:tgtEl>
+                                          <p:spTgt spid="68">
+                                            <p:txEl>
+                                              <p:pRg st="4" end="4"/>
+                                            </p:txEl>
+                                          </p:spTgt>
+                                        </p:tgtEl>
+                                        <p:attrNameLst>
+                                          <p:attrName>ppt_x</p:attrName>
+                                        </p:attrNameLst>
+                                      </p:cBhvr>
+                                      <p:tavLst>
+                                        <p:tav tm="0">
+                                          <p:val>
+                                            <p:strVal val="#ppt_x"/>
+                                          </p:val>
+                                        </p:tav>
+                                        <p:tav tm="100000">
+                                          <p:val>
+                                            <p:strVal val="#ppt_x"/>
+                                          </p:val>
+                                        </p:tav>
+                                      </p:tavLst>
+                                    </p:anim>
+                                    <p:anim calcmode="lin" valueType="num">
+                                      <p:cBhvr>
+                                        <p:cTn id="37" dur="1000" fill="hold"/>
+                                        <p:tgtEl>
+                                          <p:spTgt spid="68">
+                                            <p:txEl>
+                                              <p:pRg st="4" end="4"/>
+                                            </p:txEl>
+                                          </p:spTgt>
+                                        </p:tgtEl>
+                                        <p:attrNameLst>
+                                          <p:attrName>ppt_y</p:attrName>
+                                        </p:attrNameLst>
+                                      </p:cBhvr>
+                                      <p:tavLst>
+                                        <p:tav tm="0">
+                                          <p:val>
+                                            <p:strVal val="#ppt_y+.1"/>
+                                          </p:val>
+                                        </p:tav>
+                                        <p:tav tm="100000">
+                                          <p:val>
+                                            <p:strVal val="#ppt_y"/>
+                                          </p:val>
+                                        </p:tav>
+                                      </p:tavLst>
+                                    </p:anim>
+                                  </p:childTnLst>
+                                </p:cTn>
+                              </p:par>
+                            </p:childTnLst>
+                          </p:cTn>
+                        </p:par>
+                      </p:childTnLst>
+                    </p:cTn>
+                  </p:par>
+                </p:childTnLst>
+              </p:cTn>
+              <p:prevCondLst>
+                <p:cond evt="onPrev" delay="0">
+                  <p:tgtEl>
+                    <p:sldTgt/>
+                  </p:tgtEl>
+                </p:cond>
+              </p:prevCondLst>
+              <p:nextCondLst>
+                <p:cond evt="onNext" delay="0">
+                  <p:tgtEl>
+                    <p:sldTgt/>
+                  </p:tgtEl>
+                </p:cond>
+              </p:nextCondLst>
+            </p:seq>
+          </p:childTnLst>
+        </p:cTn>
       </p:par>
     </p:tnLst>
   </p:timing>
